--- a/Class Slides 2024/Class 21.pptx
+++ b/Class Slides 2024/Class 21.pptx
@@ -9,22 +9,22 @@
   </p:notesMasterIdLst>
   <p:sldIdLst>
     <p:sldId id="256" r:id="rId2"/>
-    <p:sldId id="257" r:id="rId3"/>
-    <p:sldId id="278" r:id="rId4"/>
-    <p:sldId id="279" r:id="rId5"/>
-    <p:sldId id="280" r:id="rId6"/>
-    <p:sldId id="281" r:id="rId7"/>
-    <p:sldId id="282" r:id="rId8"/>
-    <p:sldId id="813" r:id="rId9"/>
-    <p:sldId id="814" r:id="rId10"/>
-    <p:sldId id="811" r:id="rId11"/>
-    <p:sldId id="815" r:id="rId12"/>
-    <p:sldId id="816" r:id="rId13"/>
-    <p:sldId id="817" r:id="rId14"/>
-    <p:sldId id="819" r:id="rId15"/>
-    <p:sldId id="820" r:id="rId16"/>
-    <p:sldId id="822" r:id="rId17"/>
-    <p:sldId id="821" r:id="rId18"/>
+    <p:sldId id="832" r:id="rId3"/>
+    <p:sldId id="833" r:id="rId4"/>
+    <p:sldId id="272" r:id="rId5"/>
+    <p:sldId id="273" r:id="rId6"/>
+    <p:sldId id="274" r:id="rId7"/>
+    <p:sldId id="275" r:id="rId8"/>
+    <p:sldId id="276" r:id="rId9"/>
+    <p:sldId id="828" r:id="rId10"/>
+    <p:sldId id="830" r:id="rId11"/>
+    <p:sldId id="823" r:id="rId12"/>
+    <p:sldId id="824" r:id="rId13"/>
+    <p:sldId id="825" r:id="rId14"/>
+    <p:sldId id="826" r:id="rId15"/>
+    <p:sldId id="829" r:id="rId16"/>
+    <p:sldId id="827" r:id="rId17"/>
+    <p:sldId id="831" r:id="rId18"/>
   </p:sldIdLst>
   <p:sldSz cx="12192000" cy="6858000"/>
   <p:notesSz cx="6858000" cy="9144000"/>
@@ -123,6 +123,11 @@
       </a:defRPr>
     </a:lvl9pPr>
   </p:defaultTextStyle>
+  <p:extLst>
+    <p:ext uri="{EFAFB233-063F-42B5-8137-9DF3F51BA10A}">
+      <p15:sldGuideLst xmlns:p15="http://schemas.microsoft.com/office/powerpoint/2012/main"/>
+    </p:ext>
+  </p:extLst>
 </p:presentation>
 </file>
 
@@ -208,7 +213,7 @@
           <a:p>
             <a:fld id="{653F5990-6D27-4645-802A-1A91E80E9775}" type="datetimeFigureOut">
               <a:rPr lang="en-US" smtClean="0"/>
-              <a:t>2/18/2024</a:t>
+              <a:t>2/21/2024</a:t>
             </a:fld>
             <a:endParaRPr lang="en-US"/>
           </a:p>
@@ -494,7 +499,7 @@
       </p:grpSpPr>
       <p:sp>
         <p:nvSpPr>
-          <p:cNvPr id="19458" name="Rectangle 7"/>
+          <p:cNvPr id="21506" name="Rectangle 7"/>
           <p:cNvSpPr>
             <a:spLocks noGrp="1" noChangeArrowheads="1"/>
           </p:cNvSpPr>
@@ -526,7 +531,7 @@
                 <a:spcPct val="0"/>
               </a:spcAft>
             </a:pPr>
-            <a:fld id="{4C39B0F8-DE4F-4332-A049-AA9BC2D32F97}" type="slidenum">
+            <a:fld id="{2B149F13-2E6B-4880-B839-28964111EA68}" type="slidenum">
               <a:rPr lang="en-US"/>
               <a:pPr fontAlgn="base">
                 <a:spcBef>
@@ -536,7 +541,7 @@
                   <a:spcPct val="0"/>
                 </a:spcAft>
               </a:pPr>
-              <a:t>3</a:t>
+              <a:t>4</a:t>
             </a:fld>
             <a:endParaRPr lang="en-US"/>
           </a:p>
@@ -544,7 +549,7 @@
       </p:sp>
       <p:sp>
         <p:nvSpPr>
-          <p:cNvPr id="19459" name="Rectangle 2"/>
+          <p:cNvPr id="21507" name="Rectangle 2"/>
           <p:cNvSpPr>
             <a:spLocks noGrp="1" noRot="1" noChangeAspect="1" noChangeArrowheads="1" noTextEdit="1"/>
           </p:cNvSpPr>
@@ -566,7 +571,7 @@
       </p:sp>
       <p:sp>
         <p:nvSpPr>
-          <p:cNvPr id="19460" name="Rectangle 3"/>
+          <p:cNvPr id="21508" name="Rectangle 3"/>
           <p:cNvSpPr>
             <a:spLocks noGrp="1" noChangeArrowheads="1"/>
           </p:cNvSpPr>
@@ -621,7 +626,7 @@
       </p:grpSpPr>
       <p:sp>
         <p:nvSpPr>
-          <p:cNvPr id="20482" name="Rectangle 7"/>
+          <p:cNvPr id="22530" name="Rectangle 7"/>
           <p:cNvSpPr>
             <a:spLocks noGrp="1" noChangeArrowheads="1"/>
           </p:cNvSpPr>
@@ -653,7 +658,7 @@
                 <a:spcPct val="0"/>
               </a:spcAft>
             </a:pPr>
-            <a:fld id="{83FF85F2-14E9-437D-8D60-16EFB84F3239}" type="slidenum">
+            <a:fld id="{62FF50F7-9025-4FD5-BD75-D8973CF93AD7}" type="slidenum">
               <a:rPr lang="en-US"/>
               <a:pPr fontAlgn="base">
                 <a:spcBef>
@@ -663,7 +668,7 @@
                   <a:spcPct val="0"/>
                 </a:spcAft>
               </a:pPr>
-              <a:t>4</a:t>
+              <a:t>5</a:t>
             </a:fld>
             <a:endParaRPr lang="en-US"/>
           </a:p>
@@ -671,7 +676,7 @@
       </p:sp>
       <p:sp>
         <p:nvSpPr>
-          <p:cNvPr id="20483" name="Rectangle 2"/>
+          <p:cNvPr id="22531" name="Rectangle 2"/>
           <p:cNvSpPr>
             <a:spLocks noGrp="1" noRot="1" noChangeAspect="1" noChangeArrowheads="1" noTextEdit="1"/>
           </p:cNvSpPr>
@@ -693,7 +698,7 @@
       </p:sp>
       <p:sp>
         <p:nvSpPr>
-          <p:cNvPr id="20484" name="Rectangle 3"/>
+          <p:cNvPr id="22532" name="Rectangle 3"/>
           <p:cNvSpPr>
             <a:spLocks noGrp="1" noChangeArrowheads="1"/>
           </p:cNvSpPr>
@@ -748,7 +753,7 @@
       </p:grpSpPr>
       <p:sp>
         <p:nvSpPr>
-          <p:cNvPr id="21506" name="Rectangle 7"/>
+          <p:cNvPr id="23554" name="Rectangle 7"/>
           <p:cNvSpPr>
             <a:spLocks noGrp="1" noChangeArrowheads="1"/>
           </p:cNvSpPr>
@@ -780,7 +785,7 @@
                 <a:spcPct val="0"/>
               </a:spcAft>
             </a:pPr>
-            <a:fld id="{E84C18D7-E0B3-43D9-9B9E-4E92376361CB}" type="slidenum">
+            <a:fld id="{C858300D-C19C-40E1-BE67-C6D9DC467B2C}" type="slidenum">
               <a:rPr lang="en-US"/>
               <a:pPr fontAlgn="base">
                 <a:spcBef>
@@ -790,7 +795,7 @@
                   <a:spcPct val="0"/>
                 </a:spcAft>
               </a:pPr>
-              <a:t>5</a:t>
+              <a:t>6</a:t>
             </a:fld>
             <a:endParaRPr lang="en-US"/>
           </a:p>
@@ -798,7 +803,7 @@
       </p:sp>
       <p:sp>
         <p:nvSpPr>
-          <p:cNvPr id="21507" name="Rectangle 2"/>
+          <p:cNvPr id="23555" name="Rectangle 2"/>
           <p:cNvSpPr>
             <a:spLocks noGrp="1" noRot="1" noChangeAspect="1" noChangeArrowheads="1" noTextEdit="1"/>
           </p:cNvSpPr>
@@ -820,7 +825,7 @@
       </p:sp>
       <p:sp>
         <p:nvSpPr>
-          <p:cNvPr id="21508" name="Rectangle 3"/>
+          <p:cNvPr id="23556" name="Rectangle 3"/>
           <p:cNvSpPr>
             <a:spLocks noGrp="1" noChangeArrowheads="1"/>
           </p:cNvSpPr>
@@ -875,7 +880,7 @@
       </p:grpSpPr>
       <p:sp>
         <p:nvSpPr>
-          <p:cNvPr id="22530" name="Rectangle 7"/>
+          <p:cNvPr id="24578" name="Rectangle 7"/>
           <p:cNvSpPr>
             <a:spLocks noGrp="1" noChangeArrowheads="1"/>
           </p:cNvSpPr>
@@ -907,7 +912,7 @@
                 <a:spcPct val="0"/>
               </a:spcAft>
             </a:pPr>
-            <a:fld id="{A3EEBEC8-B6E7-4970-BFDC-E5CBEF429749}" type="slidenum">
+            <a:fld id="{C155EE81-59AA-4E85-8DFB-72ACE748AF16}" type="slidenum">
               <a:rPr lang="en-US"/>
               <a:pPr fontAlgn="base">
                 <a:spcBef>
@@ -917,7 +922,7 @@
                   <a:spcPct val="0"/>
                 </a:spcAft>
               </a:pPr>
-              <a:t>6</a:t>
+              <a:t>7</a:t>
             </a:fld>
             <a:endParaRPr lang="en-US"/>
           </a:p>
@@ -925,7 +930,7 @@
       </p:sp>
       <p:sp>
         <p:nvSpPr>
-          <p:cNvPr id="22531" name="Rectangle 2"/>
+          <p:cNvPr id="24579" name="Rectangle 2"/>
           <p:cNvSpPr>
             <a:spLocks noGrp="1" noRot="1" noChangeAspect="1" noChangeArrowheads="1" noTextEdit="1"/>
           </p:cNvSpPr>
@@ -947,7 +952,134 @@
       </p:sp>
       <p:sp>
         <p:nvSpPr>
-          <p:cNvPr id="22532" name="Rectangle 3"/>
+          <p:cNvPr id="24580" name="Rectangle 3"/>
+          <p:cNvSpPr>
+            <a:spLocks noGrp="1" noChangeArrowheads="1"/>
+          </p:cNvSpPr>
+          <p:nvPr>
+            <p:ph type="body" idx="1"/>
+          </p:nvPr>
+        </p:nvSpPr>
+        <p:spPr bwMode="auto">
+          <a:noFill/>
+        </p:spPr>
+        <p:txBody>
+          <a:bodyPr wrap="square" numCol="1" anchor="t" anchorCtr="0" compatLnSpc="1">
+            <a:prstTxWarp prst="textNoShape">
+              <a:avLst/>
+            </a:prstTxWarp>
+          </a:bodyPr>
+          <a:lstStyle/>
+          <a:p>
+            <a:pPr>
+              <a:spcBef>
+                <a:spcPct val="0"/>
+              </a:spcBef>
+            </a:pPr>
+            <a:endParaRPr lang="en-US"/>
+          </a:p>
+        </p:txBody>
+      </p:sp>
+    </p:spTree>
+  </p:cSld>
+  <p:clrMapOvr>
+    <a:masterClrMapping/>
+  </p:clrMapOvr>
+</p:notes>
+</file>
+
+<file path=ppt/notesSlides/notesSlide5.xml><?xml version="1.0" encoding="utf-8"?>
+<p:notes xmlns:a="http://schemas.openxmlformats.org/drawingml/2006/main" xmlns:r="http://schemas.openxmlformats.org/officeDocument/2006/relationships" xmlns:p="http://schemas.openxmlformats.org/presentationml/2006/main">
+  <p:cSld>
+    <p:spTree>
+      <p:nvGrpSpPr>
+        <p:cNvPr id="1" name=""/>
+        <p:cNvGrpSpPr/>
+        <p:nvPr/>
+      </p:nvGrpSpPr>
+      <p:grpSpPr>
+        <a:xfrm>
+          <a:off x="0" y="0"/>
+          <a:ext cx="0" cy="0"/>
+          <a:chOff x="0" y="0"/>
+          <a:chExt cx="0" cy="0"/>
+        </a:xfrm>
+      </p:grpSpPr>
+      <p:sp>
+        <p:nvSpPr>
+          <p:cNvPr id="25602" name="Rectangle 7"/>
+          <p:cNvSpPr>
+            <a:spLocks noGrp="1" noChangeArrowheads="1"/>
+          </p:cNvSpPr>
+          <p:nvPr>
+            <p:ph type="sldNum" sz="quarter" idx="5"/>
+          </p:nvPr>
+        </p:nvSpPr>
+        <p:spPr bwMode="auto">
+          <a:noFill/>
+          <a:ln>
+            <a:miter lim="800000"/>
+            <a:headEnd/>
+            <a:tailEnd/>
+          </a:ln>
+        </p:spPr>
+        <p:txBody>
+          <a:bodyPr wrap="square" numCol="1" anchorCtr="0" compatLnSpc="1">
+            <a:prstTxWarp prst="textNoShape">
+              <a:avLst/>
+            </a:prstTxWarp>
+          </a:bodyPr>
+          <a:lstStyle/>
+          <a:p>
+            <a:pPr fontAlgn="base">
+              <a:spcBef>
+                <a:spcPct val="0"/>
+              </a:spcBef>
+              <a:spcAft>
+                <a:spcPct val="0"/>
+              </a:spcAft>
+            </a:pPr>
+            <a:fld id="{BE6C3B9C-D4A0-479D-BA31-5987DF11C311}" type="slidenum">
+              <a:rPr lang="en-US"/>
+              <a:pPr fontAlgn="base">
+                <a:spcBef>
+                  <a:spcPct val="0"/>
+                </a:spcBef>
+                <a:spcAft>
+                  <a:spcPct val="0"/>
+                </a:spcAft>
+              </a:pPr>
+              <a:t>8</a:t>
+            </a:fld>
+            <a:endParaRPr lang="en-US"/>
+          </a:p>
+        </p:txBody>
+      </p:sp>
+      <p:sp>
+        <p:nvSpPr>
+          <p:cNvPr id="25603" name="Rectangle 2"/>
+          <p:cNvSpPr>
+            <a:spLocks noGrp="1" noRot="1" noChangeAspect="1" noChangeArrowheads="1" noTextEdit="1"/>
+          </p:cNvSpPr>
+          <p:nvPr>
+            <p:ph type="sldImg"/>
+          </p:nvPr>
+        </p:nvSpPr>
+        <p:spPr bwMode="auto">
+          <a:noFill/>
+          <a:ln>
+            <a:solidFill>
+              <a:srgbClr val="000000"/>
+            </a:solidFill>
+            <a:miter lim="800000"/>
+            <a:headEnd/>
+            <a:tailEnd/>
+          </a:ln>
+        </p:spPr>
+      </p:sp>
+      <p:sp>
+        <p:nvSpPr>
+          <p:cNvPr id="25604" name="Rectangle 3"/>
           <p:cNvSpPr>
             <a:spLocks noGrp="1" noChangeArrowheads="1"/>
           </p:cNvSpPr>
@@ -1130,7 +1262,7 @@
           <a:p>
             <a:fld id="{3D4803A8-A464-4769-A6D4-3B6F57CA8CCB}" type="datetimeFigureOut">
               <a:rPr lang="en-US" smtClean="0"/>
-              <a:t>2/18/2024</a:t>
+              <a:t>2/21/2024</a:t>
             </a:fld>
             <a:endParaRPr lang="en-US"/>
           </a:p>
@@ -1328,7 +1460,7 @@
           <a:p>
             <a:fld id="{3D4803A8-A464-4769-A6D4-3B6F57CA8CCB}" type="datetimeFigureOut">
               <a:rPr lang="en-US" smtClean="0"/>
-              <a:t>2/18/2024</a:t>
+              <a:t>2/21/2024</a:t>
             </a:fld>
             <a:endParaRPr lang="en-US"/>
           </a:p>
@@ -1536,7 +1668,7 @@
           <a:p>
             <a:fld id="{3D4803A8-A464-4769-A6D4-3B6F57CA8CCB}" type="datetimeFigureOut">
               <a:rPr lang="en-US" smtClean="0"/>
-              <a:t>2/18/2024</a:t>
+              <a:t>2/21/2024</a:t>
             </a:fld>
             <a:endParaRPr lang="en-US"/>
           </a:p>
@@ -1610,8 +1742,8 @@
 </file>
 
 <file path=ppt/slideLayouts/slideLayout12.xml><?xml version="1.0" encoding="utf-8"?>
-<p:sldLayout xmlns:a="http://schemas.openxmlformats.org/drawingml/2006/main" xmlns:r="http://schemas.openxmlformats.org/officeDocument/2006/relationships" xmlns:p="http://schemas.openxmlformats.org/presentationml/2006/main" type="objOverTx">
-  <p:cSld name="Title and Content over Text">
+<p:sldLayout xmlns:a="http://schemas.openxmlformats.org/drawingml/2006/main" xmlns:r="http://schemas.openxmlformats.org/officeDocument/2006/relationships" xmlns:p="http://schemas.openxmlformats.org/presentationml/2006/main" type="tbl">
+  <p:cSld name="Title and Table">
     <p:spTree>
       <p:nvGrpSpPr>
         <p:cNvPr id="1" name=""/>
@@ -1655,119 +1787,34 @@
       </p:sp>
       <p:sp>
         <p:nvSpPr>
-          <p:cNvPr id="3" name="Content Placeholder 2"/>
+          <p:cNvPr id="3" name="Table Placeholder 2"/>
           <p:cNvSpPr>
             <a:spLocks noGrp="1"/>
           </p:cNvSpPr>
           <p:nvPr>
-            <p:ph sz="half" idx="1"/>
+            <p:ph type="tbl" idx="1"/>
           </p:nvPr>
         </p:nvSpPr>
         <p:spPr>
           <a:xfrm>
-            <a:off x="609600" y="1600200"/>
-            <a:ext cx="10972800" cy="2185988"/>
+            <a:off x="609600" y="1600201"/>
+            <a:ext cx="10972800" cy="4525963"/>
           </a:xfrm>
         </p:spPr>
         <p:txBody>
-          <a:bodyPr/>
+          <a:bodyPr rtlCol="0">
+            <a:normAutofit/>
+          </a:bodyPr>
           <a:lstStyle/>
           <a:p>
             <a:pPr lvl="0"/>
-            <a:r>
-              <a:rPr lang="en-US"/>
-              <a:t>Click to edit Master text styles</a:t>
-            </a:r>
-          </a:p>
-          <a:p>
-            <a:pPr lvl="1"/>
-            <a:r>
-              <a:rPr lang="en-US"/>
-              <a:t>Second level</a:t>
-            </a:r>
-          </a:p>
-          <a:p>
-            <a:pPr lvl="2"/>
-            <a:r>
-              <a:rPr lang="en-US"/>
-              <a:t>Third level</a:t>
-            </a:r>
-          </a:p>
-          <a:p>
-            <a:pPr lvl="3"/>
-            <a:r>
-              <a:rPr lang="en-US"/>
-              <a:t>Fourth level</a:t>
-            </a:r>
-          </a:p>
-          <a:p>
-            <a:pPr lvl="4"/>
-            <a:r>
-              <a:rPr lang="en-US"/>
-              <a:t>Fifth level</a:t>
-            </a:r>
-          </a:p>
-        </p:txBody>
-      </p:sp>
-      <p:sp>
-        <p:nvSpPr>
-          <p:cNvPr id="4" name="Text Placeholder 3"/>
-          <p:cNvSpPr>
-            <a:spLocks noGrp="1"/>
-          </p:cNvSpPr>
-          <p:nvPr>
-            <p:ph type="body" sz="half" idx="2"/>
-          </p:nvPr>
-        </p:nvSpPr>
-        <p:spPr>
-          <a:xfrm>
-            <a:off x="609600" y="3938589"/>
-            <a:ext cx="10972800" cy="2187575"/>
-          </a:xfrm>
-        </p:spPr>
-        <p:txBody>
-          <a:bodyPr/>
-          <a:lstStyle/>
-          <a:p>
-            <a:pPr lvl="0"/>
-            <a:r>
-              <a:rPr lang="en-US"/>
-              <a:t>Click to edit Master text styles</a:t>
-            </a:r>
-          </a:p>
-          <a:p>
-            <a:pPr lvl="1"/>
-            <a:r>
-              <a:rPr lang="en-US"/>
-              <a:t>Second level</a:t>
-            </a:r>
-          </a:p>
-          <a:p>
-            <a:pPr lvl="2"/>
-            <a:r>
-              <a:rPr lang="en-US"/>
-              <a:t>Third level</a:t>
-            </a:r>
-          </a:p>
-          <a:p>
-            <a:pPr lvl="3"/>
-            <a:r>
-              <a:rPr lang="en-US"/>
-              <a:t>Fourth level</a:t>
-            </a:r>
-          </a:p>
-          <a:p>
-            <a:pPr lvl="4"/>
-            <a:r>
-              <a:rPr lang="en-US"/>
-              <a:t>Fifth level</a:t>
-            </a:r>
-          </a:p>
-        </p:txBody>
-      </p:sp>
-      <p:sp>
-        <p:nvSpPr>
-          <p:cNvPr id="5" name="Date Placeholder 4"/>
+            <a:endParaRPr lang="en-US" noProof="0"/>
+          </a:p>
+        </p:txBody>
+      </p:sp>
+      <p:sp>
+        <p:nvSpPr>
+          <p:cNvPr id="4" name="Date Placeholder 3"/>
           <p:cNvSpPr>
             <a:spLocks noGrp="1"/>
           </p:cNvSpPr>
@@ -1798,7 +1845,7 @@
       </p:sp>
       <p:sp>
         <p:nvSpPr>
-          <p:cNvPr id="6" name="Footer Placeholder 5"/>
+          <p:cNvPr id="5" name="Footer Placeholder 4"/>
           <p:cNvSpPr>
             <a:spLocks noGrp="1"/>
           </p:cNvSpPr>
@@ -1829,7 +1876,7 @@
       </p:sp>
       <p:sp>
         <p:nvSpPr>
-          <p:cNvPr id="7" name="Slide Number Placeholder 6"/>
+          <p:cNvPr id="6" name="Slide Number Placeholder 5"/>
           <p:cNvSpPr>
             <a:spLocks noGrp="1"/>
           </p:cNvSpPr>
@@ -1854,7 +1901,7 @@
             <a:pPr>
               <a:defRPr/>
             </a:pPr>
-            <a:fld id="{E9B0AE8B-FB0A-49C5-92F1-9DF51FC22C01}" type="slidenum">
+            <a:fld id="{51E8C451-0ADB-48E4-89A4-291FF75E592A}" type="slidenum">
               <a:rPr lang="en-US"/>
               <a:pPr>
                 <a:defRPr/>
@@ -1868,7 +1915,276 @@
     </p:spTree>
     <p:extLst>
       <p:ext uri="{BB962C8B-B14F-4D97-AF65-F5344CB8AC3E}">
-        <p14:creationId xmlns:p14="http://schemas.microsoft.com/office/powerpoint/2010/main" val="308823552"/>
+        <p14:creationId xmlns:p14="http://schemas.microsoft.com/office/powerpoint/2010/main" val="1260571937"/>
+      </p:ext>
+    </p:extLst>
+  </p:cSld>
+  <p:clrMapOvr>
+    <a:masterClrMapping/>
+  </p:clrMapOvr>
+</p:sldLayout>
+</file>
+
+<file path=ppt/slideLayouts/slideLayout13.xml><?xml version="1.0" encoding="utf-8"?>
+<p:sldLayout xmlns:a="http://schemas.openxmlformats.org/drawingml/2006/main" xmlns:r="http://schemas.openxmlformats.org/officeDocument/2006/relationships" xmlns:p="http://schemas.openxmlformats.org/presentationml/2006/main" type="txOverObj">
+  <p:cSld name="Title and Text over Content">
+    <p:spTree>
+      <p:nvGrpSpPr>
+        <p:cNvPr id="1" name=""/>
+        <p:cNvGrpSpPr/>
+        <p:nvPr/>
+      </p:nvGrpSpPr>
+      <p:grpSpPr>
+        <a:xfrm>
+          <a:off x="0" y="0"/>
+          <a:ext cx="0" cy="0"/>
+          <a:chOff x="0" y="0"/>
+          <a:chExt cx="0" cy="0"/>
+        </a:xfrm>
+      </p:grpSpPr>
+      <p:sp>
+        <p:nvSpPr>
+          <p:cNvPr id="2" name="Title 1"/>
+          <p:cNvSpPr>
+            <a:spLocks noGrp="1"/>
+          </p:cNvSpPr>
+          <p:nvPr>
+            <p:ph type="title"/>
+          </p:nvPr>
+        </p:nvSpPr>
+        <p:spPr>
+          <a:xfrm>
+            <a:off x="609600" y="274638"/>
+            <a:ext cx="10972800" cy="1143000"/>
+          </a:xfrm>
+        </p:spPr>
+        <p:txBody>
+          <a:bodyPr/>
+          <a:lstStyle/>
+          <a:p>
+            <a:r>
+              <a:rPr lang="en-US"/>
+              <a:t>Click to edit Master title style</a:t>
+            </a:r>
+          </a:p>
+        </p:txBody>
+      </p:sp>
+      <p:sp>
+        <p:nvSpPr>
+          <p:cNvPr id="3" name="Text Placeholder 2"/>
+          <p:cNvSpPr>
+            <a:spLocks noGrp="1"/>
+          </p:cNvSpPr>
+          <p:nvPr>
+            <p:ph type="body" sz="half" idx="1"/>
+          </p:nvPr>
+        </p:nvSpPr>
+        <p:spPr>
+          <a:xfrm>
+            <a:off x="609600" y="1600200"/>
+            <a:ext cx="10972800" cy="2185988"/>
+          </a:xfrm>
+        </p:spPr>
+        <p:txBody>
+          <a:bodyPr/>
+          <a:lstStyle/>
+          <a:p>
+            <a:pPr lvl="0"/>
+            <a:r>
+              <a:rPr lang="en-US"/>
+              <a:t>Click to edit Master text styles</a:t>
+            </a:r>
+          </a:p>
+          <a:p>
+            <a:pPr lvl="1"/>
+            <a:r>
+              <a:rPr lang="en-US"/>
+              <a:t>Second level</a:t>
+            </a:r>
+          </a:p>
+          <a:p>
+            <a:pPr lvl="2"/>
+            <a:r>
+              <a:rPr lang="en-US"/>
+              <a:t>Third level</a:t>
+            </a:r>
+          </a:p>
+          <a:p>
+            <a:pPr lvl="3"/>
+            <a:r>
+              <a:rPr lang="en-US"/>
+              <a:t>Fourth level</a:t>
+            </a:r>
+          </a:p>
+          <a:p>
+            <a:pPr lvl="4"/>
+            <a:r>
+              <a:rPr lang="en-US"/>
+              <a:t>Fifth level</a:t>
+            </a:r>
+          </a:p>
+        </p:txBody>
+      </p:sp>
+      <p:sp>
+        <p:nvSpPr>
+          <p:cNvPr id="4" name="Content Placeholder 3"/>
+          <p:cNvSpPr>
+            <a:spLocks noGrp="1"/>
+          </p:cNvSpPr>
+          <p:nvPr>
+            <p:ph sz="half" idx="2"/>
+          </p:nvPr>
+        </p:nvSpPr>
+        <p:spPr>
+          <a:xfrm>
+            <a:off x="609600" y="3938589"/>
+            <a:ext cx="10972800" cy="2187575"/>
+          </a:xfrm>
+        </p:spPr>
+        <p:txBody>
+          <a:bodyPr/>
+          <a:lstStyle/>
+          <a:p>
+            <a:pPr lvl="0"/>
+            <a:r>
+              <a:rPr lang="en-US"/>
+              <a:t>Click to edit Master text styles</a:t>
+            </a:r>
+          </a:p>
+          <a:p>
+            <a:pPr lvl="1"/>
+            <a:r>
+              <a:rPr lang="en-US"/>
+              <a:t>Second level</a:t>
+            </a:r>
+          </a:p>
+          <a:p>
+            <a:pPr lvl="2"/>
+            <a:r>
+              <a:rPr lang="en-US"/>
+              <a:t>Third level</a:t>
+            </a:r>
+          </a:p>
+          <a:p>
+            <a:pPr lvl="3"/>
+            <a:r>
+              <a:rPr lang="en-US"/>
+              <a:t>Fourth level</a:t>
+            </a:r>
+          </a:p>
+          <a:p>
+            <a:pPr lvl="4"/>
+            <a:r>
+              <a:rPr lang="en-US"/>
+              <a:t>Fifth level</a:t>
+            </a:r>
+          </a:p>
+        </p:txBody>
+      </p:sp>
+      <p:sp>
+        <p:nvSpPr>
+          <p:cNvPr id="5" name="Date Placeholder 4"/>
+          <p:cNvSpPr>
+            <a:spLocks noGrp="1"/>
+          </p:cNvSpPr>
+          <p:nvPr>
+            <p:ph type="dt" sz="half" idx="10"/>
+          </p:nvPr>
+        </p:nvSpPr>
+        <p:spPr>
+          <a:xfrm>
+            <a:off x="609600" y="6245225"/>
+            <a:ext cx="2844800" cy="476250"/>
+          </a:xfrm>
+        </p:spPr>
+        <p:txBody>
+          <a:bodyPr/>
+          <a:lstStyle>
+            <a:lvl1pPr>
+              <a:defRPr smtClean="0"/>
+            </a:lvl1pPr>
+          </a:lstStyle>
+          <a:p>
+            <a:pPr>
+              <a:defRPr/>
+            </a:pPr>
+            <a:endParaRPr lang="en-US"/>
+          </a:p>
+        </p:txBody>
+      </p:sp>
+      <p:sp>
+        <p:nvSpPr>
+          <p:cNvPr id="6" name="Footer Placeholder 5"/>
+          <p:cNvSpPr>
+            <a:spLocks noGrp="1"/>
+          </p:cNvSpPr>
+          <p:nvPr>
+            <p:ph type="ftr" sz="quarter" idx="11"/>
+          </p:nvPr>
+        </p:nvSpPr>
+        <p:spPr>
+          <a:xfrm>
+            <a:off x="4165600" y="6245225"/>
+            <a:ext cx="3860800" cy="476250"/>
+          </a:xfrm>
+        </p:spPr>
+        <p:txBody>
+          <a:bodyPr/>
+          <a:lstStyle>
+            <a:lvl1pPr>
+              <a:defRPr smtClean="0"/>
+            </a:lvl1pPr>
+          </a:lstStyle>
+          <a:p>
+            <a:pPr>
+              <a:defRPr/>
+            </a:pPr>
+            <a:endParaRPr lang="en-US"/>
+          </a:p>
+        </p:txBody>
+      </p:sp>
+      <p:sp>
+        <p:nvSpPr>
+          <p:cNvPr id="7" name="Slide Number Placeholder 6"/>
+          <p:cNvSpPr>
+            <a:spLocks noGrp="1"/>
+          </p:cNvSpPr>
+          <p:nvPr>
+            <p:ph type="sldNum" sz="quarter" idx="12"/>
+          </p:nvPr>
+        </p:nvSpPr>
+        <p:spPr>
+          <a:xfrm>
+            <a:off x="8737600" y="6245225"/>
+            <a:ext cx="2844800" cy="476250"/>
+          </a:xfrm>
+        </p:spPr>
+        <p:txBody>
+          <a:bodyPr/>
+          <a:lstStyle>
+            <a:lvl1pPr>
+              <a:defRPr smtClean="0"/>
+            </a:lvl1pPr>
+          </a:lstStyle>
+          <a:p>
+            <a:pPr>
+              <a:defRPr/>
+            </a:pPr>
+            <a:fld id="{A37A6E72-9F7C-4D56-8287-09D3E9DF2D62}" type="slidenum">
+              <a:rPr lang="en-US"/>
+              <a:pPr>
+                <a:defRPr/>
+              </a:pPr>
+              <a:t>‹#›</a:t>
+            </a:fld>
+            <a:endParaRPr lang="en-US"/>
+          </a:p>
+        </p:txBody>
+      </p:sp>
+    </p:spTree>
+    <p:extLst>
+      <p:ext uri="{BB962C8B-B14F-4D97-AF65-F5344CB8AC3E}">
+        <p14:creationId xmlns:p14="http://schemas.microsoft.com/office/powerpoint/2010/main" val="4052258540"/>
       </p:ext>
     </p:extLst>
   </p:cSld>
@@ -2003,7 +2319,7 @@
           <a:p>
             <a:fld id="{3D4803A8-A464-4769-A6D4-3B6F57CA8CCB}" type="datetimeFigureOut">
               <a:rPr lang="en-US" smtClean="0"/>
-              <a:t>2/18/2024</a:t>
+              <a:t>2/21/2024</a:t>
             </a:fld>
             <a:endParaRPr lang="en-US"/>
           </a:p>
@@ -2278,7 +2594,7 @@
           <a:p>
             <a:fld id="{3D4803A8-A464-4769-A6D4-3B6F57CA8CCB}" type="datetimeFigureOut">
               <a:rPr lang="en-US" smtClean="0"/>
-              <a:t>2/18/2024</a:t>
+              <a:t>2/21/2024</a:t>
             </a:fld>
             <a:endParaRPr lang="en-US"/>
           </a:p>
@@ -2543,7 +2859,7 @@
           <a:p>
             <a:fld id="{3D4803A8-A464-4769-A6D4-3B6F57CA8CCB}" type="datetimeFigureOut">
               <a:rPr lang="en-US" smtClean="0"/>
-              <a:t>2/18/2024</a:t>
+              <a:t>2/21/2024</a:t>
             </a:fld>
             <a:endParaRPr lang="en-US"/>
           </a:p>
@@ -2955,7 +3271,7 @@
           <a:p>
             <a:fld id="{3D4803A8-A464-4769-A6D4-3B6F57CA8CCB}" type="datetimeFigureOut">
               <a:rPr lang="en-US" smtClean="0"/>
-              <a:t>2/18/2024</a:t>
+              <a:t>2/21/2024</a:t>
             </a:fld>
             <a:endParaRPr lang="en-US"/>
           </a:p>
@@ -3096,7 +3412,7 @@
           <a:p>
             <a:fld id="{3D4803A8-A464-4769-A6D4-3B6F57CA8CCB}" type="datetimeFigureOut">
               <a:rPr lang="en-US" smtClean="0"/>
-              <a:t>2/18/2024</a:t>
+              <a:t>2/21/2024</a:t>
             </a:fld>
             <a:endParaRPr lang="en-US"/>
           </a:p>
@@ -3209,7 +3525,7 @@
           <a:p>
             <a:fld id="{3D4803A8-A464-4769-A6D4-3B6F57CA8CCB}" type="datetimeFigureOut">
               <a:rPr lang="en-US" smtClean="0"/>
-              <a:t>2/18/2024</a:t>
+              <a:t>2/21/2024</a:t>
             </a:fld>
             <a:endParaRPr lang="en-US"/>
           </a:p>
@@ -3520,7 +3836,7 @@
           <a:p>
             <a:fld id="{3D4803A8-A464-4769-A6D4-3B6F57CA8CCB}" type="datetimeFigureOut">
               <a:rPr lang="en-US" smtClean="0"/>
-              <a:t>2/18/2024</a:t>
+              <a:t>2/21/2024</a:t>
             </a:fld>
             <a:endParaRPr lang="en-US"/>
           </a:p>
@@ -3808,7 +4124,7 @@
           <a:p>
             <a:fld id="{3D4803A8-A464-4769-A6D4-3B6F57CA8CCB}" type="datetimeFigureOut">
               <a:rPr lang="en-US" smtClean="0"/>
-              <a:t>2/18/2024</a:t>
+              <a:t>2/21/2024</a:t>
             </a:fld>
             <a:endParaRPr lang="en-US"/>
           </a:p>
@@ -4049,7 +4365,7 @@
           <a:p>
             <a:fld id="{3D4803A8-A464-4769-A6D4-3B6F57CA8CCB}" type="datetimeFigureOut">
               <a:rPr lang="en-US" smtClean="0"/>
-              <a:t>2/18/2024</a:t>
+              <a:t>2/21/2024</a:t>
             </a:fld>
             <a:endParaRPr lang="en-US"/>
           </a:p>
@@ -4165,7 +4481,8 @@
     <p:sldLayoutId id="2147483657" r:id="rId9"/>
     <p:sldLayoutId id="2147483658" r:id="rId10"/>
     <p:sldLayoutId id="2147483659" r:id="rId11"/>
-    <p:sldLayoutId id="2147483660" r:id="rId12"/>
+    <p:sldLayoutId id="2147483661" r:id="rId12"/>
+    <p:sldLayoutId id="2147483662" r:id="rId13"/>
   </p:sldLayoutIdLst>
   <p:txStyles>
     <p:titleStyle>
@@ -4518,6 +4835,15 @@
           <a:p>
             <a:r>
               <a:rPr lang="en-US" dirty="0"/>
+              <a:t>Continued: Chi2 </a:t>
+            </a:r>
+          </a:p>
+          <a:p>
+            <a:endParaRPr lang="en-US" dirty="0"/>
+          </a:p>
+          <a:p>
+            <a:r>
+              <a:rPr lang="en-US" dirty="0"/>
               <a:t>Chapter 17: Qualitative Research</a:t>
             </a:r>
           </a:p>
@@ -4555,10 +4881,10 @@
       </p:grpSpPr>
       <p:sp>
         <p:nvSpPr>
-          <p:cNvPr id="2" name="Content Placeholder 1">
+          <p:cNvPr id="2" name="Title 1">
             <a:extLst>
               <a:ext uri="{FF2B5EF4-FFF2-40B4-BE49-F238E27FC236}">
-                <a16:creationId xmlns:a16="http://schemas.microsoft.com/office/drawing/2014/main" id="{61784353-8B8F-4C90-8DC2-A33EE32EE775}"/>
+                <a16:creationId xmlns:a16="http://schemas.microsoft.com/office/drawing/2014/main" id="{FACA9318-E640-492C-345D-CED26C0DBDCE}"/>
               </a:ext>
             </a:extLst>
           </p:cNvPr>
@@ -4566,109 +4892,24 @@
             <a:spLocks noGrp="1"/>
           </p:cNvSpPr>
           <p:nvPr>
-            <p:ph idx="1"/>
+            <p:ph type="title"/>
           </p:nvPr>
         </p:nvSpPr>
         <p:spPr/>
         <p:txBody>
-          <a:bodyPr>
-            <a:normAutofit fontScale="92500" lnSpcReduction="10000"/>
-          </a:bodyPr>
+          <a:bodyPr/>
           <a:lstStyle/>
           <a:p>
-            <a:r>
-              <a:rPr lang="en-US" sz="2400" dirty="0"/>
-              <a:t>T1: A1 &gt; B1</a:t>
-            </a:r>
-          </a:p>
-          <a:p>
-            <a:pPr lvl="1"/>
-            <a:r>
-              <a:rPr lang="en-US" sz="2000" dirty="0"/>
-              <a:t>Strongest evidence if successful</a:t>
-            </a:r>
-          </a:p>
-          <a:p>
-            <a:pPr lvl="2"/>
-            <a:r>
-              <a:rPr lang="en-US" sz="1800" dirty="0"/>
-              <a:t>Cohort A is better at task performance because of training intervention</a:t>
-            </a:r>
-          </a:p>
-          <a:p>
-            <a:pPr lvl="1"/>
-            <a:r>
-              <a:rPr lang="en-US" sz="2000" dirty="0"/>
-              <a:t>Weakest for statistical power</a:t>
-            </a:r>
-          </a:p>
-          <a:p>
-            <a:pPr lvl="2"/>
-            <a:r>
-              <a:rPr lang="en-US" sz="1800" dirty="0"/>
-              <a:t>“Between-participants” design vulnerable to individual differences, variability due to measurement error</a:t>
-            </a:r>
-          </a:p>
-          <a:p>
-            <a:r>
-              <a:rPr lang="en-US" sz="2400" dirty="0"/>
-              <a:t>T2: B2 &gt; B1</a:t>
-            </a:r>
-          </a:p>
-          <a:p>
-            <a:pPr lvl="1"/>
-            <a:r>
-              <a:rPr lang="en-US" sz="2000" dirty="0"/>
-              <a:t>Strongest statistical power</a:t>
-            </a:r>
-          </a:p>
-          <a:p>
-            <a:pPr lvl="2"/>
-            <a:r>
-              <a:rPr lang="en-US" sz="1800" dirty="0"/>
-              <a:t>Each student is their own control</a:t>
-            </a:r>
-          </a:p>
-          <a:p>
-            <a:pPr lvl="1"/>
-            <a:r>
-              <a:rPr lang="en-US" sz="2000" dirty="0"/>
-              <a:t>Inference that intervention caused improvement is weakened by other possible sources of learning between assessments</a:t>
-            </a:r>
-          </a:p>
-          <a:p>
-            <a:r>
-              <a:rPr lang="en-US" sz="2400" dirty="0"/>
-              <a:t>T3: A1 = A2</a:t>
-            </a:r>
-          </a:p>
-          <a:p>
-            <a:pPr lvl="1"/>
-            <a:r>
-              <a:rPr lang="en-US" sz="2000" dirty="0"/>
-              <a:t>Demonstrates retention</a:t>
-            </a:r>
-          </a:p>
-          <a:p>
-            <a:pPr lvl="1"/>
-            <a:r>
-              <a:rPr lang="en-US" sz="2000" dirty="0"/>
-              <a:t>Weak statistical test relies on no difference but still useful to document</a:t>
-            </a:r>
-            <a:endParaRPr lang="en-US" dirty="0"/>
-          </a:p>
-          <a:p>
-            <a:pPr lvl="1"/>
-            <a:endParaRPr lang="en-US" dirty="0"/>
-          </a:p>
-        </p:txBody>
-      </p:sp>
-      <p:sp>
-        <p:nvSpPr>
-          <p:cNvPr id="3" name="Title 2">
+            <a:endParaRPr lang="en-US"/>
+          </a:p>
+        </p:txBody>
+      </p:sp>
+      <p:sp>
+        <p:nvSpPr>
+          <p:cNvPr id="3" name="Content Placeholder 2">
             <a:extLst>
               <a:ext uri="{FF2B5EF4-FFF2-40B4-BE49-F238E27FC236}">
-                <a16:creationId xmlns:a16="http://schemas.microsoft.com/office/drawing/2014/main" id="{11E3BB26-5983-40DF-9934-451C766FA8F2}"/>
+                <a16:creationId xmlns:a16="http://schemas.microsoft.com/office/drawing/2014/main" id="{053C8849-0782-C2D0-4906-977069C9FA2D}"/>
               </a:ext>
             </a:extLst>
           </p:cNvPr>
@@ -4676,25 +4917,115 @@
             <a:spLocks noGrp="1"/>
           </p:cNvSpPr>
           <p:nvPr>
-            <p:ph type="title"/>
+            <p:ph idx="1"/>
           </p:nvPr>
         </p:nvSpPr>
         <p:spPr/>
         <p:txBody>
-          <a:bodyPr/>
+          <a:bodyPr>
+            <a:normAutofit fontScale="85000" lnSpcReduction="10000"/>
+          </a:bodyPr>
           <a:lstStyle/>
           <a:p>
-            <a:r>
-              <a:rPr lang="en-US" dirty="0"/>
-              <a:t>Contrasts</a:t>
-            </a:r>
+            <a:pPr algn="l"/>
+            <a:r>
+              <a:rPr lang="en-US" b="0" i="0" dirty="0">
+                <a:solidFill>
+                  <a:srgbClr val="2D3B45"/>
+                </a:solidFill>
+                <a:effectLst/>
+                <a:latin typeface="Lato Extended"/>
+              </a:rPr>
+              <a:t>Q3. Of all the statistical tests we have covered in class so far, explain which is appropriate for each of the following hypothetical designs and why:</a:t>
+            </a:r>
+          </a:p>
+          <a:p>
+            <a:pPr lvl="1"/>
+            <a:r>
+              <a:rPr lang="en-US" b="0" i="0" dirty="0">
+                <a:solidFill>
+                  <a:srgbClr val="2D3B45"/>
+                </a:solidFill>
+                <a:effectLst/>
+                <a:latin typeface="Lato Extended"/>
+              </a:rPr>
+              <a:t>Older people (age in years) are found to exercise less (in hours per week) than middle aged people</a:t>
+            </a:r>
+          </a:p>
+          <a:p>
+            <a:pPr lvl="1"/>
+            <a:r>
+              <a:rPr lang="en-US" b="0" i="0" dirty="0">
+                <a:solidFill>
+                  <a:srgbClr val="2D3B45"/>
+                </a:solidFill>
+                <a:effectLst/>
+                <a:latin typeface="Lato Extended"/>
+              </a:rPr>
+              <a:t>At a car dealership, people planning to buy a car are either shown a documentary on climate change or not and then they are scored as to whether they purchased an electric vehicle or gas vehicle</a:t>
+            </a:r>
+          </a:p>
+          <a:p>
+            <a:pPr lvl="1"/>
+            <a:r>
+              <a:rPr lang="en-US" b="0" i="0" dirty="0">
+                <a:solidFill>
+                  <a:srgbClr val="2D3B45"/>
+                </a:solidFill>
+                <a:effectLst/>
+                <a:latin typeface="Lato Extended"/>
+              </a:rPr>
+              <a:t>Hospitalization rate (percent of people hospitalized) due to COVID infection differ in counties that voted red (Republican) or blue (Democrat) in the 2020 election</a:t>
+            </a:r>
+          </a:p>
+          <a:p>
+            <a:pPr lvl="1"/>
+            <a:r>
+              <a:rPr lang="en-US" b="0" i="0" dirty="0">
+                <a:solidFill>
+                  <a:srgbClr val="2D3B45"/>
+                </a:solidFill>
+                <a:effectLst/>
+                <a:latin typeface="Lato Extended"/>
+              </a:rPr>
+              <a:t>The relationship of first year salary post-graduation with average GPA in sophomore year during college</a:t>
+            </a:r>
+          </a:p>
+          <a:p>
+            <a:pPr lvl="1"/>
+            <a:r>
+              <a:rPr lang="en-US" b="0" i="0" dirty="0">
+                <a:solidFill>
+                  <a:srgbClr val="2D3B45"/>
+                </a:solidFill>
+                <a:effectLst/>
+                <a:latin typeface="Lato Extended"/>
+              </a:rPr>
+              <a:t>Number of social media posts made by people who either took research methods in college or did not</a:t>
+            </a:r>
+          </a:p>
+          <a:p>
+            <a:pPr lvl="1"/>
+            <a:r>
+              <a:rPr lang="en-US" b="0" i="0" dirty="0">
+                <a:solidFill>
+                  <a:srgbClr val="2D3B45"/>
+                </a:solidFill>
+                <a:effectLst/>
+                <a:latin typeface="Lato Extended"/>
+              </a:rPr>
+              <a:t>An analysis of scores on the Oxford Happiness Scale based on participants diet (vegetarian/not) and whether they have a Facebook account.</a:t>
+            </a:r>
+          </a:p>
+          <a:p>
+            <a:endParaRPr lang="en-US" dirty="0"/>
           </a:p>
         </p:txBody>
       </p:sp>
     </p:spTree>
     <p:extLst>
       <p:ext uri="{BB962C8B-B14F-4D97-AF65-F5344CB8AC3E}">
-        <p14:creationId xmlns:p14="http://schemas.microsoft.com/office/powerpoint/2010/main" val="609411249"/>
+        <p14:creationId xmlns:p14="http://schemas.microsoft.com/office/powerpoint/2010/main" val="2103033543"/>
       </p:ext>
     </p:extLst>
   </p:cSld>
@@ -4726,7 +5057,7 @@
           <p:cNvPr id="2" name="Title 1">
             <a:extLst>
               <a:ext uri="{FF2B5EF4-FFF2-40B4-BE49-F238E27FC236}">
-                <a16:creationId xmlns:a16="http://schemas.microsoft.com/office/drawing/2014/main" id="{14839D3A-9452-9A37-1918-C0DD2C9C5375}"/>
+                <a16:creationId xmlns:a16="http://schemas.microsoft.com/office/drawing/2014/main" id="{F008048A-E9B0-1BDF-DDD4-8DF3B5FEA5B4}"/>
               </a:ext>
             </a:extLst>
           </p:cNvPr>
@@ -4744,7 +5075,7 @@
           <a:p>
             <a:r>
               <a:rPr lang="en-US" dirty="0"/>
-              <a:t>Brain Training</a:t>
+              <a:t>History of Psychology</a:t>
             </a:r>
           </a:p>
         </p:txBody>
@@ -4754,7 +5085,7 @@
           <p:cNvPr id="3" name="Content Placeholder 2">
             <a:extLst>
               <a:ext uri="{FF2B5EF4-FFF2-40B4-BE49-F238E27FC236}">
-                <a16:creationId xmlns:a16="http://schemas.microsoft.com/office/drawing/2014/main" id="{77B82970-A800-96A2-3AF6-DFEDF45A6CF8}"/>
+                <a16:creationId xmlns:a16="http://schemas.microsoft.com/office/drawing/2014/main" id="{AD3889ED-8B77-8116-9DDB-65ACC6E1535F}"/>
               </a:ext>
             </a:extLst>
           </p:cNvPr>
@@ -4767,59 +5098,93 @@
         </p:nvSpPr>
         <p:spPr/>
         <p:txBody>
-          <a:bodyPr/>
+          <a:bodyPr>
+            <a:normAutofit fontScale="92500" lnSpcReduction="20000"/>
+          </a:bodyPr>
           <a:lstStyle/>
           <a:p>
             <a:r>
-              <a:rPr lang="en-US" dirty="0" err="1"/>
-              <a:t>Jaeggi</a:t>
-            </a:r>
-            <a:r>
               <a:rPr lang="en-US" dirty="0"/>
-              <a:t> et al. (2008) reported an intervention that appeared to increase fluid intelligence</a:t>
-            </a:r>
-          </a:p>
-          <a:p>
+              <a:t>Introspection</a:t>
+            </a:r>
+          </a:p>
+          <a:p>
+            <a:pPr lvl="1"/>
+            <a:r>
+              <a:rPr lang="en-US" dirty="0"/>
+              <a:t>1890, William James</a:t>
+            </a:r>
+          </a:p>
+          <a:p>
+            <a:pPr lvl="1"/>
+            <a:r>
+              <a:rPr lang="en-US" dirty="0"/>
+              <a:t>Subjective reflection</a:t>
+            </a:r>
+          </a:p>
+          <a:p>
+            <a:r>
+              <a:rPr lang="en-US" dirty="0"/>
+              <a:t>Behaviorism</a:t>
+            </a:r>
+          </a:p>
+          <a:p>
+            <a:pPr lvl="1"/>
+            <a:r>
+              <a:rPr lang="en-US" dirty="0"/>
+              <a:t>1930, BF Skinner</a:t>
+            </a:r>
+          </a:p>
+          <a:p>
+            <a:pPr lvl="1"/>
+            <a:r>
+              <a:rPr lang="en-US" dirty="0"/>
+              <a:t>Quantitative measures, animals</a:t>
+            </a:r>
+          </a:p>
+          <a:p>
+            <a:r>
+              <a:rPr lang="en-US" dirty="0"/>
+              <a:t>Cognitive Revolution</a:t>
+            </a:r>
+          </a:p>
+          <a:p>
+            <a:pPr lvl="1"/>
+            <a:r>
+              <a:rPr lang="en-US" dirty="0"/>
+              <a:t>1960, George Miller 7</a:t>
+            </a:r>
+            <a:r>
+              <a:rPr lang="en-US" u="sng" dirty="0"/>
+              <a:t>+</a:t>
+            </a:r>
+            <a:r>
+              <a:rPr lang="en-US" dirty="0"/>
+              <a:t>2</a:t>
+            </a:r>
+          </a:p>
+          <a:p>
+            <a:pPr lvl="1"/>
+            <a:r>
+              <a:rPr lang="en-US" dirty="0"/>
+              <a:t>Quantitative measures, humans</a:t>
+            </a:r>
+          </a:p>
+          <a:p>
+            <a:pPr lvl="1"/>
             <a:endParaRPr lang="en-US" dirty="0"/>
           </a:p>
           <a:p>
             <a:r>
               <a:rPr lang="en-US" dirty="0"/>
-              <a:t>Basic science: fluid intelligence is supposed to be immutable</a:t>
+              <a:t>Cognitive Neuroscience</a:t>
             </a:r>
           </a:p>
           <a:p>
             <a:pPr lvl="1"/>
             <a:r>
               <a:rPr lang="en-US" dirty="0"/>
-              <a:t>Some core cognitive abilities are traits</a:t>
-            </a:r>
-          </a:p>
-          <a:p>
-            <a:pPr lvl="1"/>
-            <a:r>
-              <a:rPr lang="en-US" dirty="0"/>
-              <a:t>Unaffected by education, experience, environment</a:t>
-            </a:r>
-          </a:p>
-          <a:p>
-            <a:r>
-              <a:rPr lang="en-US" dirty="0"/>
-              <a:t>Applied science: “use it or lose it” in cognitive aging</a:t>
-            </a:r>
-          </a:p>
-          <a:p>
-            <a:pPr lvl="1"/>
-            <a:r>
-              <a:rPr lang="en-US" dirty="0"/>
-              <a:t>Lifetime cognitive engagement predicts better aging</a:t>
-            </a:r>
-          </a:p>
-          <a:p>
-            <a:pPr lvl="1"/>
-            <a:r>
-              <a:rPr lang="en-US" dirty="0"/>
-              <a:t>High levels of education, “occupational complexity”</a:t>
+              <a:t>1990-</a:t>
             </a:r>
           </a:p>
         </p:txBody>
@@ -4827,7 +5192,7 @@
     </p:spTree>
     <p:extLst>
       <p:ext uri="{BB962C8B-B14F-4D97-AF65-F5344CB8AC3E}">
-        <p14:creationId xmlns:p14="http://schemas.microsoft.com/office/powerpoint/2010/main" val="1884425633"/>
+        <p14:creationId xmlns:p14="http://schemas.microsoft.com/office/powerpoint/2010/main" val="1374243182"/>
       </p:ext>
     </p:extLst>
   </p:cSld>
@@ -4859,7 +5224,7 @@
           <p:cNvPr id="2" name="Title 1">
             <a:extLst>
               <a:ext uri="{FF2B5EF4-FFF2-40B4-BE49-F238E27FC236}">
-                <a16:creationId xmlns:a16="http://schemas.microsoft.com/office/drawing/2014/main" id="{B072376F-0958-D095-5F57-9D7ED401C895}"/>
+                <a16:creationId xmlns:a16="http://schemas.microsoft.com/office/drawing/2014/main" id="{2281A17F-8063-D7C8-5397-56770A3FC509}"/>
               </a:ext>
             </a:extLst>
           </p:cNvPr>
@@ -4877,7 +5242,7 @@
           <a:p>
             <a:r>
               <a:rPr lang="en-US" dirty="0"/>
-              <a:t>Methodological challenges</a:t>
+              <a:t>Observation as a Method</a:t>
             </a:r>
           </a:p>
         </p:txBody>
@@ -4887,7 +5252,7 @@
           <p:cNvPr id="3" name="Content Placeholder 2">
             <a:extLst>
               <a:ext uri="{FF2B5EF4-FFF2-40B4-BE49-F238E27FC236}">
-                <a16:creationId xmlns:a16="http://schemas.microsoft.com/office/drawing/2014/main" id="{C8D9BF1E-55BA-0708-81D6-49D5323C78B7}"/>
+                <a16:creationId xmlns:a16="http://schemas.microsoft.com/office/drawing/2014/main" id="{66025407-4369-56D1-8E6A-C4D78B007D74}"/>
               </a:ext>
             </a:extLst>
           </p:cNvPr>
@@ -4900,86 +5265,57 @@
         </p:nvSpPr>
         <p:spPr/>
         <p:txBody>
-          <a:bodyPr>
-            <a:normAutofit lnSpcReduction="10000"/>
-          </a:bodyPr>
+          <a:bodyPr/>
           <a:lstStyle/>
           <a:p>
             <a:r>
               <a:rPr lang="en-US" dirty="0"/>
-              <a:t>What is the best control condition to the intervention?</a:t>
+              <a:t>Watching the behavior of people around you</a:t>
             </a:r>
           </a:p>
           <a:p>
             <a:pPr lvl="1"/>
             <a:r>
               <a:rPr lang="en-US" dirty="0"/>
-              <a:t>Demand characteristics matter</a:t>
-            </a:r>
-          </a:p>
-          <a:p>
+              <a:t>Old-fashioned method for developing ideas</a:t>
+            </a:r>
+          </a:p>
+          <a:p>
+            <a:pPr lvl="1"/>
             <a:r>
               <a:rPr lang="en-US" dirty="0"/>
-              <a:t>What is the appropriate dependent variable?</a:t>
-            </a:r>
-          </a:p>
-          <a:p>
-            <a:pPr lvl="1"/>
+              <a:t>“</a:t>
+            </a:r>
+            <a:r>
+              <a:rPr lang="en-US" dirty="0" err="1"/>
+              <a:t>Didja</a:t>
+            </a:r>
             <a:r>
               <a:rPr lang="en-US" dirty="0"/>
-              <a:t>Matrix-based IQ tests are not designed for this</a:t>
-            </a:r>
+              <a:t> ever notice how…?”</a:t>
+            </a:r>
+          </a:p>
+          <a:p>
+            <a:endParaRPr lang="en-US" dirty="0"/>
           </a:p>
           <a:p>
             <a:r>
               <a:rPr lang="en-US" dirty="0"/>
-              <a:t>Generalization across age</a:t>
-            </a:r>
-          </a:p>
-          <a:p>
-            <a:pPr lvl="1"/>
+              <a:t>Social media studies</a:t>
+            </a:r>
+          </a:p>
+          <a:p>
             <a:r>
               <a:rPr lang="en-US" dirty="0"/>
-              <a:t>Undergraduates</a:t>
-            </a:r>
-          </a:p>
-          <a:p>
-            <a:pPr lvl="1"/>
-            <a:r>
-              <a:rPr lang="en-US" dirty="0"/>
-              <a:t>Children</a:t>
-            </a:r>
-          </a:p>
-          <a:p>
-            <a:pPr lvl="1"/>
-            <a:r>
-              <a:rPr lang="en-US" dirty="0"/>
-              <a:t>Older adults</a:t>
-            </a:r>
-          </a:p>
-          <a:p>
-            <a:r>
-              <a:rPr lang="en-US" dirty="0"/>
-              <a:t>Effect size estimates</a:t>
-            </a:r>
-          </a:p>
-          <a:p>
-            <a:pPr lvl="1"/>
-            <a:r>
-              <a:rPr lang="en-US" dirty="0"/>
-              <a:t>0.8 -&gt; 0.2</a:t>
-            </a:r>
-          </a:p>
-          <a:p>
-            <a:pPr lvl="1"/>
-            <a:endParaRPr lang="en-US" dirty="0"/>
+              <a:t>Diary studies</a:t>
+            </a:r>
           </a:p>
         </p:txBody>
       </p:sp>
     </p:spTree>
     <p:extLst>
       <p:ext uri="{BB962C8B-B14F-4D97-AF65-F5344CB8AC3E}">
-        <p14:creationId xmlns:p14="http://schemas.microsoft.com/office/powerpoint/2010/main" val="510382756"/>
+        <p14:creationId xmlns:p14="http://schemas.microsoft.com/office/powerpoint/2010/main" val="2560233600"/>
       </p:ext>
     </p:extLst>
   </p:cSld>
@@ -5011,7 +5347,7 @@
           <p:cNvPr id="2" name="Title 1">
             <a:extLst>
               <a:ext uri="{FF2B5EF4-FFF2-40B4-BE49-F238E27FC236}">
-                <a16:creationId xmlns:a16="http://schemas.microsoft.com/office/drawing/2014/main" id="{A23E2A11-9CCF-4A04-351B-3594B1B9FE27}"/>
+                <a16:creationId xmlns:a16="http://schemas.microsoft.com/office/drawing/2014/main" id="{6468F87B-3EB5-EB6E-4C93-4C04CC198F18}"/>
               </a:ext>
             </a:extLst>
           </p:cNvPr>
@@ -5029,7 +5365,7 @@
           <a:p>
             <a:r>
               <a:rPr lang="en-US" dirty="0"/>
-              <a:t>RCR Problems</a:t>
+              <a:t>Interviews</a:t>
             </a:r>
           </a:p>
         </p:txBody>
@@ -5039,7 +5375,7 @@
           <p:cNvPr id="3" name="Content Placeholder 2">
             <a:extLst>
               <a:ext uri="{FF2B5EF4-FFF2-40B4-BE49-F238E27FC236}">
-                <a16:creationId xmlns:a16="http://schemas.microsoft.com/office/drawing/2014/main" id="{A364051A-11F6-90CE-30EC-6FC0D42B045C}"/>
+                <a16:creationId xmlns:a16="http://schemas.microsoft.com/office/drawing/2014/main" id="{4C380DC7-F12C-4062-1FDC-A1E380B82539}"/>
               </a:ext>
             </a:extLst>
           </p:cNvPr>
@@ -5057,62 +5393,30 @@
           <a:p>
             <a:r>
               <a:rPr lang="en-US" dirty="0"/>
-              <a:t>Lumosity Brain Training company</a:t>
+              <a:t>Methods borrowed from Sociology, Anthropology</a:t>
+            </a:r>
+          </a:p>
+          <a:p>
+            <a:endParaRPr lang="en-US" dirty="0"/>
+          </a:p>
+          <a:p>
+            <a:r>
+              <a:rPr lang="en-US" dirty="0"/>
+              <a:t>Collect stories of personal experience</a:t>
             </a:r>
           </a:p>
           <a:p>
             <a:pPr lvl="1"/>
             <a:r>
               <a:rPr lang="en-US" dirty="0"/>
-              <a:t>Licensed tasks</a:t>
+              <a:t>Anecdotes are not data but they are illustrative</a:t>
             </a:r>
           </a:p>
           <a:p>
             <a:pPr lvl="1"/>
             <a:r>
               <a:rPr lang="en-US" dirty="0"/>
-              <a:t>Funded efficacy research</a:t>
-            </a:r>
-          </a:p>
-          <a:p>
-            <a:pPr lvl="1"/>
-            <a:r>
-              <a:rPr lang="en-US" dirty="0"/>
-              <a:t>Paid a large fine for misleading advertising</a:t>
-            </a:r>
-          </a:p>
-          <a:p>
-            <a:pPr lvl="1"/>
-            <a:endParaRPr lang="en-US" dirty="0"/>
-          </a:p>
-          <a:p>
-            <a:r>
-              <a:rPr lang="en-US" dirty="0"/>
-              <a:t>Brain training markets</a:t>
-            </a:r>
-          </a:p>
-          <a:p>
-            <a:pPr lvl="1"/>
-            <a:r>
-              <a:rPr lang="en-US" dirty="0"/>
-              <a:t>Children with learning disabilities</a:t>
-            </a:r>
-          </a:p>
-          <a:p>
-            <a:pPr lvl="1"/>
-            <a:r>
-              <a:rPr lang="en-US" dirty="0"/>
-              <a:t>Older adults and cognitive decline</a:t>
-            </a:r>
-          </a:p>
-          <a:p>
-            <a:pPr lvl="1"/>
-            <a:endParaRPr lang="en-US" dirty="0"/>
-          </a:p>
-          <a:p>
-            <a:r>
-              <a:rPr lang="en-US" dirty="0"/>
-              <a:t>Conflict of Interest concerns greatly heightened skepticism</a:t>
+              <a:t>Insight into cross-cultural differences</a:t>
             </a:r>
           </a:p>
         </p:txBody>
@@ -5120,7 +5424,7 @@
     </p:spTree>
     <p:extLst>
       <p:ext uri="{BB962C8B-B14F-4D97-AF65-F5344CB8AC3E}">
-        <p14:creationId xmlns:p14="http://schemas.microsoft.com/office/powerpoint/2010/main" val="1122911974"/>
+        <p14:creationId xmlns:p14="http://schemas.microsoft.com/office/powerpoint/2010/main" val="2208459408"/>
       </p:ext>
     </p:extLst>
   </p:cSld>
@@ -5152,7 +5456,7 @@
           <p:cNvPr id="2" name="Title 1">
             <a:extLst>
               <a:ext uri="{FF2B5EF4-FFF2-40B4-BE49-F238E27FC236}">
-                <a16:creationId xmlns:a16="http://schemas.microsoft.com/office/drawing/2014/main" id="{776CD3C4-55E8-5B7C-9D3D-3C9B3268D664}"/>
+                <a16:creationId xmlns:a16="http://schemas.microsoft.com/office/drawing/2014/main" id="{184000DE-90F2-9A8C-16DA-B4B449A85CFC}"/>
               </a:ext>
             </a:extLst>
           </p:cNvPr>
@@ -5170,7 +5474,7 @@
           <a:p>
             <a:r>
               <a:rPr lang="en-US" dirty="0"/>
-              <a:t>Owen et al. (2010)</a:t>
+              <a:t>Quantifying Qualitative data</a:t>
             </a:r>
           </a:p>
         </p:txBody>
@@ -5180,7 +5484,7 @@
           <p:cNvPr id="3" name="Content Placeholder 2">
             <a:extLst>
               <a:ext uri="{FF2B5EF4-FFF2-40B4-BE49-F238E27FC236}">
-                <a16:creationId xmlns:a16="http://schemas.microsoft.com/office/drawing/2014/main" id="{F7A2F110-90E9-14DB-C224-F7B509AAB1BA}"/>
+                <a16:creationId xmlns:a16="http://schemas.microsoft.com/office/drawing/2014/main" id="{A1D034EE-AF1F-2AE3-E9D8-932206B6FCC1}"/>
               </a:ext>
             </a:extLst>
           </p:cNvPr>
@@ -5198,86 +5502,55 @@
           <a:p>
             <a:r>
               <a:rPr lang="en-US" dirty="0"/>
-              <a:t>Large-scale study failed to find effects</a:t>
+              <a:t>Structured interviews</a:t>
             </a:r>
           </a:p>
           <a:p>
             <a:pPr lvl="1"/>
             <a:r>
               <a:rPr lang="en-US" dirty="0"/>
-              <a:t>6 weeks of training</a:t>
+              <a:t>Protocol for interview procedures</a:t>
+            </a:r>
+          </a:p>
+          <a:p>
+            <a:r>
+              <a:rPr lang="en-US" dirty="0"/>
+              <a:t>Coding systems</a:t>
             </a:r>
           </a:p>
           <a:p>
             <a:pPr lvl="1"/>
             <a:r>
               <a:rPr lang="en-US" dirty="0"/>
-              <a:t>N = 11,430 online participants</a:t>
+              <a:t>Count occurrences of words, ideas</a:t>
             </a:r>
           </a:p>
           <a:p>
             <a:pPr lvl="1"/>
-            <a:endParaRPr lang="en-US" dirty="0"/>
-          </a:p>
-          <a:p>
             <a:r>
               <a:rPr lang="en-US" dirty="0"/>
-              <a:t>Practice improved performance on trained tasks</a:t>
+              <a:t>Calculated relationship among measures</a:t>
+            </a:r>
+          </a:p>
+          <a:p>
+            <a:r>
+              <a:rPr lang="en-US" dirty="0"/>
+              <a:t>Verbal protocol analysis</a:t>
             </a:r>
           </a:p>
           <a:p>
             <a:pPr lvl="1"/>
             <a:r>
               <a:rPr lang="en-US" dirty="0"/>
-              <a:t>Did not transfer to any general or untrained measures</a:t>
-            </a:r>
-          </a:p>
-          <a:p>
-            <a:pPr lvl="1"/>
-            <a:endParaRPr lang="en-US" dirty="0"/>
-          </a:p>
-          <a:p>
-            <a:r>
-              <a:rPr lang="en-US" dirty="0"/>
-              <a:t>Similar to many other training studies with null findings</a:t>
-            </a:r>
-          </a:p>
-        </p:txBody>
-      </p:sp>
-      <p:pic>
-        <p:nvPicPr>
-          <p:cNvPr id="5" name="Picture 4">
-            <a:extLst>
-              <a:ext uri="{FF2B5EF4-FFF2-40B4-BE49-F238E27FC236}">
-                <a16:creationId xmlns:a16="http://schemas.microsoft.com/office/drawing/2014/main" id="{17616D90-8E6A-6A8B-A320-A5BFD772C4CA}"/>
-              </a:ext>
-            </a:extLst>
-          </p:cNvPr>
-          <p:cNvPicPr>
-            <a:picLocks noChangeAspect="1"/>
-          </p:cNvPicPr>
-          <p:nvPr/>
-        </p:nvPicPr>
-        <p:blipFill>
-          <a:blip r:embed="rId2"/>
-          <a:stretch>
-            <a:fillRect/>
-          </a:stretch>
-        </p:blipFill>
-        <p:spPr>
-          <a:xfrm>
-            <a:off x="5789034" y="177800"/>
-            <a:ext cx="5934075" cy="1647825"/>
-          </a:xfrm>
-          <a:prstGeom prst="rect">
-            <a:avLst/>
-          </a:prstGeom>
-        </p:spPr>
-      </p:pic>
+              <a:t>Talking out loud during problem solving</a:t>
+            </a:r>
+          </a:p>
+        </p:txBody>
+      </p:sp>
     </p:spTree>
     <p:extLst>
       <p:ext uri="{BB962C8B-B14F-4D97-AF65-F5344CB8AC3E}">
-        <p14:creationId xmlns:p14="http://schemas.microsoft.com/office/powerpoint/2010/main" val="370961319"/>
+        <p14:creationId xmlns:p14="http://schemas.microsoft.com/office/powerpoint/2010/main" val="2342290106"/>
       </p:ext>
     </p:extLst>
   </p:cSld>
@@ -5292,7 +5565,13 @@
   <p:cSld>
     <p:spTree>
       <p:nvGrpSpPr>
-        <p:cNvPr id="1" name=""/>
+        <p:cNvPr id="1" name="">
+          <a:extLst>
+            <a:ext uri="{FF2B5EF4-FFF2-40B4-BE49-F238E27FC236}">
+              <a16:creationId xmlns:a16="http://schemas.microsoft.com/office/drawing/2014/main" id="{C7ED508C-5256-0101-4A0A-CD987E0E672F}"/>
+            </a:ext>
+          </a:extLst>
+        </p:cNvPr>
         <p:cNvGrpSpPr/>
         <p:nvPr/>
       </p:nvGrpSpPr>
@@ -5309,7 +5588,7 @@
           <p:cNvPr id="2" name="Title 1">
             <a:extLst>
               <a:ext uri="{FF2B5EF4-FFF2-40B4-BE49-F238E27FC236}">
-                <a16:creationId xmlns:a16="http://schemas.microsoft.com/office/drawing/2014/main" id="{C610100F-F24A-2F81-2D6B-82CC34528929}"/>
+                <a16:creationId xmlns:a16="http://schemas.microsoft.com/office/drawing/2014/main" id="{C931087D-34C3-AD8A-2B22-B5288E7A0CE7}"/>
               </a:ext>
             </a:extLst>
           </p:cNvPr>
@@ -5326,9 +5605,16 @@
           <a:lstStyle/>
           <a:p>
             <a:r>
-              <a:rPr lang="en-US" dirty="0"/>
-              <a:t>Corbett et al. (2015)</a:t>
-            </a:r>
+              <a:rPr lang="en-US" b="0" i="0" dirty="0">
+                <a:solidFill>
+                  <a:srgbClr val="2D3B45"/>
+                </a:solidFill>
+                <a:effectLst/>
+                <a:latin typeface="Lato Extended"/>
+              </a:rPr>
+              <a:t>Chapter 17</a:t>
+            </a:r>
+            <a:endParaRPr lang="en-US" dirty="0"/>
           </a:p>
         </p:txBody>
       </p:sp>
@@ -5337,7 +5623,7 @@
           <p:cNvPr id="3" name="Content Placeholder 2">
             <a:extLst>
               <a:ext uri="{FF2B5EF4-FFF2-40B4-BE49-F238E27FC236}">
-                <a16:creationId xmlns:a16="http://schemas.microsoft.com/office/drawing/2014/main" id="{5B6D4C54-E992-B624-B438-CB8E76EE6F33}"/>
+                <a16:creationId xmlns:a16="http://schemas.microsoft.com/office/drawing/2014/main" id="{ED8DA525-AAF2-3A59-FA42-270A755388BA}"/>
               </a:ext>
             </a:extLst>
           </p:cNvPr>
@@ -5350,83 +5636,67 @@
         </p:nvSpPr>
         <p:spPr/>
         <p:txBody>
-          <a:bodyPr/>
+          <a:bodyPr>
+            <a:normAutofit lnSpcReduction="10000"/>
+          </a:bodyPr>
           <a:lstStyle/>
           <a:p>
-            <a:r>
-              <a:rPr lang="en-US" dirty="0"/>
-              <a:t>Adults &gt; 60</a:t>
-            </a:r>
-          </a:p>
-          <a:p>
-            <a:pPr lvl="1"/>
-            <a:r>
-              <a:rPr lang="en-US" dirty="0"/>
-              <a:t>N = 2912</a:t>
+            <a:pPr marL="514350" indent="-514350" algn="l">
+              <a:buFont typeface="+mj-lt"/>
+              <a:buAutoNum type="arabicPeriod"/>
+            </a:pPr>
+            <a:r>
+              <a:rPr lang="en-US" b="0" i="0" dirty="0">
+                <a:solidFill>
+                  <a:srgbClr val="2D3B45"/>
+                </a:solidFill>
+                <a:effectLst/>
+                <a:latin typeface="Lato Extended"/>
+              </a:rPr>
+              <a:t>Qualitative research is often used in a research program as a first or preliminary study before research with experimental methods and manipulated variables.  Why is this?</a:t>
+            </a:r>
+          </a:p>
+          <a:p>
+            <a:pPr marL="514350" indent="-514350" algn="l">
+              <a:buFont typeface="+mj-lt"/>
+              <a:buAutoNum type="arabicPeriod"/>
+            </a:pPr>
+            <a:r>
+              <a:rPr lang="en-US" b="0" i="0" dirty="0">
+                <a:solidFill>
+                  <a:srgbClr val="2D3B45"/>
+                </a:solidFill>
+                <a:effectLst/>
+                <a:latin typeface="Lato Extended"/>
+              </a:rPr>
+              <a:t>Why might we use a qualitative research technique to study parent-child interactions and aggressive behavior in preschoolers?  Outline what such a study might look like.</a:t>
+            </a:r>
+          </a:p>
+          <a:p>
+            <a:pPr marL="514350" indent="-514350" algn="l">
+              <a:buFont typeface="+mj-lt"/>
+              <a:buAutoNum type="arabicPeriod"/>
+            </a:pPr>
+            <a:r>
+              <a:rPr lang="en-US" b="0" i="0" dirty="0">
+                <a:solidFill>
+                  <a:srgbClr val="2D3B45"/>
+                </a:solidFill>
+                <a:effectLst/>
+                <a:latin typeface="Lato Extended"/>
+              </a:rPr>
+              <a:t>In a diary study of conflict resolution in relationships, the research protocol could involve daily documentation of any conflict experiences and how they were or were not resolved.  What kinds of events might be coded for and counted in a study of this type?</a:t>
             </a:r>
           </a:p>
           <a:p>
             <a:endParaRPr lang="en-US" dirty="0"/>
           </a:p>
-          <a:p>
-            <a:endParaRPr lang="en-US" dirty="0"/>
-          </a:p>
-          <a:p>
-            <a:r>
-              <a:rPr lang="en-US" dirty="0"/>
-              <a:t>Reasoning based cognitive training improved performance on reasoning, working memory and verbal learning</a:t>
-            </a:r>
-          </a:p>
-          <a:p>
-            <a:pPr lvl="1"/>
-            <a:r>
-              <a:rPr lang="en-US" dirty="0"/>
-              <a:t>Effect size 0.15 – 0.20 for ADL, VL</a:t>
-            </a:r>
-          </a:p>
-          <a:p>
-            <a:pPr lvl="1"/>
-            <a:r>
-              <a:rPr lang="en-US" dirty="0"/>
-              <a:t>Effect size 0.30 for Reasoning tasks</a:t>
-            </a:r>
-          </a:p>
-        </p:txBody>
-      </p:sp>
-      <p:pic>
-        <p:nvPicPr>
-          <p:cNvPr id="5" name="Picture 4">
-            <a:extLst>
-              <a:ext uri="{FF2B5EF4-FFF2-40B4-BE49-F238E27FC236}">
-                <a16:creationId xmlns:a16="http://schemas.microsoft.com/office/drawing/2014/main" id="{70D5DED8-B802-A4FD-DAC3-D8284E8A1E01}"/>
-              </a:ext>
-            </a:extLst>
-          </p:cNvPr>
-          <p:cNvPicPr>
-            <a:picLocks noChangeAspect="1"/>
-          </p:cNvPicPr>
-          <p:nvPr/>
-        </p:nvPicPr>
-        <p:blipFill>
-          <a:blip r:embed="rId2"/>
-          <a:stretch>
-            <a:fillRect/>
-          </a:stretch>
-        </p:blipFill>
-        <p:spPr>
-          <a:xfrm>
-            <a:off x="4380943" y="1590675"/>
-            <a:ext cx="7515225" cy="1838325"/>
-          </a:xfrm>
-          <a:prstGeom prst="rect">
-            <a:avLst/>
-          </a:prstGeom>
-        </p:spPr>
-      </p:pic>
+        </p:txBody>
+      </p:sp>
     </p:spTree>
     <p:extLst>
       <p:ext uri="{BB962C8B-B14F-4D97-AF65-F5344CB8AC3E}">
-        <p14:creationId xmlns:p14="http://schemas.microsoft.com/office/powerpoint/2010/main" val="478506075"/>
+        <p14:creationId xmlns:p14="http://schemas.microsoft.com/office/powerpoint/2010/main" val="4217358447"/>
       </p:ext>
     </p:extLst>
   </p:cSld>
@@ -5458,7 +5728,7 @@
           <p:cNvPr id="2" name="Title 1">
             <a:extLst>
               <a:ext uri="{FF2B5EF4-FFF2-40B4-BE49-F238E27FC236}">
-                <a16:creationId xmlns:a16="http://schemas.microsoft.com/office/drawing/2014/main" id="{B07544F1-962A-8A5A-070C-B93435B70D16}"/>
+                <a16:creationId xmlns:a16="http://schemas.microsoft.com/office/drawing/2014/main" id="{2603B209-F71C-AA1C-83CC-76452A7D2C42}"/>
               </a:ext>
             </a:extLst>
           </p:cNvPr>
@@ -5476,7 +5746,7 @@
           <a:p>
             <a:r>
               <a:rPr lang="en-US" dirty="0"/>
-              <a:t>Childhood Developmental Studies</a:t>
+              <a:t>Quasi-experimental design</a:t>
             </a:r>
           </a:p>
         </p:txBody>
@@ -5486,7 +5756,7 @@
           <p:cNvPr id="3" name="Content Placeholder 2">
             <a:extLst>
               <a:ext uri="{FF2B5EF4-FFF2-40B4-BE49-F238E27FC236}">
-                <a16:creationId xmlns:a16="http://schemas.microsoft.com/office/drawing/2014/main" id="{E265AC50-8451-DB85-0141-BEC99FFF799A}"/>
+                <a16:creationId xmlns:a16="http://schemas.microsoft.com/office/drawing/2014/main" id="{26A24471-6B02-F44C-410F-6446DA94FD0B}"/>
               </a:ext>
             </a:extLst>
           </p:cNvPr>
@@ -5499,14 +5769,40 @@
         </p:nvSpPr>
         <p:spPr/>
         <p:txBody>
-          <a:bodyPr>
-            <a:normAutofit lnSpcReduction="10000"/>
-          </a:bodyPr>
+          <a:bodyPr/>
           <a:lstStyle/>
           <a:p>
             <a:r>
               <a:rPr lang="en-US" dirty="0"/>
-              <a:t>More mixed results and RCR issues</a:t>
+              <a:t>Case study research</a:t>
+            </a:r>
+          </a:p>
+          <a:p>
+            <a:pPr lvl="1"/>
+            <a:r>
+              <a:rPr lang="en-US" dirty="0"/>
+              <a:t>Telling the stories of notable individual cases</a:t>
+            </a:r>
+          </a:p>
+          <a:p>
+            <a:pPr lvl="1"/>
+            <a:r>
+              <a:rPr lang="en-US" dirty="0"/>
+              <a:t>Developmental cases</a:t>
+            </a:r>
+          </a:p>
+          <a:p>
+            <a:pPr lvl="1"/>
+            <a:r>
+              <a:rPr lang="en-US" dirty="0"/>
+              <a:t>Clinical cases</a:t>
+            </a:r>
+          </a:p>
+          <a:p>
+            <a:pPr lvl="1"/>
+            <a:r>
+              <a:rPr lang="en-US" dirty="0"/>
+              <a:t>Neuropsychological studies</a:t>
             </a:r>
           </a:p>
           <a:p>
@@ -5515,52 +5811,21 @@
           <a:p>
             <a:r>
               <a:rPr lang="en-US" dirty="0"/>
-              <a:t>“Fast </a:t>
-            </a:r>
-            <a:r>
-              <a:rPr lang="en-US" dirty="0" err="1"/>
-              <a:t>ForWord</a:t>
-            </a:r>
+              <a:t>Field research</a:t>
+            </a:r>
+          </a:p>
+          <a:p>
+            <a:pPr lvl="1"/>
             <a:r>
               <a:rPr lang="en-US" dirty="0"/>
-              <a:t>” result unable to be replicated, but still sold popularly</a:t>
+              <a:t>Applying experimental methods outside the lab</a:t>
             </a:r>
           </a:p>
           <a:p>
             <a:pPr lvl="1"/>
             <a:r>
               <a:rPr lang="en-US" dirty="0"/>
-              <a:t>Auditory training of phonemes to improve reading</a:t>
-            </a:r>
-          </a:p>
-          <a:p>
-            <a:endParaRPr lang="en-US" dirty="0"/>
-          </a:p>
-          <a:p>
-            <a:r>
-              <a:rPr lang="en-US" dirty="0"/>
-              <a:t>Interventions with LD children appear effective</a:t>
-            </a:r>
-          </a:p>
-          <a:p>
-            <a:pPr lvl="1"/>
-            <a:r>
-              <a:rPr lang="en-US" dirty="0"/>
-              <a:t>Difficult to control maturation effects</a:t>
-            </a:r>
-          </a:p>
-          <a:p>
-            <a:pPr lvl="1"/>
-            <a:r>
-              <a:rPr lang="en-US" dirty="0"/>
-              <a:t>Cognitive functions being trained improve with age, education</a:t>
-            </a:r>
-          </a:p>
-          <a:p>
-            <a:pPr lvl="1"/>
-            <a:r>
-              <a:rPr lang="en-US" dirty="0"/>
-              <a:t>Smaller n’s in most studies</a:t>
+              <a:t>Chapter 19</a:t>
             </a:r>
           </a:p>
         </p:txBody>
@@ -5568,7 +5833,7 @@
     </p:spTree>
     <p:extLst>
       <p:ext uri="{BB962C8B-B14F-4D97-AF65-F5344CB8AC3E}">
-        <p14:creationId xmlns:p14="http://schemas.microsoft.com/office/powerpoint/2010/main" val="3740152898"/>
+        <p14:creationId xmlns:p14="http://schemas.microsoft.com/office/powerpoint/2010/main" val="1952110189"/>
       </p:ext>
     </p:extLst>
   </p:cSld>
@@ -5597,10 +5862,10 @@
       </p:grpSpPr>
       <p:sp>
         <p:nvSpPr>
-          <p:cNvPr id="2" name="Title 1">
+          <p:cNvPr id="5" name="Title 4">
             <a:extLst>
               <a:ext uri="{FF2B5EF4-FFF2-40B4-BE49-F238E27FC236}">
-                <a16:creationId xmlns:a16="http://schemas.microsoft.com/office/drawing/2014/main" id="{21D75EAA-347D-C074-DEFB-3BAC572C2A45}"/>
+                <a16:creationId xmlns:a16="http://schemas.microsoft.com/office/drawing/2014/main" id="{9C048A01-9617-0B54-10A3-78EEFB505103}"/>
               </a:ext>
             </a:extLst>
           </p:cNvPr>
@@ -5618,17 +5883,17 @@
           <a:p>
             <a:r>
               <a:rPr lang="en-US" dirty="0"/>
-              <a:t>Brain Training Summary</a:t>
-            </a:r>
-          </a:p>
-        </p:txBody>
-      </p:sp>
-      <p:sp>
-        <p:nvSpPr>
-          <p:cNvPr id="3" name="Content Placeholder 2">
+              <a:t>For Fri 2/23</a:t>
+            </a:r>
+          </a:p>
+        </p:txBody>
+      </p:sp>
+      <p:sp>
+        <p:nvSpPr>
+          <p:cNvPr id="6" name="Content Placeholder 5">
             <a:extLst>
               <a:ext uri="{FF2B5EF4-FFF2-40B4-BE49-F238E27FC236}">
-                <a16:creationId xmlns:a16="http://schemas.microsoft.com/office/drawing/2014/main" id="{B9596C48-9D96-357F-D759-AB3F8E652DAB}"/>
+                <a16:creationId xmlns:a16="http://schemas.microsoft.com/office/drawing/2014/main" id="{B635A652-FCAF-C235-D584-61CC1A82B17D}"/>
               </a:ext>
             </a:extLst>
           </p:cNvPr>
@@ -5646,21 +5911,14 @@
           <a:p>
             <a:r>
               <a:rPr lang="en-US" dirty="0"/>
-              <a:t>Does “brain training” work?</a:t>
+              <a:t>Chapter 18: Responsible Conduct of Research</a:t>
             </a:r>
           </a:p>
           <a:p>
             <a:pPr lvl="1"/>
             <a:r>
               <a:rPr lang="en-US" dirty="0"/>
-              <a:t>Who’s asking?</a:t>
-            </a:r>
-          </a:p>
-          <a:p>
-            <a:pPr lvl="1"/>
-            <a:r>
-              <a:rPr lang="en-US" dirty="0"/>
-              <a:t>Yes, for some populations and some outcomes</a:t>
+              <a:t>Assignment on Canvas</a:t>
             </a:r>
           </a:p>
           <a:p>
@@ -5670,43 +5928,27 @@
           <a:p>
             <a:r>
               <a:rPr lang="en-US" dirty="0"/>
-              <a:t>Illustrates many challenges of intervention research</a:t>
+              <a:t>Final projects</a:t>
             </a:r>
           </a:p>
           <a:p>
             <a:pPr lvl="1"/>
             <a:r>
               <a:rPr lang="en-US" dirty="0"/>
-              <a:t>What is the intended population and how are they sampled?</a:t>
-            </a:r>
-          </a:p>
-          <a:p>
-            <a:pPr lvl="1"/>
-            <a:r>
-              <a:rPr lang="en-US" dirty="0"/>
-              <a:t>What is the dependent variable outcome measure?</a:t>
-            </a:r>
-          </a:p>
-          <a:p>
-            <a:pPr lvl="1"/>
-            <a:r>
-              <a:rPr lang="en-US" dirty="0"/>
-              <a:t>How is the control task implemented?</a:t>
-            </a:r>
-          </a:p>
-          <a:p>
-            <a:pPr lvl="1"/>
-            <a:r>
-              <a:rPr lang="en-US" dirty="0"/>
-              <a:t>How rigorous is the methodology?</a:t>
-            </a:r>
+              <a:t>Start putting your procedure together </a:t>
+            </a:r>
+            <a:r>
+              <a:rPr lang="en-US"/>
+              <a:t>for our review</a:t>
+            </a:r>
+            <a:endParaRPr lang="en-US" dirty="0"/>
           </a:p>
         </p:txBody>
       </p:sp>
     </p:spTree>
     <p:extLst>
       <p:ext uri="{BB962C8B-B14F-4D97-AF65-F5344CB8AC3E}">
-        <p14:creationId xmlns:p14="http://schemas.microsoft.com/office/powerpoint/2010/main" val="4181518295"/>
+        <p14:creationId xmlns:p14="http://schemas.microsoft.com/office/powerpoint/2010/main" val="3085616754"/>
       </p:ext>
     </p:extLst>
   </p:cSld>
@@ -5735,10 +5977,10 @@
       </p:grpSpPr>
       <p:sp>
         <p:nvSpPr>
-          <p:cNvPr id="4" name="Title 3">
+          <p:cNvPr id="2" name="Title 1">
             <a:extLst>
               <a:ext uri="{FF2B5EF4-FFF2-40B4-BE49-F238E27FC236}">
-                <a16:creationId xmlns:a16="http://schemas.microsoft.com/office/drawing/2014/main" id="{BFFA0ACD-3A5A-CA35-8141-6614EE24619B}"/>
+                <a16:creationId xmlns:a16="http://schemas.microsoft.com/office/drawing/2014/main" id="{D9B3924D-AECE-020F-09DF-6567E6EDFE01}"/>
               </a:ext>
             </a:extLst>
           </p:cNvPr>
@@ -5756,17 +5998,17 @@
           <a:p>
             <a:r>
               <a:rPr lang="en-US" dirty="0"/>
-              <a:t>205, Nov 14, Class 23</a:t>
-            </a:r>
-          </a:p>
-        </p:txBody>
-      </p:sp>
-      <p:sp>
-        <p:nvSpPr>
-          <p:cNvPr id="5" name="Content Placeholder 4">
+              <a:t>Final project check-in, 10am</a:t>
+            </a:r>
+          </a:p>
+        </p:txBody>
+      </p:sp>
+      <p:sp>
+        <p:nvSpPr>
+          <p:cNvPr id="3" name="Content Placeholder 2">
             <a:extLst>
               <a:ext uri="{FF2B5EF4-FFF2-40B4-BE49-F238E27FC236}">
-                <a16:creationId xmlns:a16="http://schemas.microsoft.com/office/drawing/2014/main" id="{2B25755C-5778-0B25-9E8C-CAFDE6A7F9FA}"/>
+                <a16:creationId xmlns:a16="http://schemas.microsoft.com/office/drawing/2014/main" id="{6D228230-0C15-D990-9FFB-5517319A5B94}"/>
               </a:ext>
             </a:extLst>
           </p:cNvPr>
@@ -5782,24 +6024,88 @@
           <a:bodyPr/>
           <a:lstStyle/>
           <a:p>
+            <a:pPr marL="514350" indent="-514350">
+              <a:buFont typeface="+mj-lt"/>
+              <a:buAutoNum type="arabicPeriod"/>
+            </a:pPr>
             <a:r>
               <a:rPr lang="en-US" dirty="0"/>
-              <a:t>Quasi-Experimental design</a:t>
-            </a:r>
-          </a:p>
-          <a:p>
-            <a:pPr lvl="1"/>
+              <a:t>Priming on self-concept: use 2x2 design, clarify DV</a:t>
+            </a:r>
+          </a:p>
+          <a:p>
+            <a:pPr marL="514350" indent="-514350">
+              <a:buFont typeface="+mj-lt"/>
+              <a:buAutoNum type="arabicPeriod"/>
+            </a:pPr>
             <a:r>
               <a:rPr lang="en-US" dirty="0"/>
-              <a:t>Field and Intervention research</a:t>
-            </a:r>
+              <a:t>Aww effect: multiple measures of DV?</a:t>
+            </a:r>
+          </a:p>
+          <a:p>
+            <a:pPr marL="514350" indent="-514350">
+              <a:buFont typeface="+mj-lt"/>
+              <a:buAutoNum type="arabicPeriod"/>
+            </a:pPr>
+            <a:r>
+              <a:rPr lang="en-US" dirty="0"/>
+              <a:t>Color and Gender: design?</a:t>
+            </a:r>
+          </a:p>
+          <a:p>
+            <a:pPr marL="514350" indent="-514350">
+              <a:buFont typeface="+mj-lt"/>
+              <a:buAutoNum type="arabicPeriod"/>
+            </a:pPr>
+            <a:r>
+              <a:rPr lang="en-US" dirty="0"/>
+              <a:t>TBA?</a:t>
+            </a:r>
+          </a:p>
+          <a:p>
+            <a:pPr marL="971550" lvl="1" indent="-514350">
+              <a:buFont typeface="+mj-lt"/>
+              <a:buAutoNum type="arabicPeriod"/>
+            </a:pPr>
+            <a:r>
+              <a:rPr lang="en-US" dirty="0"/>
+              <a:t>Neil, Peter, Madison, Sophia</a:t>
+            </a:r>
+          </a:p>
+          <a:p>
+            <a:pPr marL="514350" indent="-514350">
+              <a:buFont typeface="+mj-lt"/>
+              <a:buAutoNum type="arabicPeriod"/>
+            </a:pPr>
+            <a:r>
+              <a:rPr lang="en-US" dirty="0"/>
+              <a:t>Meditation and memory: no effect of major, procedures</a:t>
+            </a:r>
+          </a:p>
+          <a:p>
+            <a:pPr marL="514350" indent="-514350">
+              <a:buFont typeface="+mj-lt"/>
+              <a:buAutoNum type="arabicPeriod"/>
+            </a:pPr>
+            <a:r>
+              <a:rPr lang="en-US" dirty="0"/>
+              <a:t>Music and altruism: background?</a:t>
+            </a:r>
+          </a:p>
+          <a:p>
+            <a:pPr marL="971550" lvl="1" indent="-514350">
+              <a:buFont typeface="+mj-lt"/>
+              <a:buAutoNum type="arabicPeriod"/>
+            </a:pPr>
+            <a:endParaRPr lang="en-US" dirty="0"/>
           </a:p>
         </p:txBody>
       </p:sp>
     </p:spTree>
     <p:extLst>
       <p:ext uri="{BB962C8B-B14F-4D97-AF65-F5344CB8AC3E}">
-        <p14:creationId xmlns:p14="http://schemas.microsoft.com/office/powerpoint/2010/main" val="3010986868"/>
+        <p14:creationId xmlns:p14="http://schemas.microsoft.com/office/powerpoint/2010/main" val="2923900019"/>
       </p:ext>
     </p:extLst>
   </p:cSld>
@@ -5828,9 +6134,15 @@
       </p:grpSpPr>
       <p:sp>
         <p:nvSpPr>
-          <p:cNvPr id="6146" name="Rectangle 2"/>
-          <p:cNvSpPr>
-            <a:spLocks noGrp="1" noChangeArrowheads="1"/>
+          <p:cNvPr id="2" name="Title 1">
+            <a:extLst>
+              <a:ext uri="{FF2B5EF4-FFF2-40B4-BE49-F238E27FC236}">
+                <a16:creationId xmlns:a16="http://schemas.microsoft.com/office/drawing/2014/main" id="{D5FDB27F-DFB9-870A-EAFE-7C9CAF9AED33}"/>
+              </a:ext>
+            </a:extLst>
+          </p:cNvPr>
+          <p:cNvSpPr>
+            <a:spLocks noGrp="1"/>
           </p:cNvSpPr>
           <p:nvPr>
             <p:ph type="title"/>
@@ -5842,92 +6154,121 @@
           <a:lstStyle/>
           <a:p>
             <a:r>
-              <a:rPr lang="en-US" sz="4000"/>
-              <a:t>A Science Fair’s Teachable Moment </a:t>
-            </a:r>
-          </a:p>
-        </p:txBody>
-      </p:sp>
-      <p:sp>
-        <p:nvSpPr>
-          <p:cNvPr id="6147" name="Rectangle 3"/>
-          <p:cNvSpPr>
-            <a:spLocks noGrp="1" noChangeArrowheads="1"/>
-          </p:cNvSpPr>
-          <p:nvPr>
-            <p:ph type="body" idx="1"/>
+              <a:rPr lang="en-US" dirty="0"/>
+              <a:t>Final Project check-in, 11am</a:t>
+            </a:r>
+          </a:p>
+        </p:txBody>
+      </p:sp>
+      <p:sp>
+        <p:nvSpPr>
+          <p:cNvPr id="3" name="Content Placeholder 2">
+            <a:extLst>
+              <a:ext uri="{FF2B5EF4-FFF2-40B4-BE49-F238E27FC236}">
+                <a16:creationId xmlns:a16="http://schemas.microsoft.com/office/drawing/2014/main" id="{91BF164A-0AF1-9741-DB19-014FF628434C}"/>
+              </a:ext>
+            </a:extLst>
+          </p:cNvPr>
+          <p:cNvSpPr>
+            <a:spLocks noGrp="1"/>
+          </p:cNvSpPr>
+          <p:nvPr>
+            <p:ph idx="1"/>
           </p:nvPr>
         </p:nvSpPr>
         <p:spPr/>
         <p:txBody>
           <a:bodyPr>
-            <a:normAutofit lnSpcReduction="10000"/>
+            <a:normAutofit fontScale="85000" lnSpcReduction="20000"/>
           </a:bodyPr>
           <a:lstStyle/>
           <a:p>
-            <a:pPr>
-              <a:lnSpc>
-                <a:spcPct val="90000"/>
-              </a:lnSpc>
-            </a:pPr>
             <a:r>
               <a:rPr lang="en-US" dirty="0"/>
-              <a:t>A science fair project done by an 8yo girl, “Does Skin Color Make a Difference?” (Boulder, Colorado)</a:t>
-            </a:r>
-          </a:p>
-          <a:p>
-            <a:pPr lvl="1">
-              <a:lnSpc>
-                <a:spcPct val="90000"/>
-              </a:lnSpc>
-            </a:pPr>
+              <a:t>Cedar</a:t>
+            </a:r>
+          </a:p>
+          <a:p>
+            <a:pPr lvl="1"/>
             <a:r>
               <a:rPr lang="en-US" dirty="0"/>
-              <a:t>2001 school science fair</a:t>
-            </a:r>
-          </a:p>
-          <a:p>
-            <a:pPr lvl="1">
-              <a:lnSpc>
-                <a:spcPct val="90000"/>
-              </a:lnSpc>
-            </a:pPr>
+              <a:t>Alexandra, Emilie, Hye-won, Hannah</a:t>
+            </a:r>
+          </a:p>
+          <a:p>
             <a:r>
               <a:rPr lang="en-US" dirty="0"/>
-              <a:t>School board panicked and censored the results for fear of “insensitivity”</a:t>
-            </a:r>
-          </a:p>
-          <a:p>
-            <a:pPr>
-              <a:lnSpc>
-                <a:spcPct val="90000"/>
-              </a:lnSpc>
-            </a:pPr>
+              <a:t>Fir</a:t>
+            </a:r>
+          </a:p>
+          <a:p>
+            <a:pPr lvl="1"/>
             <a:r>
               <a:rPr lang="en-US" dirty="0"/>
-              <a:t>Design: Two Barbie dolls, one white and one black.  One Barbie is wearing a lavender (preferred) dress.  The question is “which doll do you prefer?”</a:t>
-            </a:r>
-          </a:p>
-          <a:p>
-            <a:pPr>
-              <a:lnSpc>
-                <a:spcPct val="90000"/>
-              </a:lnSpc>
-            </a:pPr>
+              <a:t>Alex, Owen, Miles, Alena</a:t>
+            </a:r>
+          </a:p>
+          <a:p>
             <a:r>
               <a:rPr lang="en-US" dirty="0"/>
-              <a:t>30 adults and children were asked.  Adults consistently preferred the lavender dress (e.g., 27 of 30 times).  </a:t>
-            </a:r>
-          </a:p>
-          <a:p>
-            <a:pPr>
-              <a:lnSpc>
-                <a:spcPct val="90000"/>
-              </a:lnSpc>
-            </a:pPr>
+              <a:t>Maple: Growth mindset, use 1 DV</a:t>
+            </a:r>
+          </a:p>
+          <a:p>
+            <a:pPr lvl="1"/>
             <a:r>
               <a:rPr lang="en-US" dirty="0"/>
-              <a:t>Among children, only 6 picked the lavender dress if the Black Barbie wore the dress.</a:t>
+              <a:t>“</a:t>
+            </a:r>
+            <a:r>
+              <a:rPr lang="en-US" b="0" i="0" dirty="0">
+                <a:solidFill>
+                  <a:srgbClr val="2D3B45"/>
+                </a:solidFill>
+                <a:effectLst/>
+                <a:latin typeface="Lato Extended"/>
+              </a:rPr>
+              <a:t>Participants will be told either that intelligence is congenital, or that it can be improved with practice and effort.”</a:t>
+            </a:r>
+            <a:endParaRPr lang="en-US" dirty="0"/>
+          </a:p>
+          <a:p>
+            <a:r>
+              <a:rPr lang="en-US" dirty="0"/>
+              <a:t>Oak: Attractiveness in Study Partner</a:t>
+            </a:r>
+          </a:p>
+          <a:p>
+            <a:pPr lvl="1"/>
+            <a:r>
+              <a:rPr lang="en-US" dirty="0"/>
+              <a:t>Use multiple questions, theory?</a:t>
+            </a:r>
+          </a:p>
+          <a:p>
+            <a:r>
+              <a:rPr lang="en-US" dirty="0"/>
+              <a:t>Pine</a:t>
+            </a:r>
+          </a:p>
+          <a:p>
+            <a:pPr lvl="1"/>
+            <a:r>
+              <a:rPr lang="en-US" dirty="0"/>
+              <a:t>Seoyeon, Neha, Margot, Fernanda</a:t>
+            </a:r>
+          </a:p>
+          <a:p>
+            <a:r>
+              <a:rPr lang="en-US" dirty="0"/>
+              <a:t>Walnut: Risky Decisions</a:t>
+            </a:r>
+          </a:p>
+          <a:p>
+            <a:pPr lvl="1"/>
+            <a:r>
+              <a:rPr lang="en-US" dirty="0"/>
+              <a:t>Review background theory</a:t>
             </a:r>
           </a:p>
         </p:txBody>
@@ -5935,7 +6276,7 @@
     </p:spTree>
     <p:extLst>
       <p:ext uri="{BB962C8B-B14F-4D97-AF65-F5344CB8AC3E}">
-        <p14:creationId xmlns:p14="http://schemas.microsoft.com/office/powerpoint/2010/main" val="805459149"/>
+        <p14:creationId xmlns:p14="http://schemas.microsoft.com/office/powerpoint/2010/main" val="249625149"/>
       </p:ext>
     </p:extLst>
   </p:cSld>
@@ -5964,7 +6305,7 @@
       </p:grpSpPr>
       <p:sp>
         <p:nvSpPr>
-          <p:cNvPr id="7170" name="Rectangle 68"/>
+          <p:cNvPr id="5122" name="Rectangle 2"/>
           <p:cNvSpPr>
             <a:spLocks noGrp="1" noChangeArrowheads="1"/>
           </p:cNvSpPr>
@@ -5979,64 +6320,328 @@
           <a:p>
             <a:r>
               <a:rPr lang="en-US"/>
-              <a:t>Adults’ preference</a:t>
+              <a:t>Mum effect</a:t>
+            </a:r>
+          </a:p>
+        </p:txBody>
+      </p:sp>
+      <p:sp>
+        <p:nvSpPr>
+          <p:cNvPr id="5123" name="Rectangle 3"/>
+          <p:cNvSpPr>
+            <a:spLocks noGrp="1" noChangeArrowheads="1"/>
+          </p:cNvSpPr>
+          <p:nvPr>
+            <p:ph type="body" idx="1"/>
+          </p:nvPr>
+        </p:nvSpPr>
+        <p:spPr>
+          <a:xfrm>
+            <a:off x="838200" y="1371600"/>
+            <a:ext cx="9372600" cy="5105400"/>
+          </a:xfrm>
+        </p:spPr>
+        <p:txBody>
+          <a:bodyPr>
+            <a:normAutofit fontScale="92500" lnSpcReduction="10000"/>
+          </a:bodyPr>
+          <a:lstStyle/>
+          <a:p>
+            <a:pPr>
+              <a:lnSpc>
+                <a:spcPct val="80000"/>
+              </a:lnSpc>
+            </a:pPr>
+            <a:r>
+              <a:rPr lang="en-US" sz="2400" dirty="0"/>
+              <a:t>A “lost postcard” technique was employed to examine attitudes towards informing people of their romantic partner’s apparent infidelity.  Stamped and addressed postcards were left on the windshields of 180 cars parked near mailboxes, with an accompanying handwritten note reading “Found this by your car – is it yours?”</a:t>
+            </a:r>
+          </a:p>
+          <a:p>
+            <a:pPr>
+              <a:lnSpc>
+                <a:spcPct val="80000"/>
+              </a:lnSpc>
+            </a:pPr>
+            <a:r>
+              <a:rPr lang="en-US" sz="2400" dirty="0"/>
+              <a:t>One-third (60) of the cards had a neutral/good news (control) message, “Glad to hear you’ve working things out.  We’re getting along better too.  Keep in touch.”  Thirty of these were addressed to a male, 30 to a female.</a:t>
+            </a:r>
+          </a:p>
+          <a:p>
+            <a:pPr>
+              <a:lnSpc>
+                <a:spcPct val="80000"/>
+              </a:lnSpc>
+            </a:pPr>
+            <a:r>
+              <a:rPr lang="en-US" sz="2400" dirty="0"/>
+              <a:t>The other 120 cards, equally divided by gender, informed the addressee of his (her) girlfriend’s (boyfriend’s) apparent infidelity, in the following message: “Dear Bob [Judy], I hate to be the one to tell you this, but I think I saw you girlfriend Ann [boyfriend Bob] coming out of the Travelodge off El Cajon Blvd with another guy (woman) on Thursday.  It might not be important, but I didn’t know how to tell you in person – Barry [Beth]”</a:t>
+            </a:r>
+          </a:p>
+          <a:p>
+            <a:pPr lvl="1">
+              <a:lnSpc>
+                <a:spcPct val="80000"/>
+              </a:lnSpc>
+            </a:pPr>
+            <a:r>
+              <a:rPr lang="en-US" dirty="0"/>
+              <a:t>35 good news postcards were returned</a:t>
+            </a:r>
+          </a:p>
+          <a:p>
+            <a:pPr lvl="1">
+              <a:lnSpc>
+                <a:spcPct val="80000"/>
+              </a:lnSpc>
+            </a:pPr>
+            <a:r>
+              <a:rPr lang="en-US" dirty="0"/>
+              <a:t>23 bad news postcards were returned: </a:t>
+            </a:r>
+          </a:p>
+          <a:p>
+            <a:pPr lvl="1">
+              <a:lnSpc>
+                <a:spcPct val="80000"/>
+              </a:lnSpc>
+            </a:pPr>
+            <a:r>
+              <a:rPr lang="en-US" dirty="0"/>
+              <a:t>19 to addressed to Bob, 4 to Judy</a:t>
+            </a:r>
+          </a:p>
+        </p:txBody>
+      </p:sp>
+    </p:spTree>
+    <p:extLst>
+      <p:ext uri="{BB962C8B-B14F-4D97-AF65-F5344CB8AC3E}">
+        <p14:creationId xmlns:p14="http://schemas.microsoft.com/office/powerpoint/2010/main" val="3542977890"/>
+      </p:ext>
+    </p:extLst>
+  </p:cSld>
+  <p:clrMapOvr>
+    <a:masterClrMapping/>
+  </p:clrMapOvr>
+</p:sld>
+</file>
+
+<file path=ppt/slides/slide5.xml><?xml version="1.0" encoding="utf-8"?>
+<p:sld xmlns:a="http://schemas.openxmlformats.org/drawingml/2006/main" xmlns:r="http://schemas.openxmlformats.org/officeDocument/2006/relationships" xmlns:p="http://schemas.openxmlformats.org/presentationml/2006/main">
+  <p:cSld>
+    <p:spTree>
+      <p:nvGrpSpPr>
+        <p:cNvPr id="1" name=""/>
+        <p:cNvGrpSpPr/>
+        <p:nvPr/>
+      </p:nvGrpSpPr>
+      <p:grpSpPr>
+        <a:xfrm>
+          <a:off x="0" y="0"/>
+          <a:ext cx="0" cy="0"/>
+          <a:chOff x="0" y="0"/>
+          <a:chExt cx="0" cy="0"/>
+        </a:xfrm>
+      </p:grpSpPr>
+      <p:sp>
+        <p:nvSpPr>
+          <p:cNvPr id="6146" name="Rectangle 2"/>
+          <p:cNvSpPr>
+            <a:spLocks noGrp="1" noChangeArrowheads="1"/>
+          </p:cNvSpPr>
+          <p:nvPr>
+            <p:ph type="title"/>
+          </p:nvPr>
+        </p:nvSpPr>
+        <p:spPr/>
+        <p:txBody>
+          <a:bodyPr/>
+          <a:lstStyle/>
+          <a:p>
+            <a:r>
+              <a:rPr lang="en-US"/>
+              <a:t>Chi</a:t>
+            </a:r>
+            <a:r>
+              <a:rPr lang="en-US" baseline="30000"/>
+              <a:t>2</a:t>
+            </a:r>
+          </a:p>
+        </p:txBody>
+      </p:sp>
+      <p:sp>
+        <p:nvSpPr>
+          <p:cNvPr id="6147" name="Rectangle 3"/>
+          <p:cNvSpPr>
+            <a:spLocks noGrp="1" noChangeArrowheads="1"/>
+          </p:cNvSpPr>
+          <p:nvPr>
+            <p:ph type="body" idx="1"/>
+          </p:nvPr>
+        </p:nvSpPr>
+        <p:spPr/>
+        <p:txBody>
+          <a:bodyPr>
+            <a:normAutofit/>
+          </a:bodyPr>
+          <a:lstStyle/>
+          <a:p>
+            <a:r>
+              <a:rPr lang="en-US" sz="3600" dirty="0"/>
+              <a:t>Doing a Chi</a:t>
+            </a:r>
+            <a:r>
+              <a:rPr lang="en-US" sz="3600" baseline="30000" dirty="0"/>
+              <a:t>2</a:t>
+            </a:r>
+            <a:r>
+              <a:rPr lang="en-US" sz="3600" dirty="0"/>
+              <a:t> Analysis: </a:t>
+            </a:r>
+          </a:p>
+          <a:p>
+            <a:pPr lvl="1"/>
+            <a:r>
+              <a:rPr lang="en-US" sz="3200" dirty="0"/>
+              <a:t>Step 1: Contingency table</a:t>
+            </a:r>
+          </a:p>
+          <a:p>
+            <a:pPr lvl="2"/>
+            <a:r>
+              <a:rPr lang="en-US" sz="2800" dirty="0"/>
+              <a:t>Calculate rates</a:t>
+            </a:r>
+          </a:p>
+          <a:p>
+            <a:pPr lvl="1"/>
+            <a:r>
+              <a:rPr lang="en-US" sz="3200" dirty="0"/>
+              <a:t>Step 2: Test hypotheses</a:t>
+            </a:r>
+          </a:p>
+          <a:p>
+            <a:pPr lvl="2"/>
+            <a:r>
+              <a:rPr lang="en-US" sz="2800" dirty="0"/>
+              <a:t>Do the rates differ across conditions?</a:t>
+            </a:r>
+          </a:p>
+        </p:txBody>
+      </p:sp>
+    </p:spTree>
+    <p:extLst>
+      <p:ext uri="{BB962C8B-B14F-4D97-AF65-F5344CB8AC3E}">
+        <p14:creationId xmlns:p14="http://schemas.microsoft.com/office/powerpoint/2010/main" val="1077995404"/>
+      </p:ext>
+    </p:extLst>
+  </p:cSld>
+  <p:clrMapOvr>
+    <a:masterClrMapping/>
+  </p:clrMapOvr>
+</p:sld>
+</file>
+
+<file path=ppt/slides/slide6.xml><?xml version="1.0" encoding="utf-8"?>
+<p:sld xmlns:a="http://schemas.openxmlformats.org/drawingml/2006/main" xmlns:r="http://schemas.openxmlformats.org/officeDocument/2006/relationships" xmlns:p="http://schemas.openxmlformats.org/presentationml/2006/main">
+  <p:cSld>
+    <p:spTree>
+      <p:nvGrpSpPr>
+        <p:cNvPr id="1" name=""/>
+        <p:cNvGrpSpPr/>
+        <p:nvPr/>
+      </p:nvGrpSpPr>
+      <p:grpSpPr>
+        <a:xfrm>
+          <a:off x="0" y="0"/>
+          <a:ext cx="0" cy="0"/>
+          <a:chOff x="0" y="0"/>
+          <a:chExt cx="0" cy="0"/>
+        </a:xfrm>
+      </p:grpSpPr>
+      <p:sp>
+        <p:nvSpPr>
+          <p:cNvPr id="7170" name="Rectangle 2"/>
+          <p:cNvSpPr>
+            <a:spLocks noGrp="1" noChangeArrowheads="1"/>
+          </p:cNvSpPr>
+          <p:nvPr>
+            <p:ph type="title"/>
+          </p:nvPr>
+        </p:nvSpPr>
+        <p:spPr/>
+        <p:txBody>
+          <a:bodyPr/>
+          <a:lstStyle/>
+          <a:p>
+            <a:r>
+              <a:rPr lang="en-US" dirty="0"/>
+              <a:t>Contingency Table with Rates</a:t>
             </a:r>
           </a:p>
         </p:txBody>
       </p:sp>
       <p:graphicFrame>
         <p:nvGraphicFramePr>
-          <p:cNvPr id="4163" name="Group 67"/>
+          <p:cNvPr id="9219" name="Group 3"/>
           <p:cNvGraphicFramePr>
             <a:graphicFrameLocks noGrp="1"/>
           </p:cNvGraphicFramePr>
           <p:nvPr>
-            <p:ph sz="half" idx="1"/>
+            <p:ph idx="1"/>
           </p:nvPr>
         </p:nvGraphicFramePr>
         <p:xfrm>
-          <a:off x="1221180" y="1661160"/>
-          <a:ext cx="8229600" cy="2407920"/>
+          <a:off x="1981199" y="1600201"/>
+          <a:ext cx="7744691" cy="3826821"/>
         </p:xfrm>
         <a:graphic>
           <a:graphicData uri="http://schemas.openxmlformats.org/drawingml/2006/table">
             <a:tbl>
               <a:tblPr/>
               <a:tblGrid>
-                <a:gridCol w="2743200">
+                <a:gridCol w="1566342">
                   <a:extLst>
                     <a:ext uri="{9D8B030D-6E8A-4147-A177-3AD203B41FA5}">
                       <a16:colId xmlns:a16="http://schemas.microsoft.com/office/drawing/2014/main" val="20000"/>
                     </a:ext>
                   </a:extLst>
                 </a:gridCol>
-                <a:gridCol w="2743200">
+                <a:gridCol w="2175475">
                   <a:extLst>
                     <a:ext uri="{9D8B030D-6E8A-4147-A177-3AD203B41FA5}">
                       <a16:colId xmlns:a16="http://schemas.microsoft.com/office/drawing/2014/main" val="20001"/>
                     </a:ext>
                   </a:extLst>
                 </a:gridCol>
-                <a:gridCol w="2743200">
+                <a:gridCol w="2349513">
                   <a:extLst>
                     <a:ext uri="{9D8B030D-6E8A-4147-A177-3AD203B41FA5}">
                       <a16:colId xmlns:a16="http://schemas.microsoft.com/office/drawing/2014/main" val="20002"/>
                     </a:ext>
                   </a:extLst>
                 </a:gridCol>
+                <a:gridCol w="1653361">
+                  <a:extLst>
+                    <a:ext uri="{9D8B030D-6E8A-4147-A177-3AD203B41FA5}">
+                      <a16:colId xmlns:a16="http://schemas.microsoft.com/office/drawing/2014/main" val="20003"/>
+                    </a:ext>
+                  </a:extLst>
+                </a:gridCol>
               </a:tblGrid>
-              <a:tr h="458788">
+              <a:tr h="778224">
                 <a:tc>
                   <a:txBody>
                     <a:bodyPr/>
                     <a:lstStyle/>
                     <a:p>
-                      <a:pPr marL="342900" marR="0" lvl="0" indent="-342900" algn="l" defTabSz="914400" rtl="0" eaLnBrk="1" fontAlgn="base" latinLnBrk="0" hangingPunct="1">
+                      <a:pPr marL="0" marR="0" lvl="0" indent="0" algn="l" defTabSz="914400" rtl="0" eaLnBrk="1" fontAlgn="base" latinLnBrk="0" hangingPunct="1">
                         <a:lnSpc>
                           <a:spcPct val="100000"/>
                         </a:lnSpc>
                         <a:spcBef>
-                          <a:spcPct val="0"/>
+                          <a:spcPct val="20000"/>
                         </a:spcBef>
                         <a:spcAft>
                           <a:spcPct val="0"/>
@@ -6047,20 +6652,6 @@
                         <a:buNone/>
                         <a:tabLst/>
                       </a:pPr>
-                      <a:r>
-                        <a:rPr kumimoji="0" lang="en-US" sz="2800" b="0" i="0" u="none" strike="noStrike" cap="none" normalizeH="0" baseline="0" dirty="0">
-                          <a:ln>
-                            <a:noFill/>
-                          </a:ln>
-                          <a:solidFill>
-                            <a:schemeClr val="tx1"/>
-                          </a:solidFill>
-                          <a:effectLst/>
-                          <a:latin typeface="Times New Roman" pitchFamily="18" charset="0"/>
-                          <a:cs typeface="Times New Roman" pitchFamily="18" charset="0"/>
-                        </a:rPr>
-                        <a:t>Adults</a:t>
-                      </a:r>
                       <a:endParaRPr kumimoji="0" lang="en-US" sz="2800" b="0" i="0" u="none" strike="noStrike" cap="none" normalizeH="0" baseline="0" dirty="0">
                         <a:ln>
                           <a:noFill/>
@@ -6152,7 +6743,7 @@
                           <a:latin typeface="Times New Roman" pitchFamily="18" charset="0"/>
                           <a:cs typeface="Times New Roman" pitchFamily="18" charset="0"/>
                         </a:rPr>
-                        <a:t>Lavender</a:t>
+                        <a:t>Returned</a:t>
                       </a:r>
                       <a:endParaRPr kumimoji="0" lang="en-US" sz="2800" b="0" i="0" u="none" strike="noStrike" cap="none" normalizeH="0" baseline="0">
                         <a:ln>
@@ -6245,7 +6836,100 @@
                           <a:latin typeface="Times New Roman" pitchFamily="18" charset="0"/>
                           <a:cs typeface="Times New Roman" pitchFamily="18" charset="0"/>
                         </a:rPr>
-                        <a:t>Other</a:t>
+                        <a:t>Not returned</a:t>
+                      </a:r>
+                      <a:endParaRPr kumimoji="0" lang="en-US" sz="2800" b="0" i="0" u="none" strike="noStrike" cap="none" normalizeH="0" baseline="0">
+                        <a:ln>
+                          <a:noFill/>
+                        </a:ln>
+                        <a:solidFill>
+                          <a:schemeClr val="tx1"/>
+                        </a:solidFill>
+                        <a:effectLst/>
+                        <a:latin typeface="Arial" charset="0"/>
+                      </a:endParaRPr>
+                    </a:p>
+                  </a:txBody>
+                  <a:tcPr horzOverflow="overflow">
+                    <a:lnL w="12700" cap="flat" cmpd="sng" algn="ctr">
+                      <a:solidFill>
+                        <a:srgbClr val="000000"/>
+                      </a:solidFill>
+                      <a:prstDash val="solid"/>
+                      <a:round/>
+                      <a:headEnd type="none" w="med" len="med"/>
+                      <a:tailEnd type="none" w="med" len="med"/>
+                    </a:lnL>
+                    <a:lnR w="12700" cap="flat" cmpd="sng" algn="ctr">
+                      <a:solidFill>
+                        <a:srgbClr val="000000"/>
+                      </a:solidFill>
+                      <a:prstDash val="solid"/>
+                      <a:round/>
+                      <a:headEnd type="none" w="med" len="med"/>
+                      <a:tailEnd type="none" w="med" len="med"/>
+                    </a:lnR>
+                    <a:lnT w="12700" cap="flat" cmpd="sng" algn="ctr">
+                      <a:solidFill>
+                        <a:srgbClr val="000000"/>
+                      </a:solidFill>
+                      <a:prstDash val="solid"/>
+                      <a:round/>
+                      <a:headEnd type="none" w="med" len="med"/>
+                      <a:tailEnd type="none" w="med" len="med"/>
+                    </a:lnT>
+                    <a:lnB w="12700" cap="flat" cmpd="sng" algn="ctr">
+                      <a:solidFill>
+                        <a:srgbClr val="000000"/>
+                      </a:solidFill>
+                      <a:prstDash val="solid"/>
+                      <a:round/>
+                      <a:headEnd type="none" w="med" len="med"/>
+                      <a:tailEnd type="none" w="med" len="med"/>
+                    </a:lnB>
+                    <a:lnTlToBr>
+                      <a:noFill/>
+                    </a:lnTlToBr>
+                    <a:lnBlToTr>
+                      <a:noFill/>
+                    </a:lnBlToTr>
+                    <a:noFill/>
+                  </a:tcPr>
+                </a:tc>
+                <a:tc>
+                  <a:txBody>
+                    <a:bodyPr/>
+                    <a:lstStyle/>
+                    <a:p>
+                      <a:pPr marL="342900" marR="0" lvl="0" indent="-342900" algn="ctr" defTabSz="914400" rtl="0" eaLnBrk="1" fontAlgn="base" latinLnBrk="0" hangingPunct="1">
+                        <a:lnSpc>
+                          <a:spcPct val="100000"/>
+                        </a:lnSpc>
+                        <a:spcBef>
+                          <a:spcPct val="0"/>
+                        </a:spcBef>
+                        <a:spcAft>
+                          <a:spcPct val="0"/>
+                        </a:spcAft>
+                        <a:buClrTx/>
+                        <a:buSzTx/>
+                        <a:buFontTx/>
+                        <a:buNone/>
+                        <a:tabLst/>
+                      </a:pPr>
+                      <a:r>
+                        <a:rPr kumimoji="0" lang="en-US" sz="2800" b="0" i="0" u="none" strike="noStrike" cap="none" normalizeH="0" baseline="0">
+                          <a:ln>
+                            <a:noFill/>
+                          </a:ln>
+                          <a:solidFill>
+                            <a:schemeClr val="tx1"/>
+                          </a:solidFill>
+                          <a:effectLst/>
+                          <a:latin typeface="Times New Roman" pitchFamily="18" charset="0"/>
+                          <a:cs typeface="Times New Roman" pitchFamily="18" charset="0"/>
+                        </a:rPr>
+                        <a:t>Total</a:t>
                       </a:r>
                       <a:endParaRPr kumimoji="0" lang="en-US" sz="2800" b="0" i="0" u="none" strike="noStrike" cap="none" normalizeH="0" baseline="0">
                         <a:ln>
@@ -6311,7 +6995,7 @@
                   </a:ext>
                 </a:extLst>
               </a:tr>
-              <a:tr h="863600">
+              <a:tr h="1016199">
                 <a:tc>
                   <a:txBody>
                     <a:bodyPr/>
@@ -6334,7 +7018,7 @@
                         <a:tabLst/>
                       </a:pPr>
                       <a:r>
-                        <a:rPr kumimoji="0" lang="en-US" sz="2800" b="0" i="0" u="none" strike="noStrike" cap="none" normalizeH="0" baseline="0" dirty="0">
+                        <a:rPr kumimoji="0" lang="en-US" sz="2800" b="0" i="0" u="none" strike="noStrike" cap="none" normalizeH="0" baseline="0">
                           <a:ln>
                             <a:noFill/>
                           </a:ln>
@@ -6345,9 +7029,9 @@
                           <a:latin typeface="Times New Roman" pitchFamily="18" charset="0"/>
                           <a:cs typeface="Times New Roman" pitchFamily="18" charset="0"/>
                         </a:rPr>
-                        <a:t>Black-Lavender</a:t>
+                        <a:t>Good news</a:t>
                       </a:r>
-                      <a:endParaRPr kumimoji="0" lang="en-US" sz="2800" b="0" i="0" u="none" strike="noStrike" cap="none" normalizeH="0" baseline="0" dirty="0">
+                      <a:endParaRPr kumimoji="0" lang="en-US" sz="2800" b="0" i="0" u="none" strike="noStrike" cap="none" normalizeH="0" baseline="0">
                         <a:ln>
                           <a:noFill/>
                         </a:ln>
@@ -6438,7 +7122,7 @@
                           <a:latin typeface="Times New Roman" pitchFamily="18" charset="0"/>
                           <a:cs typeface="Times New Roman" pitchFamily="18" charset="0"/>
                         </a:rPr>
-                        <a:t>13</a:t>
+                        <a:t>35</a:t>
                       </a:r>
                     </a:p>
                     <a:p>
@@ -6470,7 +7154,132 @@
                           <a:latin typeface="Times New Roman" pitchFamily="18" charset="0"/>
                           <a:cs typeface="Times New Roman" pitchFamily="18" charset="0"/>
                         </a:rPr>
-                        <a:t>(.867)</a:t>
+                        <a:t>(.583)</a:t>
+                      </a:r>
+                      <a:endParaRPr kumimoji="0" lang="en-US" sz="2800" b="0" i="0" u="none" strike="noStrike" cap="none" normalizeH="0" baseline="0" dirty="0">
+                        <a:ln>
+                          <a:noFill/>
+                        </a:ln>
+                        <a:solidFill>
+                          <a:schemeClr val="tx1"/>
+                        </a:solidFill>
+                        <a:effectLst/>
+                        <a:latin typeface="Arial" charset="0"/>
+                      </a:endParaRPr>
+                    </a:p>
+                  </a:txBody>
+                  <a:tcPr horzOverflow="overflow">
+                    <a:lnL w="12700" cap="flat" cmpd="sng" algn="ctr">
+                      <a:solidFill>
+                        <a:srgbClr val="000000"/>
+                      </a:solidFill>
+                      <a:prstDash val="solid"/>
+                      <a:round/>
+                      <a:headEnd type="none" w="med" len="med"/>
+                      <a:tailEnd type="none" w="med" len="med"/>
+                    </a:lnL>
+                    <a:lnR w="12700" cap="flat" cmpd="sng" algn="ctr">
+                      <a:solidFill>
+                        <a:srgbClr val="000000"/>
+                      </a:solidFill>
+                      <a:prstDash val="solid"/>
+                      <a:round/>
+                      <a:headEnd type="none" w="med" len="med"/>
+                      <a:tailEnd type="none" w="med" len="med"/>
+                    </a:lnR>
+                    <a:lnT w="12700" cap="flat" cmpd="sng" algn="ctr">
+                      <a:solidFill>
+                        <a:srgbClr val="000000"/>
+                      </a:solidFill>
+                      <a:prstDash val="solid"/>
+                      <a:round/>
+                      <a:headEnd type="none" w="med" len="med"/>
+                      <a:tailEnd type="none" w="med" len="med"/>
+                    </a:lnT>
+                    <a:lnB w="12700" cap="flat" cmpd="sng" algn="ctr">
+                      <a:solidFill>
+                        <a:srgbClr val="000000"/>
+                      </a:solidFill>
+                      <a:prstDash val="solid"/>
+                      <a:round/>
+                      <a:headEnd type="none" w="med" len="med"/>
+                      <a:tailEnd type="none" w="med" len="med"/>
+                    </a:lnB>
+                    <a:lnTlToBr>
+                      <a:noFill/>
+                    </a:lnTlToBr>
+                    <a:lnBlToTr>
+                      <a:noFill/>
+                    </a:lnBlToTr>
+                    <a:noFill/>
+                  </a:tcPr>
+                </a:tc>
+                <a:tc>
+                  <a:txBody>
+                    <a:bodyPr/>
+                    <a:lstStyle/>
+                    <a:p>
+                      <a:pPr marL="342900" marR="0" lvl="0" indent="-342900" algn="ctr" defTabSz="914400" rtl="0" eaLnBrk="1" fontAlgn="base" latinLnBrk="0" hangingPunct="1">
+                        <a:lnSpc>
+                          <a:spcPct val="100000"/>
+                        </a:lnSpc>
+                        <a:spcBef>
+                          <a:spcPct val="0"/>
+                        </a:spcBef>
+                        <a:spcAft>
+                          <a:spcPct val="0"/>
+                        </a:spcAft>
+                        <a:buClrTx/>
+                        <a:buSzTx/>
+                        <a:buFontTx/>
+                        <a:buNone/>
+                        <a:tabLst/>
+                      </a:pPr>
+                      <a:r>
+                        <a:rPr kumimoji="0" lang="en-US" sz="2800" b="0" i="0" u="none" strike="noStrike" cap="none" normalizeH="0" baseline="0" dirty="0">
+                          <a:ln>
+                            <a:noFill/>
+                          </a:ln>
+                          <a:solidFill>
+                            <a:schemeClr val="tx1"/>
+                          </a:solidFill>
+                          <a:effectLst/>
+                          <a:latin typeface="Times New Roman" pitchFamily="18" charset="0"/>
+                          <a:cs typeface="Times New Roman" pitchFamily="18" charset="0"/>
+                        </a:rPr>
+                        <a:t>25</a:t>
+                      </a:r>
+                    </a:p>
+                    <a:p>
+                      <a:pPr marL="342900" marR="0" lvl="0" indent="-342900" algn="ctr" defTabSz="914400" rtl="0" eaLnBrk="0" fontAlgn="base" latinLnBrk="0" hangingPunct="0">
+                        <a:lnSpc>
+                          <a:spcPct val="100000"/>
+                        </a:lnSpc>
+                        <a:spcBef>
+                          <a:spcPct val="0"/>
+                        </a:spcBef>
+                        <a:spcAft>
+                          <a:spcPct val="0"/>
+                        </a:spcAft>
+                        <a:buClrTx/>
+                        <a:buSzTx/>
+                        <a:buFontTx/>
+                        <a:buNone/>
+                        <a:tabLst/>
+                      </a:pPr>
+                      <a:r>
+                        <a:rPr kumimoji="0" lang="en-US" sz="2800" b="0" i="0" u="none" strike="noStrike" cap="none" normalizeH="0" baseline="0" dirty="0">
+                          <a:ln>
+                            <a:noFill/>
+                          </a:ln>
+                          <a:solidFill>
+                            <a:schemeClr val="tx1"/>
+                          </a:solidFill>
+                          <a:effectLst/>
+                          <a:latin typeface="Times New Roman" pitchFamily="18" charset="0"/>
+                          <a:cs typeface="Times New Roman" pitchFamily="18" charset="0"/>
+                        </a:rPr>
+                        <a:t>(.417)</a:t>
                       </a:r>
                       <a:endParaRPr kumimoji="0" lang="en-US" sz="2800" b="0" i="0" u="none" strike="noStrike" cap="none" normalizeH="0" baseline="0" dirty="0">
                         <a:ln>
@@ -6563,39 +7372,7 @@
                           <a:latin typeface="Times New Roman" pitchFamily="18" charset="0"/>
                           <a:cs typeface="Times New Roman" pitchFamily="18" charset="0"/>
                         </a:rPr>
-                        <a:t>2</a:t>
-                      </a:r>
-                    </a:p>
-                    <a:p>
-                      <a:pPr marL="342900" marR="0" lvl="0" indent="-342900" algn="ctr" defTabSz="914400" rtl="0" eaLnBrk="0" fontAlgn="base" latinLnBrk="0" hangingPunct="0">
-                        <a:lnSpc>
-                          <a:spcPct val="100000"/>
-                        </a:lnSpc>
-                        <a:spcBef>
-                          <a:spcPct val="0"/>
-                        </a:spcBef>
-                        <a:spcAft>
-                          <a:spcPct val="0"/>
-                        </a:spcAft>
-                        <a:buClrTx/>
-                        <a:buSzTx/>
-                        <a:buFontTx/>
-                        <a:buNone/>
-                        <a:tabLst/>
-                      </a:pPr>
-                      <a:r>
-                        <a:rPr kumimoji="0" lang="en-US" sz="2800" b="0" i="0" u="none" strike="noStrike" cap="none" normalizeH="0" baseline="0">
-                          <a:ln>
-                            <a:noFill/>
-                          </a:ln>
-                          <a:solidFill>
-                            <a:schemeClr val="tx1"/>
-                          </a:solidFill>
-                          <a:effectLst/>
-                          <a:latin typeface="Times New Roman" pitchFamily="18" charset="0"/>
-                          <a:cs typeface="Times New Roman" pitchFamily="18" charset="0"/>
-                        </a:rPr>
-                        <a:t>(.133)</a:t>
+                        <a:t>60</a:t>
                       </a:r>
                       <a:endParaRPr kumimoji="0" lang="en-US" sz="2800" b="0" i="0" u="none" strike="noStrike" cap="none" normalizeH="0" baseline="0">
                         <a:ln>
@@ -6661,7 +7438,7 @@
                   </a:ext>
                 </a:extLst>
               </a:tr>
-              <a:tr h="863600">
+              <a:tr h="1016199">
                 <a:tc>
                   <a:txBody>
                     <a:bodyPr/>
@@ -6695,7 +7472,132 @@
                           <a:latin typeface="Times New Roman" pitchFamily="18" charset="0"/>
                           <a:cs typeface="Times New Roman" pitchFamily="18" charset="0"/>
                         </a:rPr>
-                        <a:t>White-Lavender</a:t>
+                        <a:t>Bad news</a:t>
+                      </a:r>
+                      <a:endParaRPr kumimoji="0" lang="en-US" sz="2800" b="0" i="0" u="none" strike="noStrike" cap="none" normalizeH="0" baseline="0">
+                        <a:ln>
+                          <a:noFill/>
+                        </a:ln>
+                        <a:solidFill>
+                          <a:schemeClr val="tx1"/>
+                        </a:solidFill>
+                        <a:effectLst/>
+                        <a:latin typeface="Arial" charset="0"/>
+                      </a:endParaRPr>
+                    </a:p>
+                  </a:txBody>
+                  <a:tcPr horzOverflow="overflow">
+                    <a:lnL w="12700" cap="flat" cmpd="sng" algn="ctr">
+                      <a:solidFill>
+                        <a:srgbClr val="000000"/>
+                      </a:solidFill>
+                      <a:prstDash val="solid"/>
+                      <a:round/>
+                      <a:headEnd type="none" w="med" len="med"/>
+                      <a:tailEnd type="none" w="med" len="med"/>
+                    </a:lnL>
+                    <a:lnR w="12700" cap="flat" cmpd="sng" algn="ctr">
+                      <a:solidFill>
+                        <a:srgbClr val="000000"/>
+                      </a:solidFill>
+                      <a:prstDash val="solid"/>
+                      <a:round/>
+                      <a:headEnd type="none" w="med" len="med"/>
+                      <a:tailEnd type="none" w="med" len="med"/>
+                    </a:lnR>
+                    <a:lnT w="12700" cap="flat" cmpd="sng" algn="ctr">
+                      <a:solidFill>
+                        <a:srgbClr val="000000"/>
+                      </a:solidFill>
+                      <a:prstDash val="solid"/>
+                      <a:round/>
+                      <a:headEnd type="none" w="med" len="med"/>
+                      <a:tailEnd type="none" w="med" len="med"/>
+                    </a:lnT>
+                    <a:lnB w="12700" cap="flat" cmpd="sng" algn="ctr">
+                      <a:solidFill>
+                        <a:srgbClr val="000000"/>
+                      </a:solidFill>
+                      <a:prstDash val="solid"/>
+                      <a:round/>
+                      <a:headEnd type="none" w="med" len="med"/>
+                      <a:tailEnd type="none" w="med" len="med"/>
+                    </a:lnB>
+                    <a:lnTlToBr>
+                      <a:noFill/>
+                    </a:lnTlToBr>
+                    <a:lnBlToTr>
+                      <a:noFill/>
+                    </a:lnBlToTr>
+                    <a:noFill/>
+                  </a:tcPr>
+                </a:tc>
+                <a:tc>
+                  <a:txBody>
+                    <a:bodyPr/>
+                    <a:lstStyle/>
+                    <a:p>
+                      <a:pPr marL="342900" marR="0" lvl="0" indent="-342900" algn="ctr" defTabSz="914400" rtl="0" eaLnBrk="1" fontAlgn="base" latinLnBrk="0" hangingPunct="1">
+                        <a:lnSpc>
+                          <a:spcPct val="100000"/>
+                        </a:lnSpc>
+                        <a:spcBef>
+                          <a:spcPct val="0"/>
+                        </a:spcBef>
+                        <a:spcAft>
+                          <a:spcPct val="0"/>
+                        </a:spcAft>
+                        <a:buClrTx/>
+                        <a:buSzTx/>
+                        <a:buFontTx/>
+                        <a:buNone/>
+                        <a:tabLst/>
+                      </a:pPr>
+                      <a:r>
+                        <a:rPr kumimoji="0" lang="en-US" sz="2800" b="0" i="0" u="none" strike="noStrike" cap="none" normalizeH="0" baseline="0">
+                          <a:ln>
+                            <a:noFill/>
+                          </a:ln>
+                          <a:solidFill>
+                            <a:schemeClr val="tx1"/>
+                          </a:solidFill>
+                          <a:effectLst/>
+                          <a:latin typeface="Times New Roman" pitchFamily="18" charset="0"/>
+                          <a:cs typeface="Times New Roman" pitchFamily="18" charset="0"/>
+                        </a:rPr>
+                        <a:t>23</a:t>
+                      </a:r>
+                    </a:p>
+                    <a:p>
+                      <a:pPr marL="342900" marR="0" lvl="0" indent="-342900" algn="ctr" defTabSz="914400" rtl="0" eaLnBrk="0" fontAlgn="base" latinLnBrk="0" hangingPunct="0">
+                        <a:lnSpc>
+                          <a:spcPct val="100000"/>
+                        </a:lnSpc>
+                        <a:spcBef>
+                          <a:spcPct val="0"/>
+                        </a:spcBef>
+                        <a:spcAft>
+                          <a:spcPct val="0"/>
+                        </a:spcAft>
+                        <a:buClrTx/>
+                        <a:buSzTx/>
+                        <a:buFontTx/>
+                        <a:buNone/>
+                        <a:tabLst/>
+                      </a:pPr>
+                      <a:r>
+                        <a:rPr kumimoji="0" lang="en-US" sz="2800" b="0" i="0" u="none" strike="noStrike" cap="none" normalizeH="0" baseline="0">
+                          <a:ln>
+                            <a:noFill/>
+                          </a:ln>
+                          <a:solidFill>
+                            <a:schemeClr val="tx1"/>
+                          </a:solidFill>
+                          <a:effectLst/>
+                          <a:latin typeface="Times New Roman" pitchFamily="18" charset="0"/>
+                          <a:cs typeface="Times New Roman" pitchFamily="18" charset="0"/>
+                        </a:rPr>
+                        <a:t>(.192)</a:t>
                       </a:r>
                       <a:endParaRPr kumimoji="0" lang="en-US" sz="2800" b="0" i="0" u="none" strike="noStrike" cap="none" normalizeH="0" baseline="0">
                         <a:ln>
@@ -6788,7 +7690,7 @@
                           <a:latin typeface="Times New Roman" pitchFamily="18" charset="0"/>
                           <a:cs typeface="Times New Roman" pitchFamily="18" charset="0"/>
                         </a:rPr>
-                        <a:t>14</a:t>
+                        <a:t>97</a:t>
                       </a:r>
                     </a:p>
                     <a:p>
@@ -6820,9 +7722,202 @@
                           <a:latin typeface="Times New Roman" pitchFamily="18" charset="0"/>
                           <a:cs typeface="Times New Roman" pitchFamily="18" charset="0"/>
                         </a:rPr>
-                        <a:t>(.933)</a:t>
+                        <a:t>(.808)</a:t>
                       </a:r>
                       <a:endParaRPr kumimoji="0" lang="en-US" sz="2800" b="0" i="0" u="none" strike="noStrike" cap="none" normalizeH="0" baseline="0" dirty="0">
+                        <a:ln>
+                          <a:noFill/>
+                        </a:ln>
+                        <a:solidFill>
+                          <a:schemeClr val="tx1"/>
+                        </a:solidFill>
+                        <a:effectLst/>
+                        <a:latin typeface="Arial" charset="0"/>
+                      </a:endParaRPr>
+                    </a:p>
+                  </a:txBody>
+                  <a:tcPr horzOverflow="overflow">
+                    <a:lnL w="12700" cap="flat" cmpd="sng" algn="ctr">
+                      <a:solidFill>
+                        <a:srgbClr val="000000"/>
+                      </a:solidFill>
+                      <a:prstDash val="solid"/>
+                      <a:round/>
+                      <a:headEnd type="none" w="med" len="med"/>
+                      <a:tailEnd type="none" w="med" len="med"/>
+                    </a:lnL>
+                    <a:lnR w="12700" cap="flat" cmpd="sng" algn="ctr">
+                      <a:solidFill>
+                        <a:srgbClr val="000000"/>
+                      </a:solidFill>
+                      <a:prstDash val="solid"/>
+                      <a:round/>
+                      <a:headEnd type="none" w="med" len="med"/>
+                      <a:tailEnd type="none" w="med" len="med"/>
+                    </a:lnR>
+                    <a:lnT w="12700" cap="flat" cmpd="sng" algn="ctr">
+                      <a:solidFill>
+                        <a:srgbClr val="000000"/>
+                      </a:solidFill>
+                      <a:prstDash val="solid"/>
+                      <a:round/>
+                      <a:headEnd type="none" w="med" len="med"/>
+                      <a:tailEnd type="none" w="med" len="med"/>
+                    </a:lnT>
+                    <a:lnB w="12700" cap="flat" cmpd="sng" algn="ctr">
+                      <a:solidFill>
+                        <a:srgbClr val="000000"/>
+                      </a:solidFill>
+                      <a:prstDash val="solid"/>
+                      <a:round/>
+                      <a:headEnd type="none" w="med" len="med"/>
+                      <a:tailEnd type="none" w="med" len="med"/>
+                    </a:lnB>
+                    <a:lnTlToBr>
+                      <a:noFill/>
+                    </a:lnTlToBr>
+                    <a:lnBlToTr>
+                      <a:noFill/>
+                    </a:lnBlToTr>
+                    <a:noFill/>
+                  </a:tcPr>
+                </a:tc>
+                <a:tc>
+                  <a:txBody>
+                    <a:bodyPr/>
+                    <a:lstStyle/>
+                    <a:p>
+                      <a:pPr marL="342900" marR="0" lvl="0" indent="-342900" algn="ctr" defTabSz="914400" rtl="0" eaLnBrk="1" fontAlgn="base" latinLnBrk="0" hangingPunct="1">
+                        <a:lnSpc>
+                          <a:spcPct val="100000"/>
+                        </a:lnSpc>
+                        <a:spcBef>
+                          <a:spcPct val="0"/>
+                        </a:spcBef>
+                        <a:spcAft>
+                          <a:spcPct val="0"/>
+                        </a:spcAft>
+                        <a:buClrTx/>
+                        <a:buSzTx/>
+                        <a:buFontTx/>
+                        <a:buNone/>
+                        <a:tabLst/>
+                      </a:pPr>
+                      <a:r>
+                        <a:rPr kumimoji="0" lang="en-US" sz="2800" b="0" i="0" u="none" strike="noStrike" cap="none" normalizeH="0" baseline="0">
+                          <a:ln>
+                            <a:noFill/>
+                          </a:ln>
+                          <a:solidFill>
+                            <a:schemeClr val="tx1"/>
+                          </a:solidFill>
+                          <a:effectLst/>
+                          <a:latin typeface="Times New Roman" pitchFamily="18" charset="0"/>
+                          <a:cs typeface="Times New Roman" pitchFamily="18" charset="0"/>
+                        </a:rPr>
+                        <a:t>120</a:t>
+                      </a:r>
+                      <a:endParaRPr kumimoji="0" lang="en-US" sz="2800" b="0" i="0" u="none" strike="noStrike" cap="none" normalizeH="0" baseline="0">
+                        <a:ln>
+                          <a:noFill/>
+                        </a:ln>
+                        <a:solidFill>
+                          <a:schemeClr val="tx1"/>
+                        </a:solidFill>
+                        <a:effectLst/>
+                        <a:latin typeface="Arial" charset="0"/>
+                      </a:endParaRPr>
+                    </a:p>
+                  </a:txBody>
+                  <a:tcPr horzOverflow="overflow">
+                    <a:lnL w="12700" cap="flat" cmpd="sng" algn="ctr">
+                      <a:solidFill>
+                        <a:srgbClr val="000000"/>
+                      </a:solidFill>
+                      <a:prstDash val="solid"/>
+                      <a:round/>
+                      <a:headEnd type="none" w="med" len="med"/>
+                      <a:tailEnd type="none" w="med" len="med"/>
+                    </a:lnL>
+                    <a:lnR w="12700" cap="flat" cmpd="sng" algn="ctr">
+                      <a:solidFill>
+                        <a:srgbClr val="000000"/>
+                      </a:solidFill>
+                      <a:prstDash val="solid"/>
+                      <a:round/>
+                      <a:headEnd type="none" w="med" len="med"/>
+                      <a:tailEnd type="none" w="med" len="med"/>
+                    </a:lnR>
+                    <a:lnT w="12700" cap="flat" cmpd="sng" algn="ctr">
+                      <a:solidFill>
+                        <a:srgbClr val="000000"/>
+                      </a:solidFill>
+                      <a:prstDash val="solid"/>
+                      <a:round/>
+                      <a:headEnd type="none" w="med" len="med"/>
+                      <a:tailEnd type="none" w="med" len="med"/>
+                    </a:lnT>
+                    <a:lnB w="12700" cap="flat" cmpd="sng" algn="ctr">
+                      <a:solidFill>
+                        <a:srgbClr val="000000"/>
+                      </a:solidFill>
+                      <a:prstDash val="solid"/>
+                      <a:round/>
+                      <a:headEnd type="none" w="med" len="med"/>
+                      <a:tailEnd type="none" w="med" len="med"/>
+                    </a:lnB>
+                    <a:lnTlToBr>
+                      <a:noFill/>
+                    </a:lnTlToBr>
+                    <a:lnBlToTr>
+                      <a:noFill/>
+                    </a:lnBlToTr>
+                    <a:noFill/>
+                  </a:tcPr>
+                </a:tc>
+                <a:extLst>
+                  <a:ext uri="{0D108BD9-81ED-4DB2-BD59-A6C34878D82A}">
+                    <a16:rowId xmlns:a16="http://schemas.microsoft.com/office/drawing/2014/main" val="10002"/>
+                  </a:ext>
+                </a:extLst>
+              </a:tr>
+              <a:tr h="1016199">
+                <a:tc>
+                  <a:txBody>
+                    <a:bodyPr/>
+                    <a:lstStyle/>
+                    <a:p>
+                      <a:pPr marL="342900" marR="0" lvl="0" indent="-342900" algn="l" defTabSz="914400" rtl="0" eaLnBrk="1" fontAlgn="base" latinLnBrk="0" hangingPunct="1">
+                        <a:lnSpc>
+                          <a:spcPct val="100000"/>
+                        </a:lnSpc>
+                        <a:spcBef>
+                          <a:spcPct val="0"/>
+                        </a:spcBef>
+                        <a:spcAft>
+                          <a:spcPct val="0"/>
+                        </a:spcAft>
+                        <a:buClrTx/>
+                        <a:buSzTx/>
+                        <a:buFontTx/>
+                        <a:buNone/>
+                        <a:tabLst/>
+                      </a:pPr>
+                      <a:r>
+                        <a:rPr kumimoji="0" lang="en-US" sz="2800" b="0" i="0" u="none" strike="noStrike" cap="none" normalizeH="0" baseline="0">
+                          <a:ln>
+                            <a:noFill/>
+                          </a:ln>
+                          <a:solidFill>
+                            <a:schemeClr val="tx1"/>
+                          </a:solidFill>
+                          <a:effectLst/>
+                          <a:latin typeface="Times New Roman" pitchFamily="18" charset="0"/>
+                          <a:cs typeface="Times New Roman" pitchFamily="18" charset="0"/>
+                        </a:rPr>
+                        <a:t>Total</a:t>
+                      </a:r>
+                      <a:endParaRPr kumimoji="0" lang="en-US" sz="2800" b="0" i="0" u="none" strike="noStrike" cap="none" normalizeH="0" baseline="0">
                         <a:ln>
                           <a:noFill/>
                         </a:ln>
@@ -6913,7 +8008,7 @@
                           <a:latin typeface="Times New Roman" pitchFamily="18" charset="0"/>
                           <a:cs typeface="Times New Roman" pitchFamily="18" charset="0"/>
                         </a:rPr>
-                        <a:t>1</a:t>
+                        <a:t>58</a:t>
                       </a:r>
                     </a:p>
                     <a:p>
@@ -6945,7 +8040,7 @@
                           <a:latin typeface="Times New Roman" pitchFamily="18" charset="0"/>
                           <a:cs typeface="Times New Roman" pitchFamily="18" charset="0"/>
                         </a:rPr>
-                        <a:t>(.067)</a:t>
+                        <a:t>(.322)</a:t>
                       </a:r>
                       <a:endParaRPr kumimoji="0" lang="en-US" sz="2800" b="0" i="0" u="none" strike="noStrike" cap="none" normalizeH="0" baseline="0" dirty="0">
                         <a:ln>
@@ -7005,213 +8100,12 @@
                     <a:noFill/>
                   </a:tcPr>
                 </a:tc>
-                <a:extLst>
-                  <a:ext uri="{0D108BD9-81ED-4DB2-BD59-A6C34878D82A}">
-                    <a16:rowId xmlns:a16="http://schemas.microsoft.com/office/drawing/2014/main" val="10002"/>
-                  </a:ext>
-                </a:extLst>
-              </a:tr>
-            </a:tbl>
-          </a:graphicData>
-        </a:graphic>
-      </p:graphicFrame>
-      <p:sp>
-        <p:nvSpPr>
-          <p:cNvPr id="7189" name="Rectangle 69"/>
-          <p:cNvSpPr>
-            <a:spLocks noGrp="1" noChangeArrowheads="1"/>
-          </p:cNvSpPr>
-          <p:nvPr>
-            <p:ph type="body" sz="half" idx="2"/>
-          </p:nvPr>
-        </p:nvSpPr>
-        <p:spPr>
-          <a:xfrm>
-            <a:off x="609600" y="4607626"/>
-            <a:ext cx="10972800" cy="1518538"/>
-          </a:xfrm>
-        </p:spPr>
-        <p:txBody>
-          <a:bodyPr/>
-          <a:lstStyle/>
-          <a:p>
-            <a:r>
-              <a:rPr lang="en-US" dirty="0"/>
-              <a:t>X</a:t>
-            </a:r>
-            <a:r>
-              <a:rPr lang="en-US" baseline="30000" dirty="0"/>
-              <a:t>2</a:t>
-            </a:r>
-            <a:r>
-              <a:rPr lang="en-US" dirty="0"/>
-              <a:t>&lt;1.00, p&gt;0.50</a:t>
-            </a:r>
-          </a:p>
-        </p:txBody>
-      </p:sp>
-    </p:spTree>
-    <p:extLst>
-      <p:ext uri="{BB962C8B-B14F-4D97-AF65-F5344CB8AC3E}">
-        <p14:creationId xmlns:p14="http://schemas.microsoft.com/office/powerpoint/2010/main" val="120144289"/>
-      </p:ext>
-    </p:extLst>
-  </p:cSld>
-  <p:clrMapOvr>
-    <a:masterClrMapping/>
-  </p:clrMapOvr>
-</p:sld>
-</file>
-
-<file path=ppt/slides/slide5.xml><?xml version="1.0" encoding="utf-8"?>
-<p:sld xmlns:a="http://schemas.openxmlformats.org/drawingml/2006/main" xmlns:r="http://schemas.openxmlformats.org/officeDocument/2006/relationships" xmlns:p="http://schemas.openxmlformats.org/presentationml/2006/main">
-  <p:cSld>
-    <p:spTree>
-      <p:nvGrpSpPr>
-        <p:cNvPr id="1" name=""/>
-        <p:cNvGrpSpPr/>
-        <p:nvPr/>
-      </p:nvGrpSpPr>
-      <p:grpSpPr>
-        <a:xfrm>
-          <a:off x="0" y="0"/>
-          <a:ext cx="0" cy="0"/>
-          <a:chOff x="0" y="0"/>
-          <a:chExt cx="0" cy="0"/>
-        </a:xfrm>
-      </p:grpSpPr>
-      <p:sp>
-        <p:nvSpPr>
-          <p:cNvPr id="8194" name="Rectangle 4"/>
-          <p:cNvSpPr>
-            <a:spLocks noGrp="1" noChangeArrowheads="1"/>
-          </p:cNvSpPr>
-          <p:nvPr>
-            <p:ph type="title"/>
-          </p:nvPr>
-        </p:nvSpPr>
-        <p:spPr/>
-        <p:txBody>
-          <a:bodyPr/>
-          <a:lstStyle/>
-          <a:p>
-            <a:r>
-              <a:rPr lang="en-US"/>
-              <a:t>Children’s preference</a:t>
-            </a:r>
-          </a:p>
-        </p:txBody>
-      </p:sp>
-      <p:sp>
-        <p:nvSpPr>
-          <p:cNvPr id="8195" name="Rectangle 6"/>
-          <p:cNvSpPr>
-            <a:spLocks noGrp="1" noChangeArrowheads="1"/>
-          </p:cNvSpPr>
-          <p:nvPr>
-            <p:ph type="body" sz="half" idx="2"/>
-          </p:nvPr>
-        </p:nvSpPr>
-        <p:spPr>
-          <a:xfrm>
-            <a:off x="609600" y="4441371"/>
-            <a:ext cx="10972800" cy="1684793"/>
-          </a:xfrm>
-        </p:spPr>
-        <p:txBody>
-          <a:bodyPr/>
-          <a:lstStyle/>
-          <a:p>
-            <a:pPr>
-              <a:lnSpc>
-                <a:spcPct val="80000"/>
-              </a:lnSpc>
-            </a:pPr>
-            <a:r>
-              <a:rPr lang="en-US" sz="2400" dirty="0"/>
-              <a:t>Average rate choosing the Lavender dress is 21/30 = 0.70</a:t>
-            </a:r>
-          </a:p>
-          <a:p>
-            <a:pPr lvl="1">
-              <a:lnSpc>
-                <a:spcPct val="80000"/>
-              </a:lnSpc>
-            </a:pPr>
-            <a:r>
-              <a:rPr lang="en-US" sz="2000" dirty="0"/>
-              <a:t>Expected value (null hypothesis) = 10.5 Lavender, 4.5 Other</a:t>
-            </a:r>
-          </a:p>
-          <a:p>
-            <a:pPr>
-              <a:lnSpc>
-                <a:spcPct val="80000"/>
-              </a:lnSpc>
-            </a:pPr>
-            <a:r>
-              <a:rPr lang="en-US" sz="2400" dirty="0"/>
-              <a:t>X</a:t>
-            </a:r>
-            <a:r>
-              <a:rPr lang="en-US" sz="2400" baseline="30000" dirty="0"/>
-              <a:t>2</a:t>
-            </a:r>
-            <a:r>
-              <a:rPr lang="en-US" sz="2400" dirty="0"/>
-              <a:t>=12.86, p&lt;0.001</a:t>
-            </a:r>
-          </a:p>
-        </p:txBody>
-      </p:sp>
-      <p:graphicFrame>
-        <p:nvGraphicFramePr>
-          <p:cNvPr id="8255" name="Group 63"/>
-          <p:cNvGraphicFramePr>
-            <a:graphicFrameLocks noGrp="1"/>
-          </p:cNvGraphicFramePr>
-          <p:nvPr>
-            <p:ph sz="half" idx="1"/>
-          </p:nvPr>
-        </p:nvGraphicFramePr>
-        <p:xfrm>
-          <a:off x="936172" y="1766455"/>
-          <a:ext cx="8229600" cy="2407920"/>
-        </p:xfrm>
-        <a:graphic>
-          <a:graphicData uri="http://schemas.openxmlformats.org/drawingml/2006/table">
-            <a:tbl>
-              <a:tblPr/>
-              <a:tblGrid>
-                <a:gridCol w="2743200">
-                  <a:extLst>
-                    <a:ext uri="{9D8B030D-6E8A-4147-A177-3AD203B41FA5}">
-                      <a16:colId xmlns:a16="http://schemas.microsoft.com/office/drawing/2014/main" val="20000"/>
-                    </a:ext>
-                  </a:extLst>
-                </a:gridCol>
-                <a:gridCol w="2743200">
-                  <a:extLst>
-                    <a:ext uri="{9D8B030D-6E8A-4147-A177-3AD203B41FA5}">
-                      <a16:colId xmlns:a16="http://schemas.microsoft.com/office/drawing/2014/main" val="20001"/>
-                    </a:ext>
-                  </a:extLst>
-                </a:gridCol>
-                <a:gridCol w="2743200">
-                  <a:extLst>
-                    <a:ext uri="{9D8B030D-6E8A-4147-A177-3AD203B41FA5}">
-                      <a16:colId xmlns:a16="http://schemas.microsoft.com/office/drawing/2014/main" val="20002"/>
-                    </a:ext>
-                  </a:extLst>
-                </a:gridCol>
-              </a:tblGrid>
-              <a:tr h="485775">
                 <a:tc>
                   <a:txBody>
                     <a:bodyPr/>
                     <a:lstStyle/>
                     <a:p>
-                      <a:pPr marL="0" marR="0" lvl="0" indent="0" algn="l" defTabSz="914400" rtl="0" eaLnBrk="1" fontAlgn="base" latinLnBrk="0" hangingPunct="1">
+                      <a:pPr marL="342900" marR="0" lvl="0" indent="-342900" algn="ctr" defTabSz="914400" rtl="0" eaLnBrk="1" fontAlgn="base" latinLnBrk="0" hangingPunct="1">
                         <a:lnSpc>
                           <a:spcPct val="100000"/>
                         </a:lnSpc>
@@ -7239,265 +8133,11 @@
                           <a:latin typeface="Times New Roman" pitchFamily="18" charset="0"/>
                           <a:cs typeface="Times New Roman" pitchFamily="18" charset="0"/>
                         </a:rPr>
-                        <a:t>Children</a:t>
+                        <a:t>122</a:t>
                       </a:r>
-                      <a:endParaRPr kumimoji="0" lang="en-US" sz="2800" b="0" i="0" u="none" strike="noStrike" cap="none" normalizeH="0" baseline="0" dirty="0">
-                        <a:ln>
-                          <a:noFill/>
-                        </a:ln>
-                        <a:solidFill>
-                          <a:schemeClr val="tx1"/>
-                        </a:solidFill>
-                        <a:effectLst/>
-                        <a:latin typeface="Arial" charset="0"/>
-                      </a:endParaRPr>
                     </a:p>
-                  </a:txBody>
-                  <a:tcPr horzOverflow="overflow">
-                    <a:lnL w="12700" cap="flat" cmpd="sng" algn="ctr">
-                      <a:solidFill>
-                        <a:srgbClr val="000000"/>
-                      </a:solidFill>
-                      <a:prstDash val="solid"/>
-                      <a:round/>
-                      <a:headEnd type="none" w="med" len="med"/>
-                      <a:tailEnd type="none" w="med" len="med"/>
-                    </a:lnL>
-                    <a:lnR w="12700" cap="flat" cmpd="sng" algn="ctr">
-                      <a:solidFill>
-                        <a:srgbClr val="000000"/>
-                      </a:solidFill>
-                      <a:prstDash val="solid"/>
-                      <a:round/>
-                      <a:headEnd type="none" w="med" len="med"/>
-                      <a:tailEnd type="none" w="med" len="med"/>
-                    </a:lnR>
-                    <a:lnT w="12700" cap="flat" cmpd="sng" algn="ctr">
-                      <a:solidFill>
-                        <a:srgbClr val="000000"/>
-                      </a:solidFill>
-                      <a:prstDash val="solid"/>
-                      <a:round/>
-                      <a:headEnd type="none" w="med" len="med"/>
-                      <a:tailEnd type="none" w="med" len="med"/>
-                    </a:lnT>
-                    <a:lnB w="12700" cap="flat" cmpd="sng" algn="ctr">
-                      <a:solidFill>
-                        <a:srgbClr val="000000"/>
-                      </a:solidFill>
-                      <a:prstDash val="solid"/>
-                      <a:round/>
-                      <a:headEnd type="none" w="med" len="med"/>
-                      <a:tailEnd type="none" w="med" len="med"/>
-                    </a:lnB>
-                    <a:lnTlToBr>
-                      <a:noFill/>
-                    </a:lnTlToBr>
-                    <a:lnBlToTr>
-                      <a:noFill/>
-                    </a:lnBlToTr>
-                    <a:noFill/>
-                  </a:tcPr>
-                </a:tc>
-                <a:tc>
-                  <a:txBody>
-                    <a:bodyPr/>
-                    <a:lstStyle/>
                     <a:p>
-                      <a:pPr marL="0" marR="0" lvl="0" indent="0" algn="ctr" defTabSz="914400" rtl="0" eaLnBrk="1" fontAlgn="base" latinLnBrk="0" hangingPunct="1">
-                        <a:lnSpc>
-                          <a:spcPct val="100000"/>
-                        </a:lnSpc>
-                        <a:spcBef>
-                          <a:spcPct val="0"/>
-                        </a:spcBef>
-                        <a:spcAft>
-                          <a:spcPct val="0"/>
-                        </a:spcAft>
-                        <a:buClrTx/>
-                        <a:buSzTx/>
-                        <a:buFontTx/>
-                        <a:buNone/>
-                        <a:tabLst/>
-                      </a:pPr>
-                      <a:r>
-                        <a:rPr kumimoji="0" lang="en-US" sz="2800" b="0" i="0" u="none" strike="noStrike" cap="none" normalizeH="0" baseline="0">
-                          <a:ln>
-                            <a:noFill/>
-                          </a:ln>
-                          <a:solidFill>
-                            <a:schemeClr val="tx1"/>
-                          </a:solidFill>
-                          <a:effectLst/>
-                          <a:latin typeface="Times New Roman" pitchFamily="18" charset="0"/>
-                          <a:cs typeface="Times New Roman" pitchFamily="18" charset="0"/>
-                        </a:rPr>
-                        <a:t>Lavender</a:t>
-                      </a:r>
-                      <a:endParaRPr kumimoji="0" lang="en-US" sz="2800" b="0" i="0" u="none" strike="noStrike" cap="none" normalizeH="0" baseline="0">
-                        <a:ln>
-                          <a:noFill/>
-                        </a:ln>
-                        <a:solidFill>
-                          <a:schemeClr val="tx1"/>
-                        </a:solidFill>
-                        <a:effectLst/>
-                        <a:latin typeface="Arial" charset="0"/>
-                      </a:endParaRPr>
-                    </a:p>
-                  </a:txBody>
-                  <a:tcPr horzOverflow="overflow">
-                    <a:lnL w="12700" cap="flat" cmpd="sng" algn="ctr">
-                      <a:solidFill>
-                        <a:srgbClr val="000000"/>
-                      </a:solidFill>
-                      <a:prstDash val="solid"/>
-                      <a:round/>
-                      <a:headEnd type="none" w="med" len="med"/>
-                      <a:tailEnd type="none" w="med" len="med"/>
-                    </a:lnL>
-                    <a:lnR w="12700" cap="flat" cmpd="sng" algn="ctr">
-                      <a:solidFill>
-                        <a:srgbClr val="000000"/>
-                      </a:solidFill>
-                      <a:prstDash val="solid"/>
-                      <a:round/>
-                      <a:headEnd type="none" w="med" len="med"/>
-                      <a:tailEnd type="none" w="med" len="med"/>
-                    </a:lnR>
-                    <a:lnT w="12700" cap="flat" cmpd="sng" algn="ctr">
-                      <a:solidFill>
-                        <a:srgbClr val="000000"/>
-                      </a:solidFill>
-                      <a:prstDash val="solid"/>
-                      <a:round/>
-                      <a:headEnd type="none" w="med" len="med"/>
-                      <a:tailEnd type="none" w="med" len="med"/>
-                    </a:lnT>
-                    <a:lnB w="12700" cap="flat" cmpd="sng" algn="ctr">
-                      <a:solidFill>
-                        <a:srgbClr val="000000"/>
-                      </a:solidFill>
-                      <a:prstDash val="solid"/>
-                      <a:round/>
-                      <a:headEnd type="none" w="med" len="med"/>
-                      <a:tailEnd type="none" w="med" len="med"/>
-                    </a:lnB>
-                    <a:lnTlToBr>
-                      <a:noFill/>
-                    </a:lnTlToBr>
-                    <a:lnBlToTr>
-                      <a:noFill/>
-                    </a:lnBlToTr>
-                    <a:noFill/>
-                  </a:tcPr>
-                </a:tc>
-                <a:tc>
-                  <a:txBody>
-                    <a:bodyPr/>
-                    <a:lstStyle/>
-                    <a:p>
-                      <a:pPr marL="0" marR="0" lvl="0" indent="0" algn="ctr" defTabSz="914400" rtl="0" eaLnBrk="1" fontAlgn="base" latinLnBrk="0" hangingPunct="1">
-                        <a:lnSpc>
-                          <a:spcPct val="100000"/>
-                        </a:lnSpc>
-                        <a:spcBef>
-                          <a:spcPct val="0"/>
-                        </a:spcBef>
-                        <a:spcAft>
-                          <a:spcPct val="0"/>
-                        </a:spcAft>
-                        <a:buClrTx/>
-                        <a:buSzTx/>
-                        <a:buFontTx/>
-                        <a:buNone/>
-                        <a:tabLst/>
-                      </a:pPr>
-                      <a:r>
-                        <a:rPr kumimoji="0" lang="en-US" sz="2800" b="0" i="0" u="none" strike="noStrike" cap="none" normalizeH="0" baseline="0">
-                          <a:ln>
-                            <a:noFill/>
-                          </a:ln>
-                          <a:solidFill>
-                            <a:schemeClr val="tx1"/>
-                          </a:solidFill>
-                          <a:effectLst/>
-                          <a:latin typeface="Times New Roman" pitchFamily="18" charset="0"/>
-                          <a:cs typeface="Times New Roman" pitchFamily="18" charset="0"/>
-                        </a:rPr>
-                        <a:t>Other</a:t>
-                      </a:r>
-                      <a:endParaRPr kumimoji="0" lang="en-US" sz="2800" b="0" i="0" u="none" strike="noStrike" cap="none" normalizeH="0" baseline="0">
-                        <a:ln>
-                          <a:noFill/>
-                        </a:ln>
-                        <a:solidFill>
-                          <a:schemeClr val="tx1"/>
-                        </a:solidFill>
-                        <a:effectLst/>
-                        <a:latin typeface="Arial" charset="0"/>
-                      </a:endParaRPr>
-                    </a:p>
-                  </a:txBody>
-                  <a:tcPr horzOverflow="overflow">
-                    <a:lnL w="12700" cap="flat" cmpd="sng" algn="ctr">
-                      <a:solidFill>
-                        <a:srgbClr val="000000"/>
-                      </a:solidFill>
-                      <a:prstDash val="solid"/>
-                      <a:round/>
-                      <a:headEnd type="none" w="med" len="med"/>
-                      <a:tailEnd type="none" w="med" len="med"/>
-                    </a:lnL>
-                    <a:lnR w="12700" cap="flat" cmpd="sng" algn="ctr">
-                      <a:solidFill>
-                        <a:srgbClr val="000000"/>
-                      </a:solidFill>
-                      <a:prstDash val="solid"/>
-                      <a:round/>
-                      <a:headEnd type="none" w="med" len="med"/>
-                      <a:tailEnd type="none" w="med" len="med"/>
-                    </a:lnR>
-                    <a:lnT w="12700" cap="flat" cmpd="sng" algn="ctr">
-                      <a:solidFill>
-                        <a:srgbClr val="000000"/>
-                      </a:solidFill>
-                      <a:prstDash val="solid"/>
-                      <a:round/>
-                      <a:headEnd type="none" w="med" len="med"/>
-                      <a:tailEnd type="none" w="med" len="med"/>
-                    </a:lnT>
-                    <a:lnB w="12700" cap="flat" cmpd="sng" algn="ctr">
-                      <a:solidFill>
-                        <a:srgbClr val="000000"/>
-                      </a:solidFill>
-                      <a:prstDash val="solid"/>
-                      <a:round/>
-                      <a:headEnd type="none" w="med" len="med"/>
-                      <a:tailEnd type="none" w="med" len="med"/>
-                    </a:lnB>
-                    <a:lnTlToBr>
-                      <a:noFill/>
-                    </a:lnTlToBr>
-                    <a:lnBlToTr>
-                      <a:noFill/>
-                    </a:lnBlToTr>
-                    <a:noFill/>
-                  </a:tcPr>
-                </a:tc>
-                <a:extLst>
-                  <a:ext uri="{0D108BD9-81ED-4DB2-BD59-A6C34878D82A}">
-                    <a16:rowId xmlns:a16="http://schemas.microsoft.com/office/drawing/2014/main" val="10000"/>
-                  </a:ext>
-                </a:extLst>
-              </a:tr>
-              <a:tr h="850900">
-                <a:tc>
-                  <a:txBody>
-                    <a:bodyPr/>
-                    <a:lstStyle/>
-                    <a:p>
-                      <a:pPr marL="0" marR="0" lvl="0" indent="0" algn="l" defTabSz="914400" rtl="0" eaLnBrk="1" fontAlgn="base" latinLnBrk="0" hangingPunct="1">
+                      <a:pPr marL="342900" marR="0" lvl="0" indent="-342900" algn="ctr" defTabSz="914400" rtl="0" eaLnBrk="0" fontAlgn="base" latinLnBrk="0" hangingPunct="0">
                         <a:lnSpc>
                           <a:spcPct val="100000"/>
                         </a:lnSpc>
@@ -7525,7 +8165,7 @@
                           <a:latin typeface="Times New Roman" pitchFamily="18" charset="0"/>
                           <a:cs typeface="Times New Roman" pitchFamily="18" charset="0"/>
                         </a:rPr>
-                        <a:t>Black-Lavender</a:t>
+                        <a:t>(.678)</a:t>
                       </a:r>
                       <a:endParaRPr kumimoji="0" lang="en-US" sz="2800" b="0" i="0" u="none" strike="noStrike" cap="none" normalizeH="0" baseline="0" dirty="0">
                         <a:ln>
@@ -7590,7 +8230,7 @@
                     <a:bodyPr/>
                     <a:lstStyle/>
                     <a:p>
-                      <a:pPr marL="0" marR="0" lvl="0" indent="0" algn="ctr" defTabSz="914400" rtl="0" eaLnBrk="1" fontAlgn="base" latinLnBrk="0" hangingPunct="1">
+                      <a:pPr marL="342900" marR="0" lvl="0" indent="-342900" algn="ctr" defTabSz="914400" rtl="0" eaLnBrk="1" fontAlgn="base" latinLnBrk="0" hangingPunct="1">
                         <a:lnSpc>
                           <a:spcPct val="100000"/>
                         </a:lnSpc>
@@ -7618,39 +8258,7 @@
                           <a:latin typeface="Times New Roman" pitchFamily="18" charset="0"/>
                           <a:cs typeface="Times New Roman" pitchFamily="18" charset="0"/>
                         </a:rPr>
-                        <a:t>6</a:t>
-                      </a:r>
-                    </a:p>
-                    <a:p>
-                      <a:pPr marL="0" marR="0" lvl="0" indent="0" algn="ctr" defTabSz="914400" rtl="0" eaLnBrk="0" fontAlgn="base" latinLnBrk="0" hangingPunct="0">
-                        <a:lnSpc>
-                          <a:spcPct val="100000"/>
-                        </a:lnSpc>
-                        <a:spcBef>
-                          <a:spcPct val="0"/>
-                        </a:spcBef>
-                        <a:spcAft>
-                          <a:spcPct val="0"/>
-                        </a:spcAft>
-                        <a:buClrTx/>
-                        <a:buSzTx/>
-                        <a:buFontTx/>
-                        <a:buNone/>
-                        <a:tabLst/>
-                      </a:pPr>
-                      <a:r>
-                        <a:rPr kumimoji="0" lang="en-US" sz="2800" b="0" i="0" u="none" strike="noStrike" cap="none" normalizeH="0" baseline="0" dirty="0">
-                          <a:ln>
-                            <a:noFill/>
-                          </a:ln>
-                          <a:solidFill>
-                            <a:schemeClr val="tx1"/>
-                          </a:solidFill>
-                          <a:effectLst/>
-                          <a:latin typeface="Times New Roman" pitchFamily="18" charset="0"/>
-                          <a:cs typeface="Times New Roman" pitchFamily="18" charset="0"/>
-                        </a:rPr>
-                        <a:t>(.40)</a:t>
+                        <a:t>180</a:t>
                       </a:r>
                       <a:endParaRPr kumimoji="0" lang="en-US" sz="2800" b="0" i="0" u="none" strike="noStrike" cap="none" normalizeH="0" baseline="0" dirty="0">
                         <a:ln>
@@ -7710,484 +8318,9 @@
                     <a:noFill/>
                   </a:tcPr>
                 </a:tc>
-                <a:tc>
-                  <a:txBody>
-                    <a:bodyPr/>
-                    <a:lstStyle/>
-                    <a:p>
-                      <a:pPr marL="0" marR="0" lvl="0" indent="0" algn="ctr" defTabSz="914400" rtl="0" eaLnBrk="1" fontAlgn="base" latinLnBrk="0" hangingPunct="1">
-                        <a:lnSpc>
-                          <a:spcPct val="100000"/>
-                        </a:lnSpc>
-                        <a:spcBef>
-                          <a:spcPct val="0"/>
-                        </a:spcBef>
-                        <a:spcAft>
-                          <a:spcPct val="0"/>
-                        </a:spcAft>
-                        <a:buClrTx/>
-                        <a:buSzTx/>
-                        <a:buFontTx/>
-                        <a:buNone/>
-                        <a:tabLst/>
-                      </a:pPr>
-                      <a:r>
-                        <a:rPr kumimoji="0" lang="en-US" sz="2800" b="0" i="0" u="none" strike="noStrike" cap="none" normalizeH="0" baseline="0" dirty="0">
-                          <a:ln>
-                            <a:noFill/>
-                          </a:ln>
-                          <a:solidFill>
-                            <a:schemeClr val="tx1"/>
-                          </a:solidFill>
-                          <a:effectLst/>
-                          <a:latin typeface="Times New Roman" pitchFamily="18" charset="0"/>
-                          <a:cs typeface="Times New Roman" pitchFamily="18" charset="0"/>
-                        </a:rPr>
-                        <a:t>9</a:t>
-                      </a:r>
-                    </a:p>
-                    <a:p>
-                      <a:pPr marL="0" marR="0" lvl="0" indent="0" algn="ctr" defTabSz="914400" rtl="0" eaLnBrk="0" fontAlgn="base" latinLnBrk="0" hangingPunct="0">
-                        <a:lnSpc>
-                          <a:spcPct val="100000"/>
-                        </a:lnSpc>
-                        <a:spcBef>
-                          <a:spcPct val="0"/>
-                        </a:spcBef>
-                        <a:spcAft>
-                          <a:spcPct val="0"/>
-                        </a:spcAft>
-                        <a:buClrTx/>
-                        <a:buSzTx/>
-                        <a:buFontTx/>
-                        <a:buNone/>
-                        <a:tabLst/>
-                      </a:pPr>
-                      <a:r>
-                        <a:rPr kumimoji="0" lang="en-US" sz="2800" b="0" i="0" u="none" strike="noStrike" cap="none" normalizeH="0" baseline="0" dirty="0">
-                          <a:ln>
-                            <a:noFill/>
-                          </a:ln>
-                          <a:solidFill>
-                            <a:schemeClr val="tx1"/>
-                          </a:solidFill>
-                          <a:effectLst/>
-                          <a:latin typeface="Times New Roman" pitchFamily="18" charset="0"/>
-                          <a:cs typeface="Times New Roman" pitchFamily="18" charset="0"/>
-                        </a:rPr>
-                        <a:t>(.60)</a:t>
-                      </a:r>
-                      <a:endParaRPr kumimoji="0" lang="en-US" sz="2800" b="0" i="0" u="none" strike="noStrike" cap="none" normalizeH="0" baseline="0" dirty="0">
-                        <a:ln>
-                          <a:noFill/>
-                        </a:ln>
-                        <a:solidFill>
-                          <a:schemeClr val="tx1"/>
-                        </a:solidFill>
-                        <a:effectLst/>
-                        <a:latin typeface="Arial" charset="0"/>
-                      </a:endParaRPr>
-                    </a:p>
-                  </a:txBody>
-                  <a:tcPr horzOverflow="overflow">
-                    <a:lnL w="12700" cap="flat" cmpd="sng" algn="ctr">
-                      <a:solidFill>
-                        <a:srgbClr val="000000"/>
-                      </a:solidFill>
-                      <a:prstDash val="solid"/>
-                      <a:round/>
-                      <a:headEnd type="none" w="med" len="med"/>
-                      <a:tailEnd type="none" w="med" len="med"/>
-                    </a:lnL>
-                    <a:lnR w="12700" cap="flat" cmpd="sng" algn="ctr">
-                      <a:solidFill>
-                        <a:srgbClr val="000000"/>
-                      </a:solidFill>
-                      <a:prstDash val="solid"/>
-                      <a:round/>
-                      <a:headEnd type="none" w="med" len="med"/>
-                      <a:tailEnd type="none" w="med" len="med"/>
-                    </a:lnR>
-                    <a:lnT w="12700" cap="flat" cmpd="sng" algn="ctr">
-                      <a:solidFill>
-                        <a:srgbClr val="000000"/>
-                      </a:solidFill>
-                      <a:prstDash val="solid"/>
-                      <a:round/>
-                      <a:headEnd type="none" w="med" len="med"/>
-                      <a:tailEnd type="none" w="med" len="med"/>
-                    </a:lnT>
-                    <a:lnB w="12700" cap="flat" cmpd="sng" algn="ctr">
-                      <a:solidFill>
-                        <a:srgbClr val="000000"/>
-                      </a:solidFill>
-                      <a:prstDash val="solid"/>
-                      <a:round/>
-                      <a:headEnd type="none" w="med" len="med"/>
-                      <a:tailEnd type="none" w="med" len="med"/>
-                    </a:lnB>
-                    <a:lnTlToBr>
-                      <a:noFill/>
-                    </a:lnTlToBr>
-                    <a:lnBlToTr>
-                      <a:noFill/>
-                    </a:lnBlToTr>
-                    <a:noFill/>
-                  </a:tcPr>
-                </a:tc>
                 <a:extLst>
                   <a:ext uri="{0D108BD9-81ED-4DB2-BD59-A6C34878D82A}">
-                    <a16:rowId xmlns:a16="http://schemas.microsoft.com/office/drawing/2014/main" val="10001"/>
-                  </a:ext>
-                </a:extLst>
-              </a:tr>
-              <a:tr h="849313">
-                <a:tc>
-                  <a:txBody>
-                    <a:bodyPr/>
-                    <a:lstStyle/>
-                    <a:p>
-                      <a:pPr marL="0" marR="0" lvl="0" indent="0" algn="l" defTabSz="914400" rtl="0" eaLnBrk="1" fontAlgn="base" latinLnBrk="0" hangingPunct="1">
-                        <a:lnSpc>
-                          <a:spcPct val="100000"/>
-                        </a:lnSpc>
-                        <a:spcBef>
-                          <a:spcPct val="0"/>
-                        </a:spcBef>
-                        <a:spcAft>
-                          <a:spcPct val="0"/>
-                        </a:spcAft>
-                        <a:buClrTx/>
-                        <a:buSzTx/>
-                        <a:buFontTx/>
-                        <a:buNone/>
-                        <a:tabLst/>
-                      </a:pPr>
-                      <a:r>
-                        <a:rPr kumimoji="0" lang="en-US" sz="2800" b="0" i="0" u="none" strike="noStrike" cap="none" normalizeH="0" baseline="0">
-                          <a:ln>
-                            <a:noFill/>
-                          </a:ln>
-                          <a:solidFill>
-                            <a:schemeClr val="tx1"/>
-                          </a:solidFill>
-                          <a:effectLst/>
-                          <a:latin typeface="Times New Roman" pitchFamily="18" charset="0"/>
-                          <a:cs typeface="Times New Roman" pitchFamily="18" charset="0"/>
-                        </a:rPr>
-                        <a:t>White-Lavender</a:t>
-                      </a:r>
-                      <a:endParaRPr kumimoji="0" lang="en-US" sz="2800" b="0" i="0" u="none" strike="noStrike" cap="none" normalizeH="0" baseline="0">
-                        <a:ln>
-                          <a:noFill/>
-                        </a:ln>
-                        <a:solidFill>
-                          <a:schemeClr val="tx1"/>
-                        </a:solidFill>
-                        <a:effectLst/>
-                        <a:latin typeface="Arial" charset="0"/>
-                      </a:endParaRPr>
-                    </a:p>
-                  </a:txBody>
-                  <a:tcPr horzOverflow="overflow">
-                    <a:lnL w="12700" cap="flat" cmpd="sng" algn="ctr">
-                      <a:solidFill>
-                        <a:srgbClr val="000000"/>
-                      </a:solidFill>
-                      <a:prstDash val="solid"/>
-                      <a:round/>
-                      <a:headEnd type="none" w="med" len="med"/>
-                      <a:tailEnd type="none" w="med" len="med"/>
-                    </a:lnL>
-                    <a:lnR w="12700" cap="flat" cmpd="sng" algn="ctr">
-                      <a:solidFill>
-                        <a:srgbClr val="000000"/>
-                      </a:solidFill>
-                      <a:prstDash val="solid"/>
-                      <a:round/>
-                      <a:headEnd type="none" w="med" len="med"/>
-                      <a:tailEnd type="none" w="med" len="med"/>
-                    </a:lnR>
-                    <a:lnT w="12700" cap="flat" cmpd="sng" algn="ctr">
-                      <a:solidFill>
-                        <a:srgbClr val="000000"/>
-                      </a:solidFill>
-                      <a:prstDash val="solid"/>
-                      <a:round/>
-                      <a:headEnd type="none" w="med" len="med"/>
-                      <a:tailEnd type="none" w="med" len="med"/>
-                    </a:lnT>
-                    <a:lnB w="12700" cap="flat" cmpd="sng" algn="ctr">
-                      <a:solidFill>
-                        <a:srgbClr val="000000"/>
-                      </a:solidFill>
-                      <a:prstDash val="solid"/>
-                      <a:round/>
-                      <a:headEnd type="none" w="med" len="med"/>
-                      <a:tailEnd type="none" w="med" len="med"/>
-                    </a:lnB>
-                    <a:lnTlToBr>
-                      <a:noFill/>
-                    </a:lnTlToBr>
-                    <a:lnBlToTr>
-                      <a:noFill/>
-                    </a:lnBlToTr>
-                    <a:noFill/>
-                  </a:tcPr>
-                </a:tc>
-                <a:tc>
-                  <a:txBody>
-                    <a:bodyPr/>
-                    <a:lstStyle/>
-                    <a:p>
-                      <a:pPr marL="0" marR="0" lvl="0" indent="0" algn="ctr" defTabSz="914400" rtl="0" eaLnBrk="1" fontAlgn="base" latinLnBrk="0" hangingPunct="1">
-                        <a:lnSpc>
-                          <a:spcPct val="100000"/>
-                        </a:lnSpc>
-                        <a:spcBef>
-                          <a:spcPct val="0"/>
-                        </a:spcBef>
-                        <a:spcAft>
-                          <a:spcPct val="0"/>
-                        </a:spcAft>
-                        <a:buClrTx/>
-                        <a:buSzTx/>
-                        <a:buFontTx/>
-                        <a:buNone/>
-                        <a:tabLst/>
-                      </a:pPr>
-                      <a:r>
-                        <a:rPr kumimoji="0" lang="en-US" sz="2800" b="0" i="0" u="none" strike="noStrike" cap="none" normalizeH="0" baseline="0">
-                          <a:ln>
-                            <a:noFill/>
-                          </a:ln>
-                          <a:solidFill>
-                            <a:schemeClr val="tx1"/>
-                          </a:solidFill>
-                          <a:effectLst/>
-                          <a:latin typeface="Times New Roman" pitchFamily="18" charset="0"/>
-                          <a:cs typeface="Times New Roman" pitchFamily="18" charset="0"/>
-                        </a:rPr>
-                        <a:t>15</a:t>
-                      </a:r>
-                    </a:p>
-                    <a:p>
-                      <a:pPr marL="0" marR="0" lvl="0" indent="0" algn="ctr" defTabSz="914400" rtl="0" eaLnBrk="0" fontAlgn="base" latinLnBrk="0" hangingPunct="0">
-                        <a:lnSpc>
-                          <a:spcPct val="100000"/>
-                        </a:lnSpc>
-                        <a:spcBef>
-                          <a:spcPct val="0"/>
-                        </a:spcBef>
-                        <a:spcAft>
-                          <a:spcPct val="0"/>
-                        </a:spcAft>
-                        <a:buClrTx/>
-                        <a:buSzTx/>
-                        <a:buFontTx/>
-                        <a:buNone/>
-                        <a:tabLst/>
-                      </a:pPr>
-                      <a:r>
-                        <a:rPr kumimoji="0" lang="en-US" sz="2800" b="0" i="0" u="none" strike="noStrike" cap="none" normalizeH="0" baseline="0">
-                          <a:ln>
-                            <a:noFill/>
-                          </a:ln>
-                          <a:solidFill>
-                            <a:schemeClr val="tx1"/>
-                          </a:solidFill>
-                          <a:effectLst/>
-                          <a:latin typeface="Times New Roman" pitchFamily="18" charset="0"/>
-                          <a:cs typeface="Times New Roman" pitchFamily="18" charset="0"/>
-                        </a:rPr>
-                        <a:t>(1.0)</a:t>
-                      </a:r>
-                      <a:endParaRPr kumimoji="0" lang="en-US" sz="2800" b="0" i="0" u="none" strike="noStrike" cap="none" normalizeH="0" baseline="0">
-                        <a:ln>
-                          <a:noFill/>
-                        </a:ln>
-                        <a:solidFill>
-                          <a:schemeClr val="tx1"/>
-                        </a:solidFill>
-                        <a:effectLst/>
-                        <a:latin typeface="Arial" charset="0"/>
-                      </a:endParaRPr>
-                    </a:p>
-                  </a:txBody>
-                  <a:tcPr horzOverflow="overflow">
-                    <a:lnL w="12700" cap="flat" cmpd="sng" algn="ctr">
-                      <a:solidFill>
-                        <a:srgbClr val="000000"/>
-                      </a:solidFill>
-                      <a:prstDash val="solid"/>
-                      <a:round/>
-                      <a:headEnd type="none" w="med" len="med"/>
-                      <a:tailEnd type="none" w="med" len="med"/>
-                    </a:lnL>
-                    <a:lnR w="12700" cap="flat" cmpd="sng" algn="ctr">
-                      <a:solidFill>
-                        <a:srgbClr val="000000"/>
-                      </a:solidFill>
-                      <a:prstDash val="solid"/>
-                      <a:round/>
-                      <a:headEnd type="none" w="med" len="med"/>
-                      <a:tailEnd type="none" w="med" len="med"/>
-                    </a:lnR>
-                    <a:lnT w="12700" cap="flat" cmpd="sng" algn="ctr">
-                      <a:solidFill>
-                        <a:srgbClr val="000000"/>
-                      </a:solidFill>
-                      <a:prstDash val="solid"/>
-                      <a:round/>
-                      <a:headEnd type="none" w="med" len="med"/>
-                      <a:tailEnd type="none" w="med" len="med"/>
-                    </a:lnT>
-                    <a:lnB w="12700" cap="flat" cmpd="sng" algn="ctr">
-                      <a:solidFill>
-                        <a:srgbClr val="000000"/>
-                      </a:solidFill>
-                      <a:prstDash val="solid"/>
-                      <a:round/>
-                      <a:headEnd type="none" w="med" len="med"/>
-                      <a:tailEnd type="none" w="med" len="med"/>
-                    </a:lnB>
-                    <a:lnTlToBr>
-                      <a:noFill/>
-                    </a:lnTlToBr>
-                    <a:lnBlToTr>
-                      <a:noFill/>
-                    </a:lnBlToTr>
-                    <a:noFill/>
-                  </a:tcPr>
-                </a:tc>
-                <a:tc>
-                  <a:txBody>
-                    <a:bodyPr/>
-                    <a:lstStyle/>
-                    <a:p>
-                      <a:pPr marL="0" marR="0" lvl="0" indent="0" algn="ctr" defTabSz="914400" rtl="0" eaLnBrk="1" fontAlgn="base" latinLnBrk="0" hangingPunct="1">
-                        <a:lnSpc>
-                          <a:spcPct val="100000"/>
-                        </a:lnSpc>
-                        <a:spcBef>
-                          <a:spcPct val="0"/>
-                        </a:spcBef>
-                        <a:spcAft>
-                          <a:spcPct val="0"/>
-                        </a:spcAft>
-                        <a:buClrTx/>
-                        <a:buSzTx/>
-                        <a:buFontTx/>
-                        <a:buNone/>
-                        <a:tabLst/>
-                      </a:pPr>
-                      <a:r>
-                        <a:rPr kumimoji="0" lang="en-US" sz="2800" b="0" i="0" u="none" strike="noStrike" cap="none" normalizeH="0" baseline="0" dirty="0">
-                          <a:ln>
-                            <a:noFill/>
-                          </a:ln>
-                          <a:solidFill>
-                            <a:schemeClr val="tx1"/>
-                          </a:solidFill>
-                          <a:effectLst/>
-                          <a:latin typeface="Times New Roman" pitchFamily="18" charset="0"/>
-                          <a:cs typeface="Times New Roman" pitchFamily="18" charset="0"/>
-                        </a:rPr>
-                        <a:t>0</a:t>
-                      </a:r>
-                    </a:p>
-                    <a:p>
-                      <a:pPr marL="0" marR="0" lvl="0" indent="0" algn="ctr" defTabSz="914400" rtl="0" eaLnBrk="0" fontAlgn="base" latinLnBrk="0" hangingPunct="0">
-                        <a:lnSpc>
-                          <a:spcPct val="100000"/>
-                        </a:lnSpc>
-                        <a:spcBef>
-                          <a:spcPct val="0"/>
-                        </a:spcBef>
-                        <a:spcAft>
-                          <a:spcPct val="0"/>
-                        </a:spcAft>
-                        <a:buClrTx/>
-                        <a:buSzTx/>
-                        <a:buFontTx/>
-                        <a:buNone/>
-                        <a:tabLst/>
-                      </a:pPr>
-                      <a:r>
-                        <a:rPr kumimoji="0" lang="en-US" sz="2800" b="0" i="0" u="none" strike="noStrike" cap="none" normalizeH="0" baseline="0" dirty="0">
-                          <a:ln>
-                            <a:noFill/>
-                          </a:ln>
-                          <a:solidFill>
-                            <a:schemeClr val="tx1"/>
-                          </a:solidFill>
-                          <a:effectLst/>
-                          <a:latin typeface="Times New Roman" pitchFamily="18" charset="0"/>
-                          <a:cs typeface="Times New Roman" pitchFamily="18" charset="0"/>
-                        </a:rPr>
-                        <a:t>(.00)</a:t>
-                      </a:r>
-                      <a:endParaRPr kumimoji="0" lang="en-US" sz="2800" b="0" i="0" u="none" strike="noStrike" cap="none" normalizeH="0" baseline="0" dirty="0">
-                        <a:ln>
-                          <a:noFill/>
-                        </a:ln>
-                        <a:solidFill>
-                          <a:schemeClr val="tx1"/>
-                        </a:solidFill>
-                        <a:effectLst/>
-                        <a:latin typeface="Arial" charset="0"/>
-                      </a:endParaRPr>
-                    </a:p>
-                  </a:txBody>
-                  <a:tcPr horzOverflow="overflow">
-                    <a:lnL w="12700" cap="flat" cmpd="sng" algn="ctr">
-                      <a:solidFill>
-                        <a:srgbClr val="000000"/>
-                      </a:solidFill>
-                      <a:prstDash val="solid"/>
-                      <a:round/>
-                      <a:headEnd type="none" w="med" len="med"/>
-                      <a:tailEnd type="none" w="med" len="med"/>
-                    </a:lnL>
-                    <a:lnR w="12700" cap="flat" cmpd="sng" algn="ctr">
-                      <a:solidFill>
-                        <a:srgbClr val="000000"/>
-                      </a:solidFill>
-                      <a:prstDash val="solid"/>
-                      <a:round/>
-                      <a:headEnd type="none" w="med" len="med"/>
-                      <a:tailEnd type="none" w="med" len="med"/>
-                    </a:lnR>
-                    <a:lnT w="12700" cap="flat" cmpd="sng" algn="ctr">
-                      <a:solidFill>
-                        <a:srgbClr val="000000"/>
-                      </a:solidFill>
-                      <a:prstDash val="solid"/>
-                      <a:round/>
-                      <a:headEnd type="none" w="med" len="med"/>
-                      <a:tailEnd type="none" w="med" len="med"/>
-                    </a:lnT>
-                    <a:lnB w="12700" cap="flat" cmpd="sng" algn="ctr">
-                      <a:solidFill>
-                        <a:srgbClr val="000000"/>
-                      </a:solidFill>
-                      <a:prstDash val="solid"/>
-                      <a:round/>
-                      <a:headEnd type="none" w="med" len="med"/>
-                      <a:tailEnd type="none" w="med" len="med"/>
-                    </a:lnB>
-                    <a:lnTlToBr>
-                      <a:noFill/>
-                    </a:lnTlToBr>
-                    <a:lnBlToTr>
-                      <a:noFill/>
-                    </a:lnBlToTr>
-                    <a:noFill/>
-                  </a:tcPr>
-                </a:tc>
-                <a:extLst>
-                  <a:ext uri="{0D108BD9-81ED-4DB2-BD59-A6C34878D82A}">
-                    <a16:rowId xmlns:a16="http://schemas.microsoft.com/office/drawing/2014/main" val="10002"/>
+                    <a16:rowId xmlns:a16="http://schemas.microsoft.com/office/drawing/2014/main" val="10003"/>
                   </a:ext>
                 </a:extLst>
               </a:tr>
@@ -8195,10 +8328,46 @@
           </a:graphicData>
         </a:graphic>
       </p:graphicFrame>
+      <p:sp>
+        <p:nvSpPr>
+          <p:cNvPr id="7198" name="Text Box 30"/>
+          <p:cNvSpPr txBox="1">
+            <a:spLocks noChangeArrowheads="1"/>
+          </p:cNvSpPr>
+          <p:nvPr/>
+        </p:nvSpPr>
+        <p:spPr bwMode="auto">
+          <a:xfrm>
+            <a:off x="1981200" y="4876801"/>
+            <a:ext cx="8077200" cy="366713"/>
+          </a:xfrm>
+          <a:prstGeom prst="rect">
+            <a:avLst/>
+          </a:prstGeom>
+          <a:noFill/>
+          <a:ln w="9525">
+            <a:noFill/>
+            <a:miter lim="800000"/>
+            <a:headEnd/>
+            <a:tailEnd/>
+          </a:ln>
+        </p:spPr>
+        <p:txBody>
+          <a:bodyPr>
+            <a:spAutoFit/>
+          </a:bodyPr>
+          <a:lstStyle/>
+          <a:p>
+            <a:endParaRPr lang="en-US">
+              <a:latin typeface="Calibri" pitchFamily="34" charset="0"/>
+            </a:endParaRPr>
+          </a:p>
+        </p:txBody>
+      </p:sp>
     </p:spTree>
     <p:extLst>
       <p:ext uri="{BB962C8B-B14F-4D97-AF65-F5344CB8AC3E}">
-        <p14:creationId xmlns:p14="http://schemas.microsoft.com/office/powerpoint/2010/main" val="1909986207"/>
+        <p14:creationId xmlns:p14="http://schemas.microsoft.com/office/powerpoint/2010/main" val="2293286438"/>
       </p:ext>
     </p:extLst>
   </p:cSld>
@@ -8208,7 +8377,7 @@
 </p:sld>
 </file>
 
-<file path=ppt/slides/slide6.xml><?xml version="1.0" encoding="utf-8"?>
+<file path=ppt/slides/slide7.xml><?xml version="1.0" encoding="utf-8"?>
 <p:sld xmlns:a="http://schemas.openxmlformats.org/drawingml/2006/main" xmlns:r="http://schemas.openxmlformats.org/officeDocument/2006/relationships" xmlns:p="http://schemas.openxmlformats.org/presentationml/2006/main">
   <p:cSld>
     <p:spTree>
@@ -8227,7 +8396,7 @@
       </p:grpSpPr>
       <p:sp>
         <p:nvSpPr>
-          <p:cNvPr id="10242" name="Rectangle 2"/>
+          <p:cNvPr id="8194" name="Rectangle 2"/>
           <p:cNvSpPr>
             <a:spLocks noGrp="1" noChangeArrowheads="1"/>
           </p:cNvSpPr>
@@ -8237,68 +8406,215 @@
         </p:nvSpPr>
         <p:spPr/>
         <p:txBody>
-          <a:bodyPr rtlCol="0">
+          <a:bodyPr/>
+          <a:lstStyle/>
+          <a:p>
+            <a:endParaRPr lang="en-US"/>
+          </a:p>
+        </p:txBody>
+      </p:sp>
+      <p:sp>
+        <p:nvSpPr>
+          <p:cNvPr id="8195" name="Rectangle 3"/>
+          <p:cNvSpPr>
+            <a:spLocks noGrp="1" noChangeArrowheads="1"/>
+          </p:cNvSpPr>
+          <p:nvPr>
+            <p:ph type="body" idx="1"/>
+          </p:nvPr>
+        </p:nvSpPr>
+        <p:spPr/>
+        <p:txBody>
+          <a:bodyPr>
             <a:normAutofit/>
           </a:bodyPr>
           <a:lstStyle/>
           <a:p>
             <a:pPr>
-              <a:defRPr/>
+              <a:lnSpc>
+                <a:spcPct val="90000"/>
+              </a:lnSpc>
             </a:pPr>
             <a:r>
-              <a:rPr lang="en-US" sz="4000"/>
-              <a:t>Do Adults and Children react differently?</a:t>
-            </a:r>
-          </a:p>
-        </p:txBody>
-      </p:sp>
-      <p:sp>
-        <p:nvSpPr>
-          <p:cNvPr id="9219" name="Rectangle 5"/>
+              <a:rPr lang="en-US" dirty="0"/>
+              <a:t>If Good news=Bad news, then expected return rate for both good news and bad news should be the same </a:t>
+            </a:r>
+          </a:p>
+          <a:p>
+            <a:pPr lvl="1">
+              <a:lnSpc>
+                <a:spcPct val="90000"/>
+              </a:lnSpc>
+            </a:pPr>
+            <a:r>
+              <a:rPr lang="en-US" dirty="0"/>
+              <a:t>.322 (58/180) </a:t>
+            </a:r>
+          </a:p>
+          <a:p>
+            <a:pPr lvl="1">
+              <a:lnSpc>
+                <a:spcPct val="90000"/>
+              </a:lnSpc>
+            </a:pPr>
+            <a:r>
+              <a:rPr lang="en-US" dirty="0"/>
+              <a:t>19.3 for Good news (of 60)</a:t>
+            </a:r>
+          </a:p>
+          <a:p>
+            <a:pPr lvl="1">
+              <a:lnSpc>
+                <a:spcPct val="90000"/>
+              </a:lnSpc>
+            </a:pPr>
+            <a:r>
+              <a:rPr lang="en-US" dirty="0"/>
+              <a:t>38.6 for Bad news (of 120)</a:t>
+            </a:r>
+          </a:p>
+          <a:p>
+            <a:pPr>
+              <a:lnSpc>
+                <a:spcPct val="90000"/>
+              </a:lnSpc>
+            </a:pPr>
+            <a:r>
+              <a:rPr lang="en-US" dirty="0"/>
+              <a:t>Х</a:t>
+            </a:r>
+            <a:r>
+              <a:rPr lang="en-US" baseline="30000" dirty="0"/>
+              <a:t>2</a:t>
+            </a:r>
+            <a:r>
+              <a:rPr lang="en-US" dirty="0"/>
+              <a:t> is calculated from the difference between the observed rates and the expected rates.</a:t>
+            </a:r>
+          </a:p>
+          <a:p>
+            <a:pPr>
+              <a:lnSpc>
+                <a:spcPct val="90000"/>
+              </a:lnSpc>
+            </a:pPr>
+            <a:r>
+              <a:rPr lang="en-US" dirty="0"/>
+              <a:t>Actual return rates are much different, Х</a:t>
+            </a:r>
+            <a:r>
+              <a:rPr lang="en-US" baseline="30000" dirty="0"/>
+              <a:t>2</a:t>
+            </a:r>
+            <a:r>
+              <a:rPr lang="en-US" dirty="0"/>
+              <a:t>=28.1, p&lt;0.001</a:t>
+            </a:r>
+          </a:p>
+          <a:p>
+            <a:pPr>
+              <a:lnSpc>
+                <a:spcPct val="90000"/>
+              </a:lnSpc>
+            </a:pPr>
+            <a:r>
+              <a:rPr lang="en-US" dirty="0"/>
+              <a:t>“Postcards reporting good news were returned at a higher rate than postcards reporting bad news, X</a:t>
+            </a:r>
+            <a:r>
+              <a:rPr lang="en-US" baseline="30000" dirty="0"/>
+              <a:t>2</a:t>
+            </a:r>
+            <a:r>
+              <a:rPr lang="en-US" dirty="0"/>
+              <a:t>=28.1, p&lt;.001.” </a:t>
+            </a:r>
+          </a:p>
+        </p:txBody>
+      </p:sp>
+    </p:spTree>
+    <p:extLst>
+      <p:ext uri="{BB962C8B-B14F-4D97-AF65-F5344CB8AC3E}">
+        <p14:creationId xmlns:p14="http://schemas.microsoft.com/office/powerpoint/2010/main" val="1641693687"/>
+      </p:ext>
+    </p:extLst>
+  </p:cSld>
+  <p:clrMapOvr>
+    <a:masterClrMapping/>
+  </p:clrMapOvr>
+</p:sld>
+</file>
+
+<file path=ppt/slides/slide8.xml><?xml version="1.0" encoding="utf-8"?>
+<p:sld xmlns:a="http://schemas.openxmlformats.org/drawingml/2006/main" xmlns:r="http://schemas.openxmlformats.org/officeDocument/2006/relationships" xmlns:p="http://schemas.openxmlformats.org/presentationml/2006/main">
+  <p:cSld>
+    <p:spTree>
+      <p:nvGrpSpPr>
+        <p:cNvPr id="1" name=""/>
+        <p:cNvGrpSpPr/>
+        <p:nvPr/>
+      </p:nvGrpSpPr>
+      <p:grpSpPr>
+        <a:xfrm>
+          <a:off x="0" y="0"/>
+          <a:ext cx="0" cy="0"/>
+          <a:chOff x="0" y="0"/>
+          <a:chExt cx="0" cy="0"/>
+        </a:xfrm>
+      </p:grpSpPr>
+      <p:sp>
+        <p:nvSpPr>
+          <p:cNvPr id="9218" name="Rectangle 2"/>
           <p:cNvSpPr>
             <a:spLocks noGrp="1" noChangeArrowheads="1"/>
           </p:cNvSpPr>
           <p:nvPr>
-            <p:ph type="body" sz="half" idx="2"/>
-          </p:nvPr>
-        </p:nvSpPr>
-        <p:spPr>
-          <a:xfrm>
-            <a:off x="983673" y="5064310"/>
-            <a:ext cx="8229600" cy="990602"/>
-          </a:xfrm>
-        </p:spPr>
+            <p:ph type="title"/>
+          </p:nvPr>
+        </p:nvSpPr>
+        <p:spPr/>
         <p:txBody>
           <a:bodyPr/>
           <a:lstStyle/>
           <a:p>
-            <a:r>
-              <a:rPr lang="en-US" dirty="0"/>
-              <a:t>X</a:t>
-            </a:r>
-            <a:r>
-              <a:rPr lang="en-US" baseline="30000" dirty="0"/>
-              <a:t>2</a:t>
-            </a:r>
-            <a:r>
-              <a:rPr lang="en-US" dirty="0"/>
-              <a:t>=7.02, p&lt;0.01 </a:t>
+            <a:endParaRPr lang="en-US"/>
+          </a:p>
+        </p:txBody>
+      </p:sp>
+      <p:sp>
+        <p:nvSpPr>
+          <p:cNvPr id="9219" name="Rectangle 3"/>
+          <p:cNvSpPr>
+            <a:spLocks noGrp="1" noChangeArrowheads="1"/>
+          </p:cNvSpPr>
+          <p:nvPr>
+            <p:ph type="body" sz="half" idx="1"/>
+          </p:nvPr>
+        </p:nvSpPr>
+        <p:spPr/>
+        <p:txBody>
+          <a:bodyPr/>
+          <a:lstStyle/>
+          <a:p>
+            <a:r>
+              <a:rPr lang="en-US"/>
+              <a:t>Was there a difference in the rate of “bad news” cards being returned addressed to men (Bob) or women (Judy)? </a:t>
             </a:r>
           </a:p>
         </p:txBody>
       </p:sp>
       <p:graphicFrame>
         <p:nvGraphicFramePr>
-          <p:cNvPr id="10323" name="Group 83"/>
+          <p:cNvPr id="13316" name="Group 4"/>
           <p:cNvGraphicFramePr>
             <a:graphicFrameLocks noGrp="1"/>
           </p:cNvGraphicFramePr>
           <p:nvPr>
-            <p:ph sz="half" idx="1"/>
+            <p:ph sz="half" idx="2"/>
           </p:nvPr>
         </p:nvGraphicFramePr>
         <p:xfrm>
-          <a:off x="841169" y="1417638"/>
+          <a:off x="1672442" y="2822308"/>
           <a:ext cx="8229600" cy="3352800"/>
         </p:xfrm>
         <a:graphic>
@@ -8306,35 +8622,42 @@
             <a:tbl>
               <a:tblPr/>
               <a:tblGrid>
-                <a:gridCol w="2809875">
+                <a:gridCol w="1341438">
                   <a:extLst>
                     <a:ext uri="{9D8B030D-6E8A-4147-A177-3AD203B41FA5}">
                       <a16:colId xmlns:a16="http://schemas.microsoft.com/office/drawing/2014/main" val="20000"/>
                     </a:ext>
                   </a:extLst>
                 </a:gridCol>
-                <a:gridCol w="2709863">
+                <a:gridCol w="2295525">
                   <a:extLst>
                     <a:ext uri="{9D8B030D-6E8A-4147-A177-3AD203B41FA5}">
                       <a16:colId xmlns:a16="http://schemas.microsoft.com/office/drawing/2014/main" val="20001"/>
                     </a:ext>
                   </a:extLst>
                 </a:gridCol>
-                <a:gridCol w="2709862">
+                <a:gridCol w="2297112">
                   <a:extLst>
                     <a:ext uri="{9D8B030D-6E8A-4147-A177-3AD203B41FA5}">
                       <a16:colId xmlns:a16="http://schemas.microsoft.com/office/drawing/2014/main" val="20002"/>
                     </a:ext>
                   </a:extLst>
                 </a:gridCol>
+                <a:gridCol w="2295525">
+                  <a:extLst>
+                    <a:ext uri="{9D8B030D-6E8A-4147-A177-3AD203B41FA5}">
+                      <a16:colId xmlns:a16="http://schemas.microsoft.com/office/drawing/2014/main" val="20003"/>
+                    </a:ext>
+                  </a:extLst>
+                </a:gridCol>
               </a:tblGrid>
-              <a:tr h="366713">
+              <a:tr h="463550">
                 <a:tc>
                   <a:txBody>
                     <a:bodyPr/>
                     <a:lstStyle/>
                     <a:p>
-                      <a:pPr marL="0" marR="0" lvl="0" indent="0" algn="l" defTabSz="914400" rtl="0" eaLnBrk="1" fontAlgn="base" latinLnBrk="0" hangingPunct="1">
+                      <a:pPr marL="0" marR="0" lvl="0" indent="0" algn="ctr" defTabSz="914400" rtl="0" eaLnBrk="1" fontAlgn="base" latinLnBrk="0" hangingPunct="1">
                         <a:lnSpc>
                           <a:spcPct val="100000"/>
                         </a:lnSpc>
@@ -8413,7 +8736,100 @@
                     <a:bodyPr/>
                     <a:lstStyle/>
                     <a:p>
-                      <a:pPr marL="0" marR="0" lvl="0" indent="0" algn="ctr" defTabSz="914400" rtl="0" eaLnBrk="1" fontAlgn="base" latinLnBrk="0" hangingPunct="1">
+                      <a:pPr marL="342900" marR="0" lvl="0" indent="-342900" algn="ctr" defTabSz="914400" rtl="0" eaLnBrk="1" fontAlgn="base" latinLnBrk="0" hangingPunct="1">
+                        <a:lnSpc>
+                          <a:spcPct val="100000"/>
+                        </a:lnSpc>
+                        <a:spcBef>
+                          <a:spcPct val="0"/>
+                        </a:spcBef>
+                        <a:spcAft>
+                          <a:spcPct val="0"/>
+                        </a:spcAft>
+                        <a:buClrTx/>
+                        <a:buSzTx/>
+                        <a:buFontTx/>
+                        <a:buNone/>
+                        <a:tabLst/>
+                      </a:pPr>
+                      <a:r>
+                        <a:rPr kumimoji="0" lang="en-US" sz="2800" b="0" i="0" u="none" strike="noStrike" cap="none" normalizeH="0" baseline="0" dirty="0">
+                          <a:ln>
+                            <a:noFill/>
+                          </a:ln>
+                          <a:solidFill>
+                            <a:schemeClr val="tx1"/>
+                          </a:solidFill>
+                          <a:effectLst/>
+                          <a:latin typeface="Times New Roman" pitchFamily="18" charset="0"/>
+                          <a:cs typeface="Times New Roman" pitchFamily="18" charset="0"/>
+                        </a:rPr>
+                        <a:t>Returned</a:t>
+                      </a:r>
+                      <a:endParaRPr kumimoji="0" lang="en-US" sz="2800" b="0" i="0" u="none" strike="noStrike" cap="none" normalizeH="0" baseline="0" dirty="0">
+                        <a:ln>
+                          <a:noFill/>
+                        </a:ln>
+                        <a:solidFill>
+                          <a:schemeClr val="tx1"/>
+                        </a:solidFill>
+                        <a:effectLst/>
+                        <a:latin typeface="Arial" charset="0"/>
+                      </a:endParaRPr>
+                    </a:p>
+                  </a:txBody>
+                  <a:tcPr horzOverflow="overflow">
+                    <a:lnL w="12700" cap="flat" cmpd="sng" algn="ctr">
+                      <a:solidFill>
+                        <a:srgbClr val="000000"/>
+                      </a:solidFill>
+                      <a:prstDash val="solid"/>
+                      <a:round/>
+                      <a:headEnd type="none" w="med" len="med"/>
+                      <a:tailEnd type="none" w="med" len="med"/>
+                    </a:lnL>
+                    <a:lnR w="12700" cap="flat" cmpd="sng" algn="ctr">
+                      <a:solidFill>
+                        <a:srgbClr val="000000"/>
+                      </a:solidFill>
+                      <a:prstDash val="solid"/>
+                      <a:round/>
+                      <a:headEnd type="none" w="med" len="med"/>
+                      <a:tailEnd type="none" w="med" len="med"/>
+                    </a:lnR>
+                    <a:lnT w="12700" cap="flat" cmpd="sng" algn="ctr">
+                      <a:solidFill>
+                        <a:srgbClr val="000000"/>
+                      </a:solidFill>
+                      <a:prstDash val="solid"/>
+                      <a:round/>
+                      <a:headEnd type="none" w="med" len="med"/>
+                      <a:tailEnd type="none" w="med" len="med"/>
+                    </a:lnT>
+                    <a:lnB w="12700" cap="flat" cmpd="sng" algn="ctr">
+                      <a:solidFill>
+                        <a:srgbClr val="000000"/>
+                      </a:solidFill>
+                      <a:prstDash val="solid"/>
+                      <a:round/>
+                      <a:headEnd type="none" w="med" len="med"/>
+                      <a:tailEnd type="none" w="med" len="med"/>
+                    </a:lnB>
+                    <a:lnTlToBr>
+                      <a:noFill/>
+                    </a:lnTlToBr>
+                    <a:lnBlToTr>
+                      <a:noFill/>
+                    </a:lnBlToTr>
+                    <a:noFill/>
+                  </a:tcPr>
+                </a:tc>
+                <a:tc>
+                  <a:txBody>
+                    <a:bodyPr/>
+                    <a:lstStyle/>
+                    <a:p>
+                      <a:pPr marL="342900" marR="0" lvl="0" indent="-342900" algn="ctr" defTabSz="914400" rtl="0" eaLnBrk="1" fontAlgn="base" latinLnBrk="0" hangingPunct="1">
                         <a:lnSpc>
                           <a:spcPct val="100000"/>
                         </a:lnSpc>
@@ -8441,7 +8857,7 @@
                           <a:latin typeface="Times New Roman" pitchFamily="18" charset="0"/>
                           <a:cs typeface="Times New Roman" pitchFamily="18" charset="0"/>
                         </a:rPr>
-                        <a:t>Lavender</a:t>
+                        <a:t>Not returned</a:t>
                       </a:r>
                       <a:endParaRPr kumimoji="0" lang="en-US" sz="2800" b="0" i="0" u="none" strike="noStrike" cap="none" normalizeH="0" baseline="0">
                         <a:ln>
@@ -8506,7 +8922,7 @@
                     <a:bodyPr/>
                     <a:lstStyle/>
                     <a:p>
-                      <a:pPr marL="0" marR="0" lvl="0" indent="0" algn="ctr" defTabSz="914400" rtl="0" eaLnBrk="1" fontAlgn="base" latinLnBrk="0" hangingPunct="1">
+                      <a:pPr marL="342900" marR="0" lvl="0" indent="-342900" algn="ctr" defTabSz="914400" rtl="0" eaLnBrk="1" fontAlgn="base" latinLnBrk="0" hangingPunct="1">
                         <a:lnSpc>
                           <a:spcPct val="100000"/>
                         </a:lnSpc>
@@ -8534,7 +8950,7 @@
                           <a:latin typeface="Times New Roman" pitchFamily="18" charset="0"/>
                           <a:cs typeface="Times New Roman" pitchFamily="18" charset="0"/>
                         </a:rPr>
-                        <a:t>Other</a:t>
+                        <a:t>Totals</a:t>
                       </a:r>
                       <a:endParaRPr kumimoji="0" lang="en-US" sz="2800" b="0" i="0" u="none" strike="noStrike" cap="none" normalizeH="0" baseline="0">
                         <a:ln>
@@ -8606,7 +9022,7 @@
                     <a:bodyPr/>
                     <a:lstStyle/>
                     <a:p>
-                      <a:pPr marL="0" marR="0" lvl="0" indent="0" algn="l" defTabSz="914400" rtl="0" eaLnBrk="1" fontAlgn="base" latinLnBrk="0" hangingPunct="1">
+                      <a:pPr marL="342900" marR="0" lvl="0" indent="-342900" algn="ctr" defTabSz="914400" rtl="0" eaLnBrk="1" fontAlgn="base" latinLnBrk="0" hangingPunct="1">
                         <a:lnSpc>
                           <a:spcPct val="100000"/>
                         </a:lnSpc>
@@ -8634,7 +9050,7 @@
                           <a:latin typeface="Times New Roman" pitchFamily="18" charset="0"/>
                           <a:cs typeface="Times New Roman" pitchFamily="18" charset="0"/>
                         </a:rPr>
-                        <a:t>Adults</a:t>
+                        <a:t>Men</a:t>
                       </a:r>
                       <a:endParaRPr kumimoji="0" lang="en-US" sz="2800" b="0" i="0" u="none" strike="noStrike" cap="none" normalizeH="0" baseline="0">
                         <a:ln>
@@ -8699,7 +9115,7 @@
                     <a:bodyPr/>
                     <a:lstStyle/>
                     <a:p>
-                      <a:pPr marL="0" marR="0" lvl="0" indent="0" algn="ctr" defTabSz="914400" rtl="0" eaLnBrk="1" fontAlgn="base" latinLnBrk="0" hangingPunct="1">
+                      <a:pPr marL="342900" marR="0" lvl="0" indent="-342900" algn="ctr" defTabSz="914400" rtl="0" eaLnBrk="1" fontAlgn="base" latinLnBrk="0" hangingPunct="1">
                         <a:lnSpc>
                           <a:spcPct val="100000"/>
                         </a:lnSpc>
@@ -8727,11 +9143,11 @@
                           <a:latin typeface="Times New Roman" pitchFamily="18" charset="0"/>
                           <a:cs typeface="Times New Roman" pitchFamily="18" charset="0"/>
                         </a:rPr>
-                        <a:t>13</a:t>
+                        <a:t>19</a:t>
                       </a:r>
                     </a:p>
                     <a:p>
-                      <a:pPr marL="0" marR="0" lvl="0" indent="0" algn="ctr" defTabSz="914400" rtl="0" eaLnBrk="0" fontAlgn="base" latinLnBrk="0" hangingPunct="0">
+                      <a:pPr marL="342900" marR="0" lvl="0" indent="-342900" algn="ctr" defTabSz="914400" rtl="0" eaLnBrk="0" fontAlgn="base" latinLnBrk="0" hangingPunct="0">
                         <a:lnSpc>
                           <a:spcPct val="100000"/>
                         </a:lnSpc>
@@ -8759,7 +9175,7 @@
                           <a:latin typeface="Times New Roman" pitchFamily="18" charset="0"/>
                           <a:cs typeface="Times New Roman" pitchFamily="18" charset="0"/>
                         </a:rPr>
-                        <a:t>(.867)</a:t>
+                        <a:t>(.317)</a:t>
                       </a:r>
                       <a:endParaRPr kumimoji="0" lang="en-US" sz="2800" b="0" i="0" u="none" strike="noStrike" cap="none" normalizeH="0" baseline="0" dirty="0">
                         <a:ln>
@@ -8824,7 +9240,132 @@
                     <a:bodyPr/>
                     <a:lstStyle/>
                     <a:p>
-                      <a:pPr marL="0" marR="0" lvl="0" indent="0" algn="ctr" defTabSz="914400" rtl="0" eaLnBrk="1" fontAlgn="base" latinLnBrk="0" hangingPunct="1">
+                      <a:pPr marL="342900" marR="0" lvl="0" indent="-342900" algn="ctr" defTabSz="914400" rtl="0" eaLnBrk="1" fontAlgn="base" latinLnBrk="0" hangingPunct="1">
+                        <a:lnSpc>
+                          <a:spcPct val="100000"/>
+                        </a:lnSpc>
+                        <a:spcBef>
+                          <a:spcPct val="0"/>
+                        </a:spcBef>
+                        <a:spcAft>
+                          <a:spcPct val="0"/>
+                        </a:spcAft>
+                        <a:buClrTx/>
+                        <a:buSzTx/>
+                        <a:buFontTx/>
+                        <a:buNone/>
+                        <a:tabLst/>
+                      </a:pPr>
+                      <a:r>
+                        <a:rPr kumimoji="0" lang="en-US" sz="2800" b="0" i="0" u="none" strike="noStrike" cap="none" normalizeH="0" baseline="0" dirty="0">
+                          <a:ln>
+                            <a:noFill/>
+                          </a:ln>
+                          <a:solidFill>
+                            <a:schemeClr val="tx1"/>
+                          </a:solidFill>
+                          <a:effectLst/>
+                          <a:latin typeface="Times New Roman" pitchFamily="18" charset="0"/>
+                          <a:cs typeface="Times New Roman" pitchFamily="18" charset="0"/>
+                        </a:rPr>
+                        <a:t>41</a:t>
+                      </a:r>
+                    </a:p>
+                    <a:p>
+                      <a:pPr marL="342900" marR="0" lvl="0" indent="-342900" algn="ctr" defTabSz="914400" rtl="0" eaLnBrk="0" fontAlgn="base" latinLnBrk="0" hangingPunct="0">
+                        <a:lnSpc>
+                          <a:spcPct val="100000"/>
+                        </a:lnSpc>
+                        <a:spcBef>
+                          <a:spcPct val="0"/>
+                        </a:spcBef>
+                        <a:spcAft>
+                          <a:spcPct val="0"/>
+                        </a:spcAft>
+                        <a:buClrTx/>
+                        <a:buSzTx/>
+                        <a:buFontTx/>
+                        <a:buNone/>
+                        <a:tabLst/>
+                      </a:pPr>
+                      <a:r>
+                        <a:rPr kumimoji="0" lang="en-US" sz="2800" b="0" i="0" u="none" strike="noStrike" cap="none" normalizeH="0" baseline="0" dirty="0">
+                          <a:ln>
+                            <a:noFill/>
+                          </a:ln>
+                          <a:solidFill>
+                            <a:schemeClr val="tx1"/>
+                          </a:solidFill>
+                          <a:effectLst/>
+                          <a:latin typeface="Times New Roman" pitchFamily="18" charset="0"/>
+                          <a:cs typeface="Times New Roman" pitchFamily="18" charset="0"/>
+                        </a:rPr>
+                        <a:t>(.683)</a:t>
+                      </a:r>
+                      <a:endParaRPr kumimoji="0" lang="en-US" sz="2800" b="0" i="0" u="none" strike="noStrike" cap="none" normalizeH="0" baseline="0" dirty="0">
+                        <a:ln>
+                          <a:noFill/>
+                        </a:ln>
+                        <a:solidFill>
+                          <a:schemeClr val="tx1"/>
+                        </a:solidFill>
+                        <a:effectLst/>
+                        <a:latin typeface="Arial" charset="0"/>
+                      </a:endParaRPr>
+                    </a:p>
+                  </a:txBody>
+                  <a:tcPr horzOverflow="overflow">
+                    <a:lnL w="12700" cap="flat" cmpd="sng" algn="ctr">
+                      <a:solidFill>
+                        <a:srgbClr val="000000"/>
+                      </a:solidFill>
+                      <a:prstDash val="solid"/>
+                      <a:round/>
+                      <a:headEnd type="none" w="med" len="med"/>
+                      <a:tailEnd type="none" w="med" len="med"/>
+                    </a:lnL>
+                    <a:lnR w="12700" cap="flat" cmpd="sng" algn="ctr">
+                      <a:solidFill>
+                        <a:srgbClr val="000000"/>
+                      </a:solidFill>
+                      <a:prstDash val="solid"/>
+                      <a:round/>
+                      <a:headEnd type="none" w="med" len="med"/>
+                      <a:tailEnd type="none" w="med" len="med"/>
+                    </a:lnR>
+                    <a:lnT w="12700" cap="flat" cmpd="sng" algn="ctr">
+                      <a:solidFill>
+                        <a:srgbClr val="000000"/>
+                      </a:solidFill>
+                      <a:prstDash val="solid"/>
+                      <a:round/>
+                      <a:headEnd type="none" w="med" len="med"/>
+                      <a:tailEnd type="none" w="med" len="med"/>
+                    </a:lnT>
+                    <a:lnB w="12700" cap="flat" cmpd="sng" algn="ctr">
+                      <a:solidFill>
+                        <a:srgbClr val="000000"/>
+                      </a:solidFill>
+                      <a:prstDash val="solid"/>
+                      <a:round/>
+                      <a:headEnd type="none" w="med" len="med"/>
+                      <a:tailEnd type="none" w="med" len="med"/>
+                    </a:lnB>
+                    <a:lnTlToBr>
+                      <a:noFill/>
+                    </a:lnTlToBr>
+                    <a:lnBlToTr>
+                      <a:noFill/>
+                    </a:lnBlToTr>
+                    <a:noFill/>
+                  </a:tcPr>
+                </a:tc>
+                <a:tc>
+                  <a:txBody>
+                    <a:bodyPr/>
+                    <a:lstStyle/>
+                    <a:p>
+                      <a:pPr marL="342900" marR="0" lvl="0" indent="-342900" algn="ctr" defTabSz="914400" rtl="0" eaLnBrk="1" fontAlgn="base" latinLnBrk="0" hangingPunct="1">
                         <a:lnSpc>
                           <a:spcPct val="100000"/>
                         </a:lnSpc>
@@ -8852,11 +9393,79 @@
                           <a:latin typeface="Times New Roman" pitchFamily="18" charset="0"/>
                           <a:cs typeface="Times New Roman" pitchFamily="18" charset="0"/>
                         </a:rPr>
-                        <a:t>2</a:t>
+                        <a:t>60</a:t>
                       </a:r>
+                      <a:endParaRPr kumimoji="0" lang="en-US" sz="2800" b="0" i="0" u="none" strike="noStrike" cap="none" normalizeH="0" baseline="0">
+                        <a:ln>
+                          <a:noFill/>
+                        </a:ln>
+                        <a:solidFill>
+                          <a:schemeClr val="tx1"/>
+                        </a:solidFill>
+                        <a:effectLst/>
+                        <a:latin typeface="Arial" charset="0"/>
+                      </a:endParaRPr>
                     </a:p>
+                  </a:txBody>
+                  <a:tcPr horzOverflow="overflow">
+                    <a:lnL w="12700" cap="flat" cmpd="sng" algn="ctr">
+                      <a:solidFill>
+                        <a:srgbClr val="000000"/>
+                      </a:solidFill>
+                      <a:prstDash val="solid"/>
+                      <a:round/>
+                      <a:headEnd type="none" w="med" len="med"/>
+                      <a:tailEnd type="none" w="med" len="med"/>
+                    </a:lnL>
+                    <a:lnR w="12700" cap="flat" cmpd="sng" algn="ctr">
+                      <a:solidFill>
+                        <a:srgbClr val="000000"/>
+                      </a:solidFill>
+                      <a:prstDash val="solid"/>
+                      <a:round/>
+                      <a:headEnd type="none" w="med" len="med"/>
+                      <a:tailEnd type="none" w="med" len="med"/>
+                    </a:lnR>
+                    <a:lnT w="12700" cap="flat" cmpd="sng" algn="ctr">
+                      <a:solidFill>
+                        <a:srgbClr val="000000"/>
+                      </a:solidFill>
+                      <a:prstDash val="solid"/>
+                      <a:round/>
+                      <a:headEnd type="none" w="med" len="med"/>
+                      <a:tailEnd type="none" w="med" len="med"/>
+                    </a:lnT>
+                    <a:lnB w="12700" cap="flat" cmpd="sng" algn="ctr">
+                      <a:solidFill>
+                        <a:srgbClr val="000000"/>
+                      </a:solidFill>
+                      <a:prstDash val="solid"/>
+                      <a:round/>
+                      <a:headEnd type="none" w="med" len="med"/>
+                      <a:tailEnd type="none" w="med" len="med"/>
+                    </a:lnB>
+                    <a:lnTlToBr>
+                      <a:noFill/>
+                    </a:lnTlToBr>
+                    <a:lnBlToTr>
+                      <a:noFill/>
+                    </a:lnBlToTr>
+                    <a:noFill/>
+                  </a:tcPr>
+                </a:tc>
+                <a:extLst>
+                  <a:ext uri="{0D108BD9-81ED-4DB2-BD59-A6C34878D82A}">
+                    <a16:rowId xmlns:a16="http://schemas.microsoft.com/office/drawing/2014/main" val="10001"/>
+                  </a:ext>
+                </a:extLst>
+              </a:tr>
+              <a:tr h="574675">
+                <a:tc>
+                  <a:txBody>
+                    <a:bodyPr/>
+                    <a:lstStyle/>
                     <a:p>
-                      <a:pPr marL="0" marR="0" lvl="0" indent="0" algn="ctr" defTabSz="914400" rtl="0" eaLnBrk="0" fontAlgn="base" latinLnBrk="0" hangingPunct="0">
+                      <a:pPr marL="342900" marR="0" lvl="0" indent="-342900" algn="ctr" defTabSz="914400" rtl="0" eaLnBrk="1" fontAlgn="base" latinLnBrk="0" hangingPunct="1">
                         <a:lnSpc>
                           <a:spcPct val="100000"/>
                         </a:lnSpc>
@@ -8884,7 +9493,7 @@
                           <a:latin typeface="Times New Roman" pitchFamily="18" charset="0"/>
                           <a:cs typeface="Times New Roman" pitchFamily="18" charset="0"/>
                         </a:rPr>
-                        <a:t>(.133)</a:t>
+                        <a:t>Women</a:t>
                       </a:r>
                       <a:endParaRPr kumimoji="0" lang="en-US" sz="2800" b="0" i="0" u="none" strike="noStrike" cap="none" normalizeH="0" baseline="0">
                         <a:ln>
@@ -8944,19 +9553,12 @@
                     <a:noFill/>
                   </a:tcPr>
                 </a:tc>
-                <a:extLst>
-                  <a:ext uri="{0D108BD9-81ED-4DB2-BD59-A6C34878D82A}">
-                    <a16:rowId xmlns:a16="http://schemas.microsoft.com/office/drawing/2014/main" val="10001"/>
-                  </a:ext>
-                </a:extLst>
-              </a:tr>
-              <a:tr h="573088">
                 <a:tc>
                   <a:txBody>
                     <a:bodyPr/>
                     <a:lstStyle/>
                     <a:p>
-                      <a:pPr marL="0" marR="0" lvl="0" indent="0" algn="l" defTabSz="914400" rtl="0" eaLnBrk="1" fontAlgn="base" latinLnBrk="0" hangingPunct="1">
+                      <a:pPr marL="342900" marR="0" lvl="0" indent="-342900" algn="ctr" defTabSz="914400" rtl="0" eaLnBrk="1" fontAlgn="base" latinLnBrk="0" hangingPunct="1">
                         <a:lnSpc>
                           <a:spcPct val="100000"/>
                         </a:lnSpc>
@@ -8984,7 +9586,39 @@
                           <a:latin typeface="Times New Roman" pitchFamily="18" charset="0"/>
                           <a:cs typeface="Times New Roman" pitchFamily="18" charset="0"/>
                         </a:rPr>
-                        <a:t>Children</a:t>
+                        <a:t>4</a:t>
+                      </a:r>
+                    </a:p>
+                    <a:p>
+                      <a:pPr marL="342900" marR="0" lvl="0" indent="-342900" algn="ctr" defTabSz="914400" rtl="0" eaLnBrk="0" fontAlgn="base" latinLnBrk="0" hangingPunct="0">
+                        <a:lnSpc>
+                          <a:spcPct val="100000"/>
+                        </a:lnSpc>
+                        <a:spcBef>
+                          <a:spcPct val="0"/>
+                        </a:spcBef>
+                        <a:spcAft>
+                          <a:spcPct val="0"/>
+                        </a:spcAft>
+                        <a:buClrTx/>
+                        <a:buSzTx/>
+                        <a:buFontTx/>
+                        <a:buNone/>
+                        <a:tabLst/>
+                      </a:pPr>
+                      <a:r>
+                        <a:rPr kumimoji="0" lang="en-US" sz="2800" b="0" i="0" u="none" strike="noStrike" cap="none" normalizeH="0" baseline="0">
+                          <a:ln>
+                            <a:noFill/>
+                          </a:ln>
+                          <a:solidFill>
+                            <a:schemeClr val="tx1"/>
+                          </a:solidFill>
+                          <a:effectLst/>
+                          <a:latin typeface="Times New Roman" pitchFamily="18" charset="0"/>
+                          <a:cs typeface="Times New Roman" pitchFamily="18" charset="0"/>
+                        </a:rPr>
+                        <a:t>(.067)</a:t>
                       </a:r>
                       <a:endParaRPr kumimoji="0" lang="en-US" sz="2800" b="0" i="0" u="none" strike="noStrike" cap="none" normalizeH="0" baseline="0">
                         <a:ln>
@@ -9049,7 +9683,132 @@
                     <a:bodyPr/>
                     <a:lstStyle/>
                     <a:p>
-                      <a:pPr marL="0" marR="0" lvl="0" indent="0" algn="ctr" defTabSz="914400" rtl="0" eaLnBrk="1" fontAlgn="base" latinLnBrk="0" hangingPunct="1">
+                      <a:pPr marL="342900" marR="0" lvl="0" indent="-342900" algn="ctr" defTabSz="914400" rtl="0" eaLnBrk="1" fontAlgn="base" latinLnBrk="0" hangingPunct="1">
+                        <a:lnSpc>
+                          <a:spcPct val="100000"/>
+                        </a:lnSpc>
+                        <a:spcBef>
+                          <a:spcPct val="0"/>
+                        </a:spcBef>
+                        <a:spcAft>
+                          <a:spcPct val="0"/>
+                        </a:spcAft>
+                        <a:buClrTx/>
+                        <a:buSzTx/>
+                        <a:buFontTx/>
+                        <a:buNone/>
+                        <a:tabLst/>
+                      </a:pPr>
+                      <a:r>
+                        <a:rPr kumimoji="0" lang="en-US" sz="2800" b="0" i="0" u="none" strike="noStrike" cap="none" normalizeH="0" baseline="0">
+                          <a:ln>
+                            <a:noFill/>
+                          </a:ln>
+                          <a:solidFill>
+                            <a:schemeClr val="tx1"/>
+                          </a:solidFill>
+                          <a:effectLst/>
+                          <a:latin typeface="Times New Roman" pitchFamily="18" charset="0"/>
+                          <a:cs typeface="Times New Roman" pitchFamily="18" charset="0"/>
+                        </a:rPr>
+                        <a:t>56</a:t>
+                      </a:r>
+                    </a:p>
+                    <a:p>
+                      <a:pPr marL="342900" marR="0" lvl="0" indent="-342900" algn="ctr" defTabSz="914400" rtl="0" eaLnBrk="0" fontAlgn="base" latinLnBrk="0" hangingPunct="0">
+                        <a:lnSpc>
+                          <a:spcPct val="100000"/>
+                        </a:lnSpc>
+                        <a:spcBef>
+                          <a:spcPct val="0"/>
+                        </a:spcBef>
+                        <a:spcAft>
+                          <a:spcPct val="0"/>
+                        </a:spcAft>
+                        <a:buClrTx/>
+                        <a:buSzTx/>
+                        <a:buFontTx/>
+                        <a:buNone/>
+                        <a:tabLst/>
+                      </a:pPr>
+                      <a:r>
+                        <a:rPr kumimoji="0" lang="en-US" sz="2800" b="0" i="0" u="none" strike="noStrike" cap="none" normalizeH="0" baseline="0">
+                          <a:ln>
+                            <a:noFill/>
+                          </a:ln>
+                          <a:solidFill>
+                            <a:schemeClr val="tx1"/>
+                          </a:solidFill>
+                          <a:effectLst/>
+                          <a:latin typeface="Times New Roman" pitchFamily="18" charset="0"/>
+                          <a:cs typeface="Times New Roman" pitchFamily="18" charset="0"/>
+                        </a:rPr>
+                        <a:t>(.933)</a:t>
+                      </a:r>
+                      <a:endParaRPr kumimoji="0" lang="en-US" sz="2800" b="0" i="0" u="none" strike="noStrike" cap="none" normalizeH="0" baseline="0">
+                        <a:ln>
+                          <a:noFill/>
+                        </a:ln>
+                        <a:solidFill>
+                          <a:schemeClr val="tx1"/>
+                        </a:solidFill>
+                        <a:effectLst/>
+                        <a:latin typeface="Arial" charset="0"/>
+                      </a:endParaRPr>
+                    </a:p>
+                  </a:txBody>
+                  <a:tcPr horzOverflow="overflow">
+                    <a:lnL w="12700" cap="flat" cmpd="sng" algn="ctr">
+                      <a:solidFill>
+                        <a:srgbClr val="000000"/>
+                      </a:solidFill>
+                      <a:prstDash val="solid"/>
+                      <a:round/>
+                      <a:headEnd type="none" w="med" len="med"/>
+                      <a:tailEnd type="none" w="med" len="med"/>
+                    </a:lnL>
+                    <a:lnR w="12700" cap="flat" cmpd="sng" algn="ctr">
+                      <a:solidFill>
+                        <a:srgbClr val="000000"/>
+                      </a:solidFill>
+                      <a:prstDash val="solid"/>
+                      <a:round/>
+                      <a:headEnd type="none" w="med" len="med"/>
+                      <a:tailEnd type="none" w="med" len="med"/>
+                    </a:lnR>
+                    <a:lnT w="12700" cap="flat" cmpd="sng" algn="ctr">
+                      <a:solidFill>
+                        <a:srgbClr val="000000"/>
+                      </a:solidFill>
+                      <a:prstDash val="solid"/>
+                      <a:round/>
+                      <a:headEnd type="none" w="med" len="med"/>
+                      <a:tailEnd type="none" w="med" len="med"/>
+                    </a:lnT>
+                    <a:lnB w="12700" cap="flat" cmpd="sng" algn="ctr">
+                      <a:solidFill>
+                        <a:srgbClr val="000000"/>
+                      </a:solidFill>
+                      <a:prstDash val="solid"/>
+                      <a:round/>
+                      <a:headEnd type="none" w="med" len="med"/>
+                      <a:tailEnd type="none" w="med" len="med"/>
+                    </a:lnB>
+                    <a:lnTlToBr>
+                      <a:noFill/>
+                    </a:lnTlToBr>
+                    <a:lnBlToTr>
+                      <a:noFill/>
+                    </a:lnBlToTr>
+                    <a:noFill/>
+                  </a:tcPr>
+                </a:tc>
+                <a:tc>
+                  <a:txBody>
+                    <a:bodyPr/>
+                    <a:lstStyle/>
+                    <a:p>
+                      <a:pPr marL="342900" marR="0" lvl="0" indent="-342900" algn="ctr" defTabSz="914400" rtl="0" eaLnBrk="1" fontAlgn="base" latinLnBrk="0" hangingPunct="1">
                         <a:lnSpc>
                           <a:spcPct val="100000"/>
                         </a:lnSpc>
@@ -9077,11 +9836,79 @@
                           <a:latin typeface="Times New Roman" pitchFamily="18" charset="0"/>
                           <a:cs typeface="Times New Roman" pitchFamily="18" charset="0"/>
                         </a:rPr>
-                        <a:t>6</a:t>
+                        <a:t>60</a:t>
                       </a:r>
+                      <a:endParaRPr kumimoji="0" lang="en-US" sz="2800" b="0" i="0" u="none" strike="noStrike" cap="none" normalizeH="0" baseline="0" dirty="0">
+                        <a:ln>
+                          <a:noFill/>
+                        </a:ln>
+                        <a:solidFill>
+                          <a:schemeClr val="tx1"/>
+                        </a:solidFill>
+                        <a:effectLst/>
+                        <a:latin typeface="Arial" charset="0"/>
+                      </a:endParaRPr>
                     </a:p>
+                  </a:txBody>
+                  <a:tcPr horzOverflow="overflow">
+                    <a:lnL w="12700" cap="flat" cmpd="sng" algn="ctr">
+                      <a:solidFill>
+                        <a:srgbClr val="000000"/>
+                      </a:solidFill>
+                      <a:prstDash val="solid"/>
+                      <a:round/>
+                      <a:headEnd type="none" w="med" len="med"/>
+                      <a:tailEnd type="none" w="med" len="med"/>
+                    </a:lnL>
+                    <a:lnR w="12700" cap="flat" cmpd="sng" algn="ctr">
+                      <a:solidFill>
+                        <a:srgbClr val="000000"/>
+                      </a:solidFill>
+                      <a:prstDash val="solid"/>
+                      <a:round/>
+                      <a:headEnd type="none" w="med" len="med"/>
+                      <a:tailEnd type="none" w="med" len="med"/>
+                    </a:lnR>
+                    <a:lnT w="12700" cap="flat" cmpd="sng" algn="ctr">
+                      <a:solidFill>
+                        <a:srgbClr val="000000"/>
+                      </a:solidFill>
+                      <a:prstDash val="solid"/>
+                      <a:round/>
+                      <a:headEnd type="none" w="med" len="med"/>
+                      <a:tailEnd type="none" w="med" len="med"/>
+                    </a:lnT>
+                    <a:lnB w="12700" cap="flat" cmpd="sng" algn="ctr">
+                      <a:solidFill>
+                        <a:srgbClr val="000000"/>
+                      </a:solidFill>
+                      <a:prstDash val="solid"/>
+                      <a:round/>
+                      <a:headEnd type="none" w="med" len="med"/>
+                      <a:tailEnd type="none" w="med" len="med"/>
+                    </a:lnB>
+                    <a:lnTlToBr>
+                      <a:noFill/>
+                    </a:lnTlToBr>
+                    <a:lnBlToTr>
+                      <a:noFill/>
+                    </a:lnBlToTr>
+                    <a:noFill/>
+                  </a:tcPr>
+                </a:tc>
+                <a:extLst>
+                  <a:ext uri="{0D108BD9-81ED-4DB2-BD59-A6C34878D82A}">
+                    <a16:rowId xmlns:a16="http://schemas.microsoft.com/office/drawing/2014/main" val="10002"/>
+                  </a:ext>
+                </a:extLst>
+              </a:tr>
+              <a:tr h="574675">
+                <a:tc>
+                  <a:txBody>
+                    <a:bodyPr/>
+                    <a:lstStyle/>
                     <a:p>
-                      <a:pPr marL="0" marR="0" lvl="0" indent="0" algn="ctr" defTabSz="914400" rtl="0" eaLnBrk="0" fontAlgn="base" latinLnBrk="0" hangingPunct="0">
+                      <a:pPr marL="342900" marR="0" lvl="0" indent="-342900" algn="ctr" defTabSz="914400" rtl="0" eaLnBrk="1" fontAlgn="base" latinLnBrk="0" hangingPunct="1">
                         <a:lnSpc>
                           <a:spcPct val="100000"/>
                         </a:lnSpc>
@@ -9109,7 +9936,7 @@
                           <a:latin typeface="Times New Roman" pitchFamily="18" charset="0"/>
                           <a:cs typeface="Times New Roman" pitchFamily="18" charset="0"/>
                         </a:rPr>
-                        <a:t>(.40)</a:t>
+                        <a:t>Total</a:t>
                       </a:r>
                       <a:endParaRPr kumimoji="0" lang="en-US" sz="2800" b="0" i="0" u="none" strike="noStrike" cap="none" normalizeH="0" baseline="0" dirty="0">
                         <a:ln>
@@ -9174,7 +10001,257 @@
                     <a:bodyPr/>
                     <a:lstStyle/>
                     <a:p>
-                      <a:pPr marL="0" marR="0" lvl="0" indent="0" algn="ctr" defTabSz="914400" rtl="0" eaLnBrk="1" fontAlgn="base" latinLnBrk="0" hangingPunct="1">
+                      <a:pPr marL="342900" marR="0" lvl="0" indent="-342900" algn="ctr" defTabSz="914400" rtl="0" eaLnBrk="1" fontAlgn="base" latinLnBrk="0" hangingPunct="1">
+                        <a:lnSpc>
+                          <a:spcPct val="100000"/>
+                        </a:lnSpc>
+                        <a:spcBef>
+                          <a:spcPct val="0"/>
+                        </a:spcBef>
+                        <a:spcAft>
+                          <a:spcPct val="0"/>
+                        </a:spcAft>
+                        <a:buClrTx/>
+                        <a:buSzTx/>
+                        <a:buFontTx/>
+                        <a:buNone/>
+                        <a:tabLst/>
+                      </a:pPr>
+                      <a:r>
+                        <a:rPr kumimoji="0" lang="en-US" sz="2800" b="0" i="0" u="none" strike="noStrike" cap="none" normalizeH="0" baseline="0">
+                          <a:ln>
+                            <a:noFill/>
+                          </a:ln>
+                          <a:solidFill>
+                            <a:schemeClr val="tx1"/>
+                          </a:solidFill>
+                          <a:effectLst/>
+                          <a:latin typeface="Times New Roman" pitchFamily="18" charset="0"/>
+                          <a:cs typeface="Times New Roman" pitchFamily="18" charset="0"/>
+                        </a:rPr>
+                        <a:t>23</a:t>
+                      </a:r>
+                    </a:p>
+                    <a:p>
+                      <a:pPr marL="342900" marR="0" lvl="0" indent="-342900" algn="ctr" defTabSz="914400" rtl="0" eaLnBrk="0" fontAlgn="base" latinLnBrk="0" hangingPunct="0">
+                        <a:lnSpc>
+                          <a:spcPct val="100000"/>
+                        </a:lnSpc>
+                        <a:spcBef>
+                          <a:spcPct val="0"/>
+                        </a:spcBef>
+                        <a:spcAft>
+                          <a:spcPct val="0"/>
+                        </a:spcAft>
+                        <a:buClrTx/>
+                        <a:buSzTx/>
+                        <a:buFontTx/>
+                        <a:buNone/>
+                        <a:tabLst/>
+                      </a:pPr>
+                      <a:r>
+                        <a:rPr kumimoji="0" lang="en-US" sz="2800" b="0" i="0" u="none" strike="noStrike" cap="none" normalizeH="0" baseline="0">
+                          <a:ln>
+                            <a:noFill/>
+                          </a:ln>
+                          <a:solidFill>
+                            <a:schemeClr val="tx1"/>
+                          </a:solidFill>
+                          <a:effectLst/>
+                          <a:latin typeface="Times New Roman" pitchFamily="18" charset="0"/>
+                          <a:cs typeface="Times New Roman" pitchFamily="18" charset="0"/>
+                        </a:rPr>
+                        <a:t>(.192)</a:t>
+                      </a:r>
+                      <a:endParaRPr kumimoji="0" lang="en-US" sz="2800" b="0" i="0" u="none" strike="noStrike" cap="none" normalizeH="0" baseline="0">
+                        <a:ln>
+                          <a:noFill/>
+                        </a:ln>
+                        <a:solidFill>
+                          <a:schemeClr val="tx1"/>
+                        </a:solidFill>
+                        <a:effectLst/>
+                        <a:latin typeface="Arial" charset="0"/>
+                      </a:endParaRPr>
+                    </a:p>
+                  </a:txBody>
+                  <a:tcPr horzOverflow="overflow">
+                    <a:lnL w="12700" cap="flat" cmpd="sng" algn="ctr">
+                      <a:solidFill>
+                        <a:srgbClr val="000000"/>
+                      </a:solidFill>
+                      <a:prstDash val="solid"/>
+                      <a:round/>
+                      <a:headEnd type="none" w="med" len="med"/>
+                      <a:tailEnd type="none" w="med" len="med"/>
+                    </a:lnL>
+                    <a:lnR w="12700" cap="flat" cmpd="sng" algn="ctr">
+                      <a:solidFill>
+                        <a:srgbClr val="000000"/>
+                      </a:solidFill>
+                      <a:prstDash val="solid"/>
+                      <a:round/>
+                      <a:headEnd type="none" w="med" len="med"/>
+                      <a:tailEnd type="none" w="med" len="med"/>
+                    </a:lnR>
+                    <a:lnT w="12700" cap="flat" cmpd="sng" algn="ctr">
+                      <a:solidFill>
+                        <a:srgbClr val="000000"/>
+                      </a:solidFill>
+                      <a:prstDash val="solid"/>
+                      <a:round/>
+                      <a:headEnd type="none" w="med" len="med"/>
+                      <a:tailEnd type="none" w="med" len="med"/>
+                    </a:lnT>
+                    <a:lnB w="12700" cap="flat" cmpd="sng" algn="ctr">
+                      <a:solidFill>
+                        <a:srgbClr val="000000"/>
+                      </a:solidFill>
+                      <a:prstDash val="solid"/>
+                      <a:round/>
+                      <a:headEnd type="none" w="med" len="med"/>
+                      <a:tailEnd type="none" w="med" len="med"/>
+                    </a:lnB>
+                    <a:lnTlToBr>
+                      <a:noFill/>
+                    </a:lnTlToBr>
+                    <a:lnBlToTr>
+                      <a:noFill/>
+                    </a:lnBlToTr>
+                    <a:noFill/>
+                  </a:tcPr>
+                </a:tc>
+                <a:tc>
+                  <a:txBody>
+                    <a:bodyPr/>
+                    <a:lstStyle/>
+                    <a:p>
+                      <a:pPr marL="342900" marR="0" lvl="0" indent="-342900" algn="ctr" defTabSz="914400" rtl="0" eaLnBrk="1" fontAlgn="base" latinLnBrk="0" hangingPunct="1">
+                        <a:lnSpc>
+                          <a:spcPct val="100000"/>
+                        </a:lnSpc>
+                        <a:spcBef>
+                          <a:spcPct val="0"/>
+                        </a:spcBef>
+                        <a:spcAft>
+                          <a:spcPct val="0"/>
+                        </a:spcAft>
+                        <a:buClrTx/>
+                        <a:buSzTx/>
+                        <a:buFontTx/>
+                        <a:buNone/>
+                        <a:tabLst/>
+                      </a:pPr>
+                      <a:r>
+                        <a:rPr kumimoji="0" lang="en-US" sz="2800" b="0" i="0" u="none" strike="noStrike" cap="none" normalizeH="0" baseline="0">
+                          <a:ln>
+                            <a:noFill/>
+                          </a:ln>
+                          <a:solidFill>
+                            <a:schemeClr val="tx1"/>
+                          </a:solidFill>
+                          <a:effectLst/>
+                          <a:latin typeface="Times New Roman" pitchFamily="18" charset="0"/>
+                          <a:cs typeface="Times New Roman" pitchFamily="18" charset="0"/>
+                        </a:rPr>
+                        <a:t>97</a:t>
+                      </a:r>
+                    </a:p>
+                    <a:p>
+                      <a:pPr marL="342900" marR="0" lvl="0" indent="-342900" algn="ctr" defTabSz="914400" rtl="0" eaLnBrk="1" fontAlgn="base" latinLnBrk="0" hangingPunct="1">
+                        <a:lnSpc>
+                          <a:spcPct val="100000"/>
+                        </a:lnSpc>
+                        <a:spcBef>
+                          <a:spcPct val="0"/>
+                        </a:spcBef>
+                        <a:spcAft>
+                          <a:spcPct val="0"/>
+                        </a:spcAft>
+                        <a:buClrTx/>
+                        <a:buSzTx/>
+                        <a:buFontTx/>
+                        <a:buNone/>
+                        <a:tabLst/>
+                      </a:pPr>
+                      <a:r>
+                        <a:rPr kumimoji="0" lang="en-US" sz="2800" b="0" i="0" u="none" strike="noStrike" cap="none" normalizeH="0" baseline="0">
+                          <a:ln>
+                            <a:noFill/>
+                          </a:ln>
+                          <a:solidFill>
+                            <a:schemeClr val="tx1"/>
+                          </a:solidFill>
+                          <a:effectLst/>
+                          <a:latin typeface="Times New Roman" pitchFamily="18" charset="0"/>
+                          <a:cs typeface="Times New Roman" pitchFamily="18" charset="0"/>
+                        </a:rPr>
+                        <a:t>(.808)</a:t>
+                      </a:r>
+                      <a:endParaRPr kumimoji="0" lang="en-US" sz="2800" b="0" i="0" u="none" strike="noStrike" cap="none" normalizeH="0" baseline="0">
+                        <a:ln>
+                          <a:noFill/>
+                        </a:ln>
+                        <a:solidFill>
+                          <a:schemeClr val="tx1"/>
+                        </a:solidFill>
+                        <a:effectLst/>
+                        <a:latin typeface="Arial" charset="0"/>
+                      </a:endParaRPr>
+                    </a:p>
+                  </a:txBody>
+                  <a:tcPr horzOverflow="overflow">
+                    <a:lnL w="12700" cap="flat" cmpd="sng" algn="ctr">
+                      <a:solidFill>
+                        <a:srgbClr val="000000"/>
+                      </a:solidFill>
+                      <a:prstDash val="solid"/>
+                      <a:round/>
+                      <a:headEnd type="none" w="med" len="med"/>
+                      <a:tailEnd type="none" w="med" len="med"/>
+                    </a:lnL>
+                    <a:lnR w="12700" cap="flat" cmpd="sng" algn="ctr">
+                      <a:solidFill>
+                        <a:srgbClr val="000000"/>
+                      </a:solidFill>
+                      <a:prstDash val="solid"/>
+                      <a:round/>
+                      <a:headEnd type="none" w="med" len="med"/>
+                      <a:tailEnd type="none" w="med" len="med"/>
+                    </a:lnR>
+                    <a:lnT w="12700" cap="flat" cmpd="sng" algn="ctr">
+                      <a:solidFill>
+                        <a:srgbClr val="000000"/>
+                      </a:solidFill>
+                      <a:prstDash val="solid"/>
+                      <a:round/>
+                      <a:headEnd type="none" w="med" len="med"/>
+                      <a:tailEnd type="none" w="med" len="med"/>
+                    </a:lnT>
+                    <a:lnB w="12700" cap="flat" cmpd="sng" algn="ctr">
+                      <a:solidFill>
+                        <a:srgbClr val="000000"/>
+                      </a:solidFill>
+                      <a:prstDash val="solid"/>
+                      <a:round/>
+                      <a:headEnd type="none" w="med" len="med"/>
+                      <a:tailEnd type="none" w="med" len="med"/>
+                    </a:lnB>
+                    <a:lnTlToBr>
+                      <a:noFill/>
+                    </a:lnTlToBr>
+                    <a:lnBlToTr>
+                      <a:noFill/>
+                    </a:lnBlToTr>
+                    <a:noFill/>
+                  </a:tcPr>
+                </a:tc>
+                <a:tc>
+                  <a:txBody>
+                    <a:bodyPr/>
+                    <a:lstStyle/>
+                    <a:p>
+                      <a:pPr marL="342900" marR="0" lvl="0" indent="-342900" algn="ctr" defTabSz="914400" rtl="0" eaLnBrk="1" fontAlgn="base" latinLnBrk="0" hangingPunct="1">
                         <a:lnSpc>
                           <a:spcPct val="100000"/>
                         </a:lnSpc>
@@ -9202,389 +10279,7 @@
                           <a:latin typeface="Times New Roman" pitchFamily="18" charset="0"/>
                           <a:cs typeface="Times New Roman" pitchFamily="18" charset="0"/>
                         </a:rPr>
-                        <a:t>9</a:t>
-                      </a:r>
-                    </a:p>
-                    <a:p>
-                      <a:pPr marL="0" marR="0" lvl="0" indent="0" algn="ctr" defTabSz="914400" rtl="0" eaLnBrk="0" fontAlgn="base" latinLnBrk="0" hangingPunct="0">
-                        <a:lnSpc>
-                          <a:spcPct val="100000"/>
-                        </a:lnSpc>
-                        <a:spcBef>
-                          <a:spcPct val="0"/>
-                        </a:spcBef>
-                        <a:spcAft>
-                          <a:spcPct val="0"/>
-                        </a:spcAft>
-                        <a:buClrTx/>
-                        <a:buSzTx/>
-                        <a:buFontTx/>
-                        <a:buNone/>
-                        <a:tabLst/>
-                      </a:pPr>
-                      <a:r>
-                        <a:rPr kumimoji="0" lang="en-US" sz="2800" b="0" i="0" u="none" strike="noStrike" cap="none" normalizeH="0" baseline="0" dirty="0">
-                          <a:ln>
-                            <a:noFill/>
-                          </a:ln>
-                          <a:solidFill>
-                            <a:schemeClr val="tx1"/>
-                          </a:solidFill>
-                          <a:effectLst/>
-                          <a:latin typeface="Times New Roman" pitchFamily="18" charset="0"/>
-                          <a:cs typeface="Times New Roman" pitchFamily="18" charset="0"/>
-                        </a:rPr>
-                        <a:t>(.60)</a:t>
-                      </a:r>
-                      <a:endParaRPr kumimoji="0" lang="en-US" sz="2800" b="0" i="0" u="none" strike="noStrike" cap="none" normalizeH="0" baseline="0" dirty="0">
-                        <a:ln>
-                          <a:noFill/>
-                        </a:ln>
-                        <a:solidFill>
-                          <a:schemeClr val="tx1"/>
-                        </a:solidFill>
-                        <a:effectLst/>
-                        <a:latin typeface="Arial" charset="0"/>
-                      </a:endParaRPr>
-                    </a:p>
-                  </a:txBody>
-                  <a:tcPr horzOverflow="overflow">
-                    <a:lnL w="12700" cap="flat" cmpd="sng" algn="ctr">
-                      <a:solidFill>
-                        <a:srgbClr val="000000"/>
-                      </a:solidFill>
-                      <a:prstDash val="solid"/>
-                      <a:round/>
-                      <a:headEnd type="none" w="med" len="med"/>
-                      <a:tailEnd type="none" w="med" len="med"/>
-                    </a:lnL>
-                    <a:lnR w="12700" cap="flat" cmpd="sng" algn="ctr">
-                      <a:solidFill>
-                        <a:srgbClr val="000000"/>
-                      </a:solidFill>
-                      <a:prstDash val="solid"/>
-                      <a:round/>
-                      <a:headEnd type="none" w="med" len="med"/>
-                      <a:tailEnd type="none" w="med" len="med"/>
-                    </a:lnR>
-                    <a:lnT w="12700" cap="flat" cmpd="sng" algn="ctr">
-                      <a:solidFill>
-                        <a:srgbClr val="000000"/>
-                      </a:solidFill>
-                      <a:prstDash val="solid"/>
-                      <a:round/>
-                      <a:headEnd type="none" w="med" len="med"/>
-                      <a:tailEnd type="none" w="med" len="med"/>
-                    </a:lnT>
-                    <a:lnB w="12700" cap="flat" cmpd="sng" algn="ctr">
-                      <a:solidFill>
-                        <a:srgbClr val="000000"/>
-                      </a:solidFill>
-                      <a:prstDash val="solid"/>
-                      <a:round/>
-                      <a:headEnd type="none" w="med" len="med"/>
-                      <a:tailEnd type="none" w="med" len="med"/>
-                    </a:lnB>
-                    <a:lnTlToBr>
-                      <a:noFill/>
-                    </a:lnTlToBr>
-                    <a:lnBlToTr>
-                      <a:noFill/>
-                    </a:lnBlToTr>
-                    <a:noFill/>
-                  </a:tcPr>
-                </a:tc>
-                <a:extLst>
-                  <a:ext uri="{0D108BD9-81ED-4DB2-BD59-A6C34878D82A}">
-                    <a16:rowId xmlns:a16="http://schemas.microsoft.com/office/drawing/2014/main" val="10002"/>
-                  </a:ext>
-                </a:extLst>
-              </a:tr>
-              <a:tr h="574675">
-                <a:tc>
-                  <a:txBody>
-                    <a:bodyPr/>
-                    <a:lstStyle/>
-                    <a:p>
-                      <a:pPr marL="0" marR="0" lvl="0" indent="0" algn="l" defTabSz="914400" rtl="0" eaLnBrk="1" fontAlgn="base" latinLnBrk="0" hangingPunct="1">
-                        <a:lnSpc>
-                          <a:spcPct val="100000"/>
-                        </a:lnSpc>
-                        <a:spcBef>
-                          <a:spcPct val="0"/>
-                        </a:spcBef>
-                        <a:spcAft>
-                          <a:spcPct val="0"/>
-                        </a:spcAft>
-                        <a:buClrTx/>
-                        <a:buSzTx/>
-                        <a:buFontTx/>
-                        <a:buNone/>
-                        <a:tabLst/>
-                      </a:pPr>
-                      <a:r>
-                        <a:rPr kumimoji="0" lang="en-US" sz="2800" b="0" i="0" u="none" strike="noStrike" cap="none" normalizeH="0" baseline="0">
-                          <a:ln>
-                            <a:noFill/>
-                          </a:ln>
-                          <a:solidFill>
-                            <a:schemeClr val="tx1"/>
-                          </a:solidFill>
-                          <a:effectLst/>
-                          <a:latin typeface="Times New Roman" pitchFamily="18" charset="0"/>
-                          <a:cs typeface="Times New Roman" pitchFamily="18" charset="0"/>
-                        </a:rPr>
-                        <a:t>Total</a:t>
-                      </a:r>
-                      <a:endParaRPr kumimoji="0" lang="en-US" sz="2800" b="0" i="0" u="none" strike="noStrike" cap="none" normalizeH="0" baseline="0">
-                        <a:ln>
-                          <a:noFill/>
-                        </a:ln>
-                        <a:solidFill>
-                          <a:schemeClr val="tx1"/>
-                        </a:solidFill>
-                        <a:effectLst/>
-                        <a:latin typeface="Arial" charset="0"/>
-                      </a:endParaRPr>
-                    </a:p>
-                  </a:txBody>
-                  <a:tcPr horzOverflow="overflow">
-                    <a:lnL w="12700" cap="flat" cmpd="sng" algn="ctr">
-                      <a:solidFill>
-                        <a:srgbClr val="000000"/>
-                      </a:solidFill>
-                      <a:prstDash val="solid"/>
-                      <a:round/>
-                      <a:headEnd type="none" w="med" len="med"/>
-                      <a:tailEnd type="none" w="med" len="med"/>
-                    </a:lnL>
-                    <a:lnR w="12700" cap="flat" cmpd="sng" algn="ctr">
-                      <a:solidFill>
-                        <a:srgbClr val="000000"/>
-                      </a:solidFill>
-                      <a:prstDash val="solid"/>
-                      <a:round/>
-                      <a:headEnd type="none" w="med" len="med"/>
-                      <a:tailEnd type="none" w="med" len="med"/>
-                    </a:lnR>
-                    <a:lnT w="12700" cap="flat" cmpd="sng" algn="ctr">
-                      <a:solidFill>
-                        <a:srgbClr val="000000"/>
-                      </a:solidFill>
-                      <a:prstDash val="solid"/>
-                      <a:round/>
-                      <a:headEnd type="none" w="med" len="med"/>
-                      <a:tailEnd type="none" w="med" len="med"/>
-                    </a:lnT>
-                    <a:lnB w="12700" cap="flat" cmpd="sng" algn="ctr">
-                      <a:solidFill>
-                        <a:srgbClr val="000000"/>
-                      </a:solidFill>
-                      <a:prstDash val="solid"/>
-                      <a:round/>
-                      <a:headEnd type="none" w="med" len="med"/>
-                      <a:tailEnd type="none" w="med" len="med"/>
-                    </a:lnB>
-                    <a:lnTlToBr>
-                      <a:noFill/>
-                    </a:lnTlToBr>
-                    <a:lnBlToTr>
-                      <a:noFill/>
-                    </a:lnBlToTr>
-                    <a:noFill/>
-                  </a:tcPr>
-                </a:tc>
-                <a:tc>
-                  <a:txBody>
-                    <a:bodyPr/>
-                    <a:lstStyle/>
-                    <a:p>
-                      <a:pPr marL="0" marR="0" lvl="0" indent="0" algn="ctr" defTabSz="914400" rtl="0" eaLnBrk="1" fontAlgn="base" latinLnBrk="0" hangingPunct="1">
-                        <a:lnSpc>
-                          <a:spcPct val="100000"/>
-                        </a:lnSpc>
-                        <a:spcBef>
-                          <a:spcPct val="0"/>
-                        </a:spcBef>
-                        <a:spcAft>
-                          <a:spcPct val="0"/>
-                        </a:spcAft>
-                        <a:buClrTx/>
-                        <a:buSzTx/>
-                        <a:buFontTx/>
-                        <a:buNone/>
-                        <a:tabLst/>
-                      </a:pPr>
-                      <a:r>
-                        <a:rPr kumimoji="0" lang="en-US" sz="2800" b="0" i="0" u="none" strike="noStrike" cap="none" normalizeH="0" baseline="0">
-                          <a:ln>
-                            <a:noFill/>
-                          </a:ln>
-                          <a:solidFill>
-                            <a:schemeClr val="tx1"/>
-                          </a:solidFill>
-                          <a:effectLst/>
-                          <a:latin typeface="Times New Roman" pitchFamily="18" charset="0"/>
-                          <a:cs typeface="Times New Roman" pitchFamily="18" charset="0"/>
-                        </a:rPr>
-                        <a:t>19</a:t>
-                      </a:r>
-                    </a:p>
-                    <a:p>
-                      <a:pPr marL="0" marR="0" lvl="0" indent="0" algn="ctr" defTabSz="914400" rtl="0" eaLnBrk="0" fontAlgn="base" latinLnBrk="0" hangingPunct="0">
-                        <a:lnSpc>
-                          <a:spcPct val="100000"/>
-                        </a:lnSpc>
-                        <a:spcBef>
-                          <a:spcPct val="0"/>
-                        </a:spcBef>
-                        <a:spcAft>
-                          <a:spcPct val="0"/>
-                        </a:spcAft>
-                        <a:buClrTx/>
-                        <a:buSzTx/>
-                        <a:buFontTx/>
-                        <a:buNone/>
-                        <a:tabLst/>
-                      </a:pPr>
-                      <a:r>
-                        <a:rPr kumimoji="0" lang="en-US" sz="2800" b="0" i="0" u="none" strike="noStrike" cap="none" normalizeH="0" baseline="0">
-                          <a:ln>
-                            <a:noFill/>
-                          </a:ln>
-                          <a:solidFill>
-                            <a:schemeClr val="tx1"/>
-                          </a:solidFill>
-                          <a:effectLst/>
-                          <a:latin typeface="Times New Roman" pitchFamily="18" charset="0"/>
-                          <a:cs typeface="Times New Roman" pitchFamily="18" charset="0"/>
-                        </a:rPr>
-                        <a:t>(.633)</a:t>
-                      </a:r>
-                      <a:endParaRPr kumimoji="0" lang="en-US" sz="2800" b="0" i="0" u="none" strike="noStrike" cap="none" normalizeH="0" baseline="0">
-                        <a:ln>
-                          <a:noFill/>
-                        </a:ln>
-                        <a:solidFill>
-                          <a:schemeClr val="tx1"/>
-                        </a:solidFill>
-                        <a:effectLst/>
-                        <a:latin typeface="Arial" charset="0"/>
-                      </a:endParaRPr>
-                    </a:p>
-                  </a:txBody>
-                  <a:tcPr horzOverflow="overflow">
-                    <a:lnL w="12700" cap="flat" cmpd="sng" algn="ctr">
-                      <a:solidFill>
-                        <a:srgbClr val="000000"/>
-                      </a:solidFill>
-                      <a:prstDash val="solid"/>
-                      <a:round/>
-                      <a:headEnd type="none" w="med" len="med"/>
-                      <a:tailEnd type="none" w="med" len="med"/>
-                    </a:lnL>
-                    <a:lnR w="12700" cap="flat" cmpd="sng" algn="ctr">
-                      <a:solidFill>
-                        <a:srgbClr val="000000"/>
-                      </a:solidFill>
-                      <a:prstDash val="solid"/>
-                      <a:round/>
-                      <a:headEnd type="none" w="med" len="med"/>
-                      <a:tailEnd type="none" w="med" len="med"/>
-                    </a:lnR>
-                    <a:lnT w="12700" cap="flat" cmpd="sng" algn="ctr">
-                      <a:solidFill>
-                        <a:srgbClr val="000000"/>
-                      </a:solidFill>
-                      <a:prstDash val="solid"/>
-                      <a:round/>
-                      <a:headEnd type="none" w="med" len="med"/>
-                      <a:tailEnd type="none" w="med" len="med"/>
-                    </a:lnT>
-                    <a:lnB w="12700" cap="flat" cmpd="sng" algn="ctr">
-                      <a:solidFill>
-                        <a:srgbClr val="000000"/>
-                      </a:solidFill>
-                      <a:prstDash val="solid"/>
-                      <a:round/>
-                      <a:headEnd type="none" w="med" len="med"/>
-                      <a:tailEnd type="none" w="med" len="med"/>
-                    </a:lnB>
-                    <a:lnTlToBr>
-                      <a:noFill/>
-                    </a:lnTlToBr>
-                    <a:lnBlToTr>
-                      <a:noFill/>
-                    </a:lnBlToTr>
-                    <a:noFill/>
-                  </a:tcPr>
-                </a:tc>
-                <a:tc>
-                  <a:txBody>
-                    <a:bodyPr/>
-                    <a:lstStyle/>
-                    <a:p>
-                      <a:pPr marL="0" marR="0" lvl="0" indent="0" algn="ctr" defTabSz="914400" rtl="0" eaLnBrk="1" fontAlgn="base" latinLnBrk="0" hangingPunct="1">
-                        <a:lnSpc>
-                          <a:spcPct val="100000"/>
-                        </a:lnSpc>
-                        <a:spcBef>
-                          <a:spcPct val="0"/>
-                        </a:spcBef>
-                        <a:spcAft>
-                          <a:spcPct val="0"/>
-                        </a:spcAft>
-                        <a:buClrTx/>
-                        <a:buSzTx/>
-                        <a:buFontTx/>
-                        <a:buNone/>
-                        <a:tabLst/>
-                      </a:pPr>
-                      <a:r>
-                        <a:rPr kumimoji="0" lang="en-US" sz="2800" b="0" i="0" u="none" strike="noStrike" cap="none" normalizeH="0" baseline="0" dirty="0">
-                          <a:ln>
-                            <a:noFill/>
-                          </a:ln>
-                          <a:solidFill>
-                            <a:schemeClr val="tx1"/>
-                          </a:solidFill>
-                          <a:effectLst/>
-                          <a:latin typeface="Times New Roman" pitchFamily="18" charset="0"/>
-                          <a:cs typeface="Times New Roman" pitchFamily="18" charset="0"/>
-                        </a:rPr>
-                        <a:t>11</a:t>
-                      </a:r>
-                    </a:p>
-                    <a:p>
-                      <a:pPr marL="0" marR="0" lvl="0" indent="0" algn="ctr" defTabSz="914400" rtl="0" eaLnBrk="0" fontAlgn="base" latinLnBrk="0" hangingPunct="0">
-                        <a:lnSpc>
-                          <a:spcPct val="100000"/>
-                        </a:lnSpc>
-                        <a:spcBef>
-                          <a:spcPct val="0"/>
-                        </a:spcBef>
-                        <a:spcAft>
-                          <a:spcPct val="0"/>
-                        </a:spcAft>
-                        <a:buClrTx/>
-                        <a:buSzTx/>
-                        <a:buFontTx/>
-                        <a:buNone/>
-                        <a:tabLst/>
-                      </a:pPr>
-                      <a:r>
-                        <a:rPr kumimoji="0" lang="en-US" sz="2800" b="0" i="0" u="none" strike="noStrike" cap="none" normalizeH="0" baseline="0" dirty="0">
-                          <a:ln>
-                            <a:noFill/>
-                          </a:ln>
-                          <a:solidFill>
-                            <a:schemeClr val="tx1"/>
-                          </a:solidFill>
-                          <a:effectLst/>
-                          <a:latin typeface="Times New Roman" pitchFamily="18" charset="0"/>
-                          <a:cs typeface="Times New Roman" pitchFamily="18" charset="0"/>
-                        </a:rPr>
-                        <a:t>(.367)</a:t>
+                        <a:t>120</a:t>
                       </a:r>
                       <a:endParaRPr kumimoji="0" lang="en-US" sz="2800" b="0" i="0" u="none" strike="noStrike" cap="none" normalizeH="0" baseline="0" dirty="0">
                         <a:ln>
@@ -9657,264 +10352,7 @@
     </p:spTree>
     <p:extLst>
       <p:ext uri="{BB962C8B-B14F-4D97-AF65-F5344CB8AC3E}">
-        <p14:creationId xmlns:p14="http://schemas.microsoft.com/office/powerpoint/2010/main" val="2029526216"/>
-      </p:ext>
-    </p:extLst>
-  </p:cSld>
-  <p:clrMapOvr>
-    <a:masterClrMapping/>
-  </p:clrMapOvr>
-</p:sld>
-</file>
-
-<file path=ppt/slides/slide7.xml><?xml version="1.0" encoding="utf-8"?>
-<p:sld xmlns:a="http://schemas.openxmlformats.org/drawingml/2006/main" xmlns:r="http://schemas.openxmlformats.org/officeDocument/2006/relationships" xmlns:p="http://schemas.openxmlformats.org/presentationml/2006/main">
-  <p:cSld>
-    <p:spTree>
-      <p:nvGrpSpPr>
-        <p:cNvPr id="1" name=""/>
-        <p:cNvGrpSpPr/>
-        <p:nvPr/>
-      </p:nvGrpSpPr>
-      <p:grpSpPr>
-        <a:xfrm>
-          <a:off x="0" y="0"/>
-          <a:ext cx="0" cy="0"/>
-          <a:chOff x="0" y="0"/>
-          <a:chExt cx="0" cy="0"/>
-        </a:xfrm>
-      </p:grpSpPr>
-      <p:sp>
-        <p:nvSpPr>
-          <p:cNvPr id="2" name="Title 1">
-            <a:extLst>
-              <a:ext uri="{FF2B5EF4-FFF2-40B4-BE49-F238E27FC236}">
-                <a16:creationId xmlns:a16="http://schemas.microsoft.com/office/drawing/2014/main" id="{C9C316F5-C052-AE74-8E3C-723764656866}"/>
-              </a:ext>
-            </a:extLst>
-          </p:cNvPr>
-          <p:cNvSpPr>
-            <a:spLocks noGrp="1"/>
-          </p:cNvSpPr>
-          <p:nvPr>
-            <p:ph type="title"/>
-          </p:nvPr>
-        </p:nvSpPr>
-        <p:spPr/>
-        <p:txBody>
-          <a:bodyPr/>
-          <a:lstStyle/>
-          <a:p>
-            <a:r>
-              <a:rPr lang="en-US" dirty="0"/>
-              <a:t>Laptops in the classroom</a:t>
-            </a:r>
-          </a:p>
-        </p:txBody>
-      </p:sp>
-      <p:sp>
-        <p:nvSpPr>
-          <p:cNvPr id="3" name="Content Placeholder 2">
-            <a:extLst>
-              <a:ext uri="{FF2B5EF4-FFF2-40B4-BE49-F238E27FC236}">
-                <a16:creationId xmlns:a16="http://schemas.microsoft.com/office/drawing/2014/main" id="{31DE2EA4-2EE3-5604-19F2-EB46EB17E9A0}"/>
-              </a:ext>
-            </a:extLst>
-          </p:cNvPr>
-          <p:cNvSpPr>
-            <a:spLocks noGrp="1"/>
-          </p:cNvSpPr>
-          <p:nvPr>
-            <p:ph idx="1"/>
-          </p:nvPr>
-        </p:nvSpPr>
-        <p:spPr/>
-        <p:txBody>
-          <a:bodyPr/>
-          <a:lstStyle/>
-          <a:p>
-            <a:r>
-              <a:rPr lang="en-US" dirty="0"/>
-              <a:t>Evidence against</a:t>
-            </a:r>
-          </a:p>
-          <a:p>
-            <a:pPr lvl="1"/>
-            <a:r>
-              <a:rPr lang="en-US" dirty="0"/>
-              <a:t>Distraction caused by multitasking (Sana et al. 2013)</a:t>
-            </a:r>
-          </a:p>
-          <a:p>
-            <a:pPr lvl="1"/>
-            <a:r>
-              <a:rPr lang="en-US" dirty="0"/>
-              <a:t>Writing is better (Mueller &amp; Oppenheimer, 2014)</a:t>
-            </a:r>
-          </a:p>
-          <a:p>
-            <a:r>
-              <a:rPr lang="en-US" dirty="0"/>
-              <a:t>Methodological challenges</a:t>
-            </a:r>
-          </a:p>
-          <a:p>
-            <a:pPr lvl="1"/>
-            <a:r>
-              <a:rPr lang="en-US" dirty="0"/>
-              <a:t>Grades are a problematic DV</a:t>
-            </a:r>
-          </a:p>
-          <a:p>
-            <a:pPr lvl="1"/>
-            <a:r>
-              <a:rPr lang="en-US" dirty="0"/>
-              <a:t>Too many extraneous variables to control</a:t>
-            </a:r>
-          </a:p>
-          <a:p>
-            <a:r>
-              <a:rPr lang="en-US" dirty="0"/>
-              <a:t>External validity</a:t>
-            </a:r>
-          </a:p>
-          <a:p>
-            <a:pPr lvl="1"/>
-            <a:r>
-              <a:rPr lang="en-US" dirty="0"/>
-              <a:t>Differences in students, teachers, material</a:t>
-            </a:r>
-          </a:p>
-          <a:p>
-            <a:pPr lvl="1"/>
-            <a:r>
-              <a:rPr lang="en-US" dirty="0"/>
-              <a:t>Changes over time due to greater experience with technology?</a:t>
-            </a:r>
-          </a:p>
-        </p:txBody>
-      </p:sp>
-    </p:spTree>
-    <p:extLst>
-      <p:ext uri="{BB962C8B-B14F-4D97-AF65-F5344CB8AC3E}">
-        <p14:creationId xmlns:p14="http://schemas.microsoft.com/office/powerpoint/2010/main" val="1681685781"/>
-      </p:ext>
-    </p:extLst>
-  </p:cSld>
-  <p:clrMapOvr>
-    <a:masterClrMapping/>
-  </p:clrMapOvr>
-</p:sld>
-</file>
-
-<file path=ppt/slides/slide8.xml><?xml version="1.0" encoding="utf-8"?>
-<p:sld xmlns:a="http://schemas.openxmlformats.org/drawingml/2006/main" xmlns:r="http://schemas.openxmlformats.org/officeDocument/2006/relationships" xmlns:p="http://schemas.openxmlformats.org/presentationml/2006/main">
-  <p:cSld>
-    <p:spTree>
-      <p:nvGrpSpPr>
-        <p:cNvPr id="1" name=""/>
-        <p:cNvGrpSpPr/>
-        <p:nvPr/>
-      </p:nvGrpSpPr>
-      <p:grpSpPr>
-        <a:xfrm>
-          <a:off x="0" y="0"/>
-          <a:ext cx="0" cy="0"/>
-          <a:chOff x="0" y="0"/>
-          <a:chExt cx="0" cy="0"/>
-        </a:xfrm>
-      </p:grpSpPr>
-      <p:sp>
-        <p:nvSpPr>
-          <p:cNvPr id="2" name="Title 1">
-            <a:extLst>
-              <a:ext uri="{FF2B5EF4-FFF2-40B4-BE49-F238E27FC236}">
-                <a16:creationId xmlns:a16="http://schemas.microsoft.com/office/drawing/2014/main" id="{121A0376-8412-9804-DF3B-00D7C9B624DD}"/>
-              </a:ext>
-            </a:extLst>
-          </p:cNvPr>
-          <p:cNvSpPr>
-            <a:spLocks noGrp="1"/>
-          </p:cNvSpPr>
-          <p:nvPr>
-            <p:ph type="title"/>
-          </p:nvPr>
-        </p:nvSpPr>
-        <p:spPr/>
-        <p:txBody>
-          <a:bodyPr/>
-          <a:lstStyle/>
-          <a:p>
-            <a:r>
-              <a:rPr lang="en-US" dirty="0"/>
-              <a:t>Training intervention</a:t>
-            </a:r>
-          </a:p>
-        </p:txBody>
-      </p:sp>
-      <p:sp>
-        <p:nvSpPr>
-          <p:cNvPr id="3" name="Content Placeholder 2">
-            <a:extLst>
-              <a:ext uri="{FF2B5EF4-FFF2-40B4-BE49-F238E27FC236}">
-                <a16:creationId xmlns:a16="http://schemas.microsoft.com/office/drawing/2014/main" id="{D9B74437-F3E7-B1DB-C562-C1C12F264875}"/>
-              </a:ext>
-            </a:extLst>
-          </p:cNvPr>
-          <p:cNvSpPr>
-            <a:spLocks noGrp="1"/>
-          </p:cNvSpPr>
-          <p:nvPr>
-            <p:ph idx="1"/>
-          </p:nvPr>
-        </p:nvSpPr>
-        <p:spPr/>
-        <p:txBody>
-          <a:bodyPr/>
-          <a:lstStyle/>
-          <a:p>
-            <a:r>
-              <a:rPr lang="en-US" dirty="0"/>
-              <a:t>Targeted skill training</a:t>
-            </a:r>
-          </a:p>
-          <a:p>
-            <a:pPr lvl="1"/>
-            <a:r>
-              <a:rPr lang="en-US" dirty="0"/>
-              <a:t>Shorter time course, 4-6 weeks</a:t>
-            </a:r>
-          </a:p>
-          <a:p>
-            <a:pPr lvl="1"/>
-            <a:r>
-              <a:rPr lang="en-US" dirty="0"/>
-              <a:t>Large numbers of students, all getting identical content</a:t>
-            </a:r>
-          </a:p>
-          <a:p>
-            <a:pPr lvl="1"/>
-            <a:endParaRPr lang="en-US" dirty="0"/>
-          </a:p>
-          <a:p>
-            <a:r>
-              <a:rPr lang="en-US" dirty="0"/>
-              <a:t>Can memory theory be used to accelerate training?</a:t>
-            </a:r>
-          </a:p>
-          <a:p>
-            <a:pPr lvl="1"/>
-            <a:r>
-              <a:rPr lang="en-US" dirty="0"/>
-              <a:t>Intervention to speed learning</a:t>
-            </a:r>
-          </a:p>
-        </p:txBody>
-      </p:sp>
-    </p:spTree>
-    <p:extLst>
-      <p:ext uri="{BB962C8B-B14F-4D97-AF65-F5344CB8AC3E}">
-        <p14:creationId xmlns:p14="http://schemas.microsoft.com/office/powerpoint/2010/main" val="1626187573"/>
+        <p14:creationId xmlns:p14="http://schemas.microsoft.com/office/powerpoint/2010/main" val="835678023"/>
       </p:ext>
     </p:extLst>
   </p:cSld>
@@ -9943,1584 +10381,159 @@
       </p:grpSpPr>
       <p:sp>
         <p:nvSpPr>
-          <p:cNvPr id="4" name="Rectangle 3">
+          <p:cNvPr id="5" name="Title 4">
             <a:extLst>
               <a:ext uri="{FF2B5EF4-FFF2-40B4-BE49-F238E27FC236}">
-                <a16:creationId xmlns:a16="http://schemas.microsoft.com/office/drawing/2014/main" id="{48BF34F6-A202-5E53-9E6A-231F740D4C85}"/>
+                <a16:creationId xmlns:a16="http://schemas.microsoft.com/office/drawing/2014/main" id="{03BF17BD-820C-F3F8-442D-9A847D815D50}"/>
               </a:ext>
             </a:extLst>
           </p:cNvPr>
-          <p:cNvSpPr/>
-          <p:nvPr/>
-        </p:nvSpPr>
-        <p:spPr bwMode="auto">
-          <a:xfrm>
-            <a:off x="6841637" y="2800068"/>
-            <a:ext cx="1695172" cy="762000"/>
-          </a:xfrm>
-          <a:prstGeom prst="rect">
-            <a:avLst/>
-          </a:prstGeom>
-          <a:solidFill>
-            <a:schemeClr val="accent3">
-              <a:lumMod val="40000"/>
-              <a:lumOff val="60000"/>
-            </a:schemeClr>
-          </a:solidFill>
-          <a:ln>
-            <a:headEnd type="none" w="med" len="med"/>
-            <a:tailEnd type="none" w="med" len="med"/>
-          </a:ln>
-        </p:spPr>
-        <p:style>
-          <a:lnRef idx="3">
-            <a:schemeClr val="lt1"/>
-          </a:lnRef>
-          <a:fillRef idx="1">
-            <a:schemeClr val="accent3"/>
-          </a:fillRef>
-          <a:effectRef idx="1">
-            <a:schemeClr val="accent3"/>
-          </a:effectRef>
-          <a:fontRef idx="minor">
-            <a:schemeClr val="lt1"/>
-          </a:fontRef>
-        </p:style>
-        <p:txBody>
-          <a:bodyPr vert="horz" wrap="square" lIns="91440" tIns="45720" rIns="91440" bIns="45720" numCol="1" rtlCol="0" anchor="ctr" anchorCtr="0" compatLnSpc="1">
-            <a:prstTxWarp prst="textNoShape">
-              <a:avLst/>
-            </a:prstTxWarp>
-          </a:bodyPr>
+          <p:cNvSpPr>
+            <a:spLocks noGrp="1"/>
+          </p:cNvSpPr>
+          <p:nvPr>
+            <p:ph type="title"/>
+          </p:nvPr>
+        </p:nvSpPr>
+        <p:spPr/>
+        <p:txBody>
+          <a:bodyPr/>
           <a:lstStyle/>
           <a:p>
-            <a:pPr algn="ctr" fontAlgn="base">
-              <a:spcBef>
-                <a:spcPct val="0"/>
-              </a:spcBef>
-              <a:spcAft>
-                <a:spcPct val="0"/>
-              </a:spcAft>
-            </a:pPr>
-            <a:r>
-              <a:rPr lang="en-US" sz="1600" b="1" i="1" dirty="0">
-                <a:solidFill>
-                  <a:schemeClr val="accent5">
-                    <a:lumMod val="60000"/>
-                    <a:lumOff val="40000"/>
-                  </a:schemeClr>
-                </a:solidFill>
-                <a:latin typeface="Arial" charset="0"/>
-              </a:rPr>
-              <a:t>No training</a:t>
-            </a:r>
-          </a:p>
-        </p:txBody>
-      </p:sp>
-      <p:sp>
-        <p:nvSpPr>
-          <p:cNvPr id="5" name="Rectangle 4">
+            <a:r>
+              <a:rPr lang="en-US" dirty="0"/>
+              <a:t>Chapter 16 Assignment</a:t>
+            </a:r>
+          </a:p>
+        </p:txBody>
+      </p:sp>
+      <p:sp>
+        <p:nvSpPr>
+          <p:cNvPr id="6" name="Content Placeholder 5">
             <a:extLst>
               <a:ext uri="{FF2B5EF4-FFF2-40B4-BE49-F238E27FC236}">
-                <a16:creationId xmlns:a16="http://schemas.microsoft.com/office/drawing/2014/main" id="{5CFD65CF-E299-65E8-0BD9-7520D6EB8991}"/>
+                <a16:creationId xmlns:a16="http://schemas.microsoft.com/office/drawing/2014/main" id="{40261A22-8D14-4392-3C9A-3E9240723C17}"/>
               </a:ext>
             </a:extLst>
           </p:cNvPr>
-          <p:cNvSpPr/>
-          <p:nvPr/>
-        </p:nvSpPr>
-        <p:spPr bwMode="auto">
-          <a:xfrm>
-            <a:off x="2780742" y="3082262"/>
-            <a:ext cx="838200" cy="1981200"/>
-          </a:xfrm>
-          <a:prstGeom prst="rect">
-            <a:avLst/>
-          </a:prstGeom>
-          <a:ln>
-            <a:headEnd type="none" w="med" len="med"/>
-            <a:tailEnd type="none" w="med" len="med"/>
-          </a:ln>
-        </p:spPr>
-        <p:style>
-          <a:lnRef idx="3">
-            <a:schemeClr val="lt1"/>
-          </a:lnRef>
-          <a:fillRef idx="1">
-            <a:schemeClr val="accent3"/>
-          </a:fillRef>
-          <a:effectRef idx="1">
-            <a:schemeClr val="accent3"/>
-          </a:effectRef>
-          <a:fontRef idx="minor">
-            <a:schemeClr val="lt1"/>
-          </a:fontRef>
-        </p:style>
-        <p:txBody>
-          <a:bodyPr vert="horz" wrap="square" lIns="91440" tIns="45720" rIns="91440" bIns="45720" numCol="1" rtlCol="0" anchor="ctr" anchorCtr="0" compatLnSpc="1">
-            <a:prstTxWarp prst="textNoShape">
-              <a:avLst/>
-            </a:prstTxWarp>
+          <p:cNvSpPr>
+            <a:spLocks noGrp="1"/>
+          </p:cNvSpPr>
+          <p:nvPr>
+            <p:ph idx="1"/>
+          </p:nvPr>
+        </p:nvSpPr>
+        <p:spPr/>
+        <p:txBody>
+          <a:bodyPr>
+            <a:normAutofit/>
           </a:bodyPr>
           <a:lstStyle/>
           <a:p>
-            <a:pPr fontAlgn="base">
-              <a:spcBef>
-                <a:spcPct val="0"/>
-              </a:spcBef>
-              <a:spcAft>
-                <a:spcPct val="0"/>
-              </a:spcAft>
-            </a:pPr>
-            <a:endParaRPr lang="en-US" sz="1600" b="1">
+            <a:pPr algn="l"/>
+            <a:r>
+              <a:rPr lang="en-US" b="0" i="0" dirty="0">
+                <a:solidFill>
+                  <a:srgbClr val="2D3B45"/>
+                </a:solidFill>
+                <a:effectLst/>
+                <a:latin typeface="Lato Extended"/>
+              </a:rPr>
+              <a:t>Q1. A colleague helping with a research project comes to tell us in that the latest statistical analysis, they found an</a:t>
+            </a:r>
+            <a:r>
+              <a:rPr lang="en-US" b="0" i="1" dirty="0">
+                <a:solidFill>
+                  <a:srgbClr val="2D3B45"/>
+                </a:solidFill>
+                <a:effectLst/>
+                <a:latin typeface="Lato Extended"/>
+              </a:rPr>
+              <a:t> r</a:t>
+            </a:r>
+            <a:r>
+              <a:rPr lang="en-US" b="0" i="0" dirty="0">
+                <a:solidFill>
+                  <a:srgbClr val="2D3B45"/>
+                </a:solidFill>
+                <a:effectLst/>
+                <a:latin typeface="Lato Extended"/>
+              </a:rPr>
+              <a:t> = 2.30? Should we be excited?</a:t>
+            </a:r>
+          </a:p>
+          <a:p>
+            <a:pPr lvl="1"/>
+            <a:endParaRPr lang="en-US" b="0" i="0" dirty="0">
               <a:solidFill>
-                <a:srgbClr val="003399"/>
+                <a:srgbClr val="2D3B45"/>
               </a:solidFill>
-              <a:latin typeface="Arial" charset="0"/>
+              <a:effectLst/>
+              <a:latin typeface="Lato Extended"/>
             </a:endParaRPr>
           </a:p>
-        </p:txBody>
-      </p:sp>
-      <p:sp>
-        <p:nvSpPr>
-          <p:cNvPr id="6" name="Rectangle 5">
-            <a:extLst>
-              <a:ext uri="{FF2B5EF4-FFF2-40B4-BE49-F238E27FC236}">
-                <a16:creationId xmlns:a16="http://schemas.microsoft.com/office/drawing/2014/main" id="{AA3212F7-B92F-D881-E9C6-2DBC7D1B611B}"/>
-              </a:ext>
-            </a:extLst>
-          </p:cNvPr>
-          <p:cNvSpPr/>
-          <p:nvPr/>
-        </p:nvSpPr>
-        <p:spPr bwMode="auto">
-          <a:xfrm>
-            <a:off x="4208669" y="2800068"/>
-            <a:ext cx="1695172" cy="762000"/>
-          </a:xfrm>
-          <a:prstGeom prst="rect">
-            <a:avLst/>
-          </a:prstGeom>
-          <a:ln>
-            <a:headEnd type="none" w="med" len="med"/>
-            <a:tailEnd type="none" w="med" len="med"/>
-          </a:ln>
-        </p:spPr>
-        <p:style>
-          <a:lnRef idx="3">
-            <a:schemeClr val="lt1"/>
-          </a:lnRef>
-          <a:fillRef idx="1">
-            <a:schemeClr val="accent3"/>
-          </a:fillRef>
-          <a:effectRef idx="1">
-            <a:schemeClr val="accent3"/>
-          </a:effectRef>
-          <a:fontRef idx="minor">
-            <a:schemeClr val="lt1"/>
-          </a:fontRef>
-        </p:style>
-        <p:txBody>
-          <a:bodyPr vert="horz" wrap="square" lIns="91440" tIns="45720" rIns="91440" bIns="45720" numCol="1" rtlCol="0" anchor="ctr" anchorCtr="0" compatLnSpc="1">
-            <a:prstTxWarp prst="textNoShape">
-              <a:avLst/>
-            </a:prstTxWarp>
-          </a:bodyPr>
-          <a:lstStyle/>
-          <a:p>
-            <a:pPr algn="ctr" fontAlgn="base">
-              <a:spcBef>
-                <a:spcPct val="0"/>
-              </a:spcBef>
-              <a:spcAft>
-                <a:spcPct val="0"/>
-              </a:spcAft>
-            </a:pPr>
-            <a:r>
-              <a:rPr lang="en-US" sz="1600" b="1" dirty="0">
+          <a:p>
+            <a:pPr algn="l"/>
+            <a:r>
+              <a:rPr lang="en-US" b="0" i="0" dirty="0">
                 <a:solidFill>
-                  <a:srgbClr val="003399"/>
+                  <a:srgbClr val="2D3B45"/>
                 </a:solidFill>
-                <a:latin typeface="Arial" charset="0"/>
+                <a:effectLst/>
+                <a:latin typeface="Lato Extended"/>
               </a:rPr>
-              <a:t>Intervention Training</a:t>
-            </a:r>
-          </a:p>
-        </p:txBody>
-      </p:sp>
-      <p:sp>
-        <p:nvSpPr>
-          <p:cNvPr id="7" name="Rectangle 6">
-            <a:extLst>
-              <a:ext uri="{FF2B5EF4-FFF2-40B4-BE49-F238E27FC236}">
-                <a16:creationId xmlns:a16="http://schemas.microsoft.com/office/drawing/2014/main" id="{E778C213-957D-4E2A-0DCB-6B630F932191}"/>
-              </a:ext>
-            </a:extLst>
-          </p:cNvPr>
-          <p:cNvSpPr/>
-          <p:nvPr/>
-        </p:nvSpPr>
-        <p:spPr bwMode="auto">
-          <a:xfrm>
-            <a:off x="4208669" y="4464109"/>
-            <a:ext cx="1695172" cy="762000"/>
-          </a:xfrm>
-          <a:prstGeom prst="rect">
-            <a:avLst/>
-          </a:prstGeom>
-          <a:solidFill>
-            <a:schemeClr val="accent3">
-              <a:lumMod val="40000"/>
-              <a:lumOff val="60000"/>
-            </a:schemeClr>
-          </a:solidFill>
-          <a:ln>
-            <a:headEnd type="none" w="med" len="med"/>
-            <a:tailEnd type="none" w="med" len="med"/>
-          </a:ln>
-        </p:spPr>
-        <p:style>
-          <a:lnRef idx="3">
-            <a:schemeClr val="lt1"/>
-          </a:lnRef>
-          <a:fillRef idx="1">
-            <a:schemeClr val="accent3"/>
-          </a:fillRef>
-          <a:effectRef idx="1">
-            <a:schemeClr val="accent3"/>
-          </a:effectRef>
-          <a:fontRef idx="minor">
-            <a:schemeClr val="lt1"/>
-          </a:fontRef>
-        </p:style>
-        <p:txBody>
-          <a:bodyPr vert="horz" wrap="square" lIns="91440" tIns="45720" rIns="91440" bIns="45720" numCol="1" rtlCol="0" anchor="ctr" anchorCtr="0" compatLnSpc="1">
-            <a:prstTxWarp prst="textNoShape">
-              <a:avLst/>
-            </a:prstTxWarp>
-          </a:bodyPr>
-          <a:lstStyle/>
-          <a:p>
-            <a:pPr algn="ctr" fontAlgn="base">
-              <a:spcBef>
-                <a:spcPct val="0"/>
-              </a:spcBef>
-              <a:spcAft>
-                <a:spcPct val="0"/>
-              </a:spcAft>
-            </a:pPr>
-            <a:r>
-              <a:rPr lang="en-US" sz="1600" b="1" i="1" dirty="0">
+              <a:t>Q2. A college administrator is choosing between 2 admissions tests, one that correlates with subsequent college performance </a:t>
+            </a:r>
+            <a:r>
+              <a:rPr lang="en-US" b="0" i="1" dirty="0">
                 <a:solidFill>
-                  <a:schemeClr val="accent5">
-                    <a:lumMod val="60000"/>
-                    <a:lumOff val="40000"/>
-                  </a:schemeClr>
+                  <a:srgbClr val="2D3B45"/>
                 </a:solidFill>
-                <a:latin typeface="Arial" charset="0"/>
+                <a:effectLst/>
+                <a:latin typeface="Lato Extended"/>
               </a:rPr>
-              <a:t>No training</a:t>
-            </a:r>
-          </a:p>
-        </p:txBody>
-      </p:sp>
-      <p:sp>
-        <p:nvSpPr>
-          <p:cNvPr id="8" name="Rectangle 7">
-            <a:extLst>
-              <a:ext uri="{FF2B5EF4-FFF2-40B4-BE49-F238E27FC236}">
-                <a16:creationId xmlns:a16="http://schemas.microsoft.com/office/drawing/2014/main" id="{8AF4A6F5-F055-936E-4919-AF12FAF965F8}"/>
-              </a:ext>
-            </a:extLst>
-          </p:cNvPr>
-          <p:cNvSpPr/>
-          <p:nvPr/>
-        </p:nvSpPr>
-        <p:spPr bwMode="auto">
-          <a:xfrm>
-            <a:off x="6042446" y="2281472"/>
-            <a:ext cx="381000" cy="3397787"/>
-          </a:xfrm>
-          <a:prstGeom prst="rect">
-            <a:avLst/>
-          </a:prstGeom>
-          <a:ln>
-            <a:headEnd type="none" w="med" len="med"/>
-            <a:tailEnd type="none" w="med" len="med"/>
-          </a:ln>
-        </p:spPr>
-        <p:style>
-          <a:lnRef idx="2">
-            <a:schemeClr val="accent6">
-              <a:shade val="50000"/>
-            </a:schemeClr>
-          </a:lnRef>
-          <a:fillRef idx="1">
-            <a:schemeClr val="accent6"/>
-          </a:fillRef>
-          <a:effectRef idx="0">
-            <a:schemeClr val="accent6"/>
-          </a:effectRef>
-          <a:fontRef idx="minor">
-            <a:schemeClr val="lt1"/>
-          </a:fontRef>
-        </p:style>
-        <p:txBody>
-          <a:bodyPr vert="vert270" wrap="square" lIns="91440" tIns="45720" rIns="91440" bIns="45720" numCol="1" rtlCol="0" anchor="ctr" anchorCtr="0" compatLnSpc="1">
-            <a:prstTxWarp prst="textNoShape">
-              <a:avLst/>
-            </a:prstTxWarp>
-          </a:bodyPr>
-          <a:lstStyle/>
-          <a:p>
-            <a:pPr algn="ctr" fontAlgn="base">
-              <a:spcBef>
-                <a:spcPct val="0"/>
-              </a:spcBef>
-              <a:spcAft>
-                <a:spcPct val="0"/>
-              </a:spcAft>
-            </a:pPr>
-            <a:r>
-              <a:rPr lang="en-US" sz="1600" b="1" dirty="0">
+              <a:t>r</a:t>
+            </a:r>
+            <a:r>
+              <a:rPr lang="en-US" b="0" i="0" dirty="0">
                 <a:solidFill>
-                  <a:srgbClr val="003399"/>
+                  <a:srgbClr val="2D3B45"/>
                 </a:solidFill>
-                <a:latin typeface="Arial" charset="0"/>
+                <a:effectLst/>
+                <a:latin typeface="Lato Extended"/>
               </a:rPr>
-              <a:t>Assessment - 1</a:t>
-            </a:r>
-          </a:p>
-        </p:txBody>
-      </p:sp>
-      <p:sp>
-        <p:nvSpPr>
-          <p:cNvPr id="9" name="Arrow: Right 8">
-            <a:extLst>
-              <a:ext uri="{FF2B5EF4-FFF2-40B4-BE49-F238E27FC236}">
-                <a16:creationId xmlns:a16="http://schemas.microsoft.com/office/drawing/2014/main" id="{7FD3732D-B217-3BF3-34F2-86CE64932D0D}"/>
-              </a:ext>
-            </a:extLst>
-          </p:cNvPr>
-          <p:cNvSpPr/>
-          <p:nvPr/>
-        </p:nvSpPr>
-        <p:spPr bwMode="auto">
-          <a:xfrm rot="21088868">
-            <a:off x="3765748" y="3217031"/>
-            <a:ext cx="381000" cy="265043"/>
-          </a:xfrm>
-          <a:prstGeom prst="rightArrow">
-            <a:avLst/>
-          </a:prstGeom>
-          <a:ln>
-            <a:headEnd type="none" w="med" len="med"/>
-            <a:tailEnd type="none" w="med" len="med"/>
-          </a:ln>
-        </p:spPr>
-        <p:style>
-          <a:lnRef idx="3">
-            <a:schemeClr val="lt1"/>
-          </a:lnRef>
-          <a:fillRef idx="1">
-            <a:schemeClr val="accent1"/>
-          </a:fillRef>
-          <a:effectRef idx="1">
-            <a:schemeClr val="accent1"/>
-          </a:effectRef>
-          <a:fontRef idx="minor">
-            <a:schemeClr val="lt1"/>
-          </a:fontRef>
-        </p:style>
-        <p:txBody>
-          <a:bodyPr vert="horz" wrap="square" lIns="91440" tIns="45720" rIns="91440" bIns="45720" numCol="1" rtlCol="0" anchor="ctr" anchorCtr="0" compatLnSpc="1">
-            <a:prstTxWarp prst="textNoShape">
-              <a:avLst/>
-            </a:prstTxWarp>
-          </a:bodyPr>
-          <a:lstStyle/>
-          <a:p>
-            <a:pPr fontAlgn="base">
-              <a:spcBef>
-                <a:spcPct val="0"/>
-              </a:spcBef>
-              <a:spcAft>
-                <a:spcPct val="0"/>
-              </a:spcAft>
-            </a:pPr>
-            <a:endParaRPr lang="en-US" sz="1600" b="1">
-              <a:solidFill>
-                <a:srgbClr val="003399"/>
-              </a:solidFill>
-              <a:latin typeface="Arial" charset="0"/>
-            </a:endParaRPr>
-          </a:p>
-        </p:txBody>
-      </p:sp>
-      <p:sp>
-        <p:nvSpPr>
-          <p:cNvPr id="10" name="Arrow: Right 9">
-            <a:extLst>
-              <a:ext uri="{FF2B5EF4-FFF2-40B4-BE49-F238E27FC236}">
-                <a16:creationId xmlns:a16="http://schemas.microsoft.com/office/drawing/2014/main" id="{3B58AD8F-537F-96FC-7BE4-587F804FBDD8}"/>
-              </a:ext>
-            </a:extLst>
-          </p:cNvPr>
-          <p:cNvSpPr/>
-          <p:nvPr/>
-        </p:nvSpPr>
-        <p:spPr bwMode="auto">
-          <a:xfrm rot="199713">
-            <a:off x="3765748" y="4635633"/>
-            <a:ext cx="381000" cy="265043"/>
-          </a:xfrm>
-          <a:prstGeom prst="rightArrow">
-            <a:avLst/>
-          </a:prstGeom>
-          <a:ln>
-            <a:headEnd type="none" w="med" len="med"/>
-            <a:tailEnd type="none" w="med" len="med"/>
-          </a:ln>
-        </p:spPr>
-        <p:style>
-          <a:lnRef idx="3">
-            <a:schemeClr val="lt1"/>
-          </a:lnRef>
-          <a:fillRef idx="1">
-            <a:schemeClr val="accent1"/>
-          </a:fillRef>
-          <a:effectRef idx="1">
-            <a:schemeClr val="accent1"/>
-          </a:effectRef>
-          <a:fontRef idx="minor">
-            <a:schemeClr val="lt1"/>
-          </a:fontRef>
-        </p:style>
-        <p:txBody>
-          <a:bodyPr vert="horz" wrap="square" lIns="91440" tIns="45720" rIns="91440" bIns="45720" numCol="1" rtlCol="0" anchor="ctr" anchorCtr="0" compatLnSpc="1">
-            <a:prstTxWarp prst="textNoShape">
-              <a:avLst/>
-            </a:prstTxWarp>
-          </a:bodyPr>
-          <a:lstStyle/>
-          <a:p>
-            <a:pPr fontAlgn="base">
-              <a:spcBef>
-                <a:spcPct val="0"/>
-              </a:spcBef>
-              <a:spcAft>
-                <a:spcPct val="0"/>
-              </a:spcAft>
-            </a:pPr>
-            <a:endParaRPr lang="en-US" sz="1600" b="1">
-              <a:solidFill>
-                <a:srgbClr val="003399"/>
-              </a:solidFill>
-              <a:latin typeface="Arial" charset="0"/>
-            </a:endParaRPr>
-          </a:p>
-        </p:txBody>
-      </p:sp>
-      <p:cxnSp>
-        <p:nvCxnSpPr>
-          <p:cNvPr id="11" name="Straight Connector 10">
-            <a:extLst>
-              <a:ext uri="{FF2B5EF4-FFF2-40B4-BE49-F238E27FC236}">
-                <a16:creationId xmlns:a16="http://schemas.microsoft.com/office/drawing/2014/main" id="{CF24B6BF-B603-F502-99EC-226B577A3C5A}"/>
-              </a:ext>
-            </a:extLst>
-          </p:cNvPr>
-          <p:cNvCxnSpPr>
-            <a:cxnSpLocks/>
-          </p:cNvCxnSpPr>
-          <p:nvPr/>
-        </p:nvCxnSpPr>
-        <p:spPr bwMode="auto">
-          <a:xfrm>
-            <a:off x="2548370" y="4072862"/>
-            <a:ext cx="1299172" cy="0"/>
-          </a:xfrm>
-          <a:prstGeom prst="line">
-            <a:avLst/>
-          </a:prstGeom>
-          <a:ln>
-            <a:headEnd type="none" w="med" len="med"/>
-            <a:tailEnd type="none" w="med" len="med"/>
-          </a:ln>
-        </p:spPr>
-        <p:style>
-          <a:lnRef idx="3">
-            <a:schemeClr val="accent1"/>
-          </a:lnRef>
-          <a:fillRef idx="0">
-            <a:schemeClr val="accent1"/>
-          </a:fillRef>
-          <a:effectRef idx="2">
-            <a:schemeClr val="accent1"/>
-          </a:effectRef>
-          <a:fontRef idx="minor">
-            <a:schemeClr val="tx1"/>
-          </a:fontRef>
-        </p:style>
-      </p:cxnSp>
-      <p:sp>
-        <p:nvSpPr>
-          <p:cNvPr id="12" name="Rectangle 11">
-            <a:extLst>
-              <a:ext uri="{FF2B5EF4-FFF2-40B4-BE49-F238E27FC236}">
-                <a16:creationId xmlns:a16="http://schemas.microsoft.com/office/drawing/2014/main" id="{A9311D96-9796-D54F-BF55-24E5050A7998}"/>
-              </a:ext>
-            </a:extLst>
-          </p:cNvPr>
-          <p:cNvSpPr/>
-          <p:nvPr/>
-        </p:nvSpPr>
-        <p:spPr>
-          <a:xfrm>
-            <a:off x="3314388" y="2331368"/>
-            <a:ext cx="585417" cy="923330"/>
-          </a:xfrm>
-          <a:prstGeom prst="rect">
-            <a:avLst/>
-          </a:prstGeom>
-          <a:noFill/>
-        </p:spPr>
-        <p:txBody>
-          <a:bodyPr wrap="none" lIns="91440" tIns="45720" rIns="91440" bIns="45720">
-            <a:spAutoFit/>
-          </a:bodyPr>
-          <a:lstStyle/>
-          <a:p>
-            <a:pPr algn="ctr"/>
-            <a:r>
-              <a:rPr lang="en-US" sz="5400" dirty="0">
-                <a:ln w="0"/>
+              <a:t> = -.54, and one for which, </a:t>
+            </a:r>
+            <a:r>
+              <a:rPr lang="en-US" b="0" i="1" dirty="0">
                 <a:solidFill>
-                  <a:schemeClr val="accent1"/>
+                  <a:srgbClr val="2D3B45"/>
                 </a:solidFill>
-                <a:effectLst>
-                  <a:outerShdw blurRad="38100" dist="25400" dir="5400000" algn="ctr" rotWithShape="0">
-                    <a:srgbClr val="6E747A">
-                      <a:alpha val="43000"/>
-                    </a:srgbClr>
-                  </a:outerShdw>
-                </a:effectLst>
+                <a:effectLst/>
+                <a:latin typeface="Lato Extended"/>
               </a:rPr>
-              <a:t>A</a:t>
-            </a:r>
-          </a:p>
-        </p:txBody>
-      </p:sp>
-      <p:sp>
-        <p:nvSpPr>
-          <p:cNvPr id="13" name="Rectangle 12">
-            <a:extLst>
-              <a:ext uri="{FF2B5EF4-FFF2-40B4-BE49-F238E27FC236}">
-                <a16:creationId xmlns:a16="http://schemas.microsoft.com/office/drawing/2014/main" id="{06B69BD2-44DB-19DE-4CC5-B101AC151AB2}"/>
-              </a:ext>
-            </a:extLst>
-          </p:cNvPr>
-          <p:cNvSpPr/>
-          <p:nvPr/>
-        </p:nvSpPr>
-        <p:spPr>
-          <a:xfrm>
-            <a:off x="3326409" y="4939999"/>
-            <a:ext cx="561372" cy="923330"/>
-          </a:xfrm>
-          <a:prstGeom prst="rect">
-            <a:avLst/>
-          </a:prstGeom>
-          <a:noFill/>
-        </p:spPr>
-        <p:txBody>
-          <a:bodyPr wrap="none" lIns="91440" tIns="45720" rIns="91440" bIns="45720">
-            <a:spAutoFit/>
-          </a:bodyPr>
-          <a:lstStyle/>
-          <a:p>
-            <a:pPr algn="ctr"/>
-            <a:r>
-              <a:rPr lang="en-US" sz="5400" dirty="0">
-                <a:ln w="0"/>
+              <a:t>r</a:t>
+            </a:r>
+            <a:r>
+              <a:rPr lang="en-US" b="0" i="0" dirty="0">
                 <a:solidFill>
-                  <a:schemeClr val="accent1"/>
+                  <a:srgbClr val="2D3B45"/>
                 </a:solidFill>
-                <a:effectLst>
-                  <a:outerShdw blurRad="38100" dist="25400" dir="5400000" algn="ctr" rotWithShape="0">
-                    <a:srgbClr val="6E747A">
-                      <a:alpha val="43000"/>
-                    </a:srgbClr>
-                  </a:outerShdw>
-                </a:effectLst>
+                <a:effectLst/>
+                <a:latin typeface="Lato Extended"/>
               </a:rPr>
-              <a:t>B</a:t>
-            </a:r>
-          </a:p>
-        </p:txBody>
-      </p:sp>
-      <p:sp>
-        <p:nvSpPr>
-          <p:cNvPr id="14" name="TextBox 13">
-            <a:extLst>
-              <a:ext uri="{FF2B5EF4-FFF2-40B4-BE49-F238E27FC236}">
-                <a16:creationId xmlns:a16="http://schemas.microsoft.com/office/drawing/2014/main" id="{1474348D-6BAD-C83C-2EF4-EFA40AEB0CAF}"/>
-              </a:ext>
-            </a:extLst>
-          </p:cNvPr>
-          <p:cNvSpPr txBox="1"/>
-          <p:nvPr/>
-        </p:nvSpPr>
-        <p:spPr>
-          <a:xfrm>
-            <a:off x="875970" y="3254698"/>
-            <a:ext cx="1828800" cy="2031325"/>
-          </a:xfrm>
-          <a:prstGeom prst="rect">
-            <a:avLst/>
-          </a:prstGeom>
-          <a:noFill/>
-        </p:spPr>
-        <p:txBody>
-          <a:bodyPr wrap="square" rtlCol="0">
-            <a:spAutoFit/>
-          </a:bodyPr>
-          <a:lstStyle/>
-          <a:p>
-            <a:r>
-              <a:rPr lang="en-US" dirty="0"/>
-              <a:t>Random assignment within a single  class, half students to “A” cohort and half to “B” cohort</a:t>
-            </a:r>
-          </a:p>
-        </p:txBody>
-      </p:sp>
-      <p:sp>
-        <p:nvSpPr>
-          <p:cNvPr id="15" name="Rectangle 14">
-            <a:extLst>
-              <a:ext uri="{FF2B5EF4-FFF2-40B4-BE49-F238E27FC236}">
-                <a16:creationId xmlns:a16="http://schemas.microsoft.com/office/drawing/2014/main" id="{DCC05804-9C5A-0C3C-08DE-9D2A31AA47B6}"/>
-              </a:ext>
-            </a:extLst>
-          </p:cNvPr>
-          <p:cNvSpPr/>
-          <p:nvPr/>
-        </p:nvSpPr>
-        <p:spPr bwMode="auto">
-          <a:xfrm>
-            <a:off x="8709446" y="2266307"/>
-            <a:ext cx="381000" cy="3379060"/>
-          </a:xfrm>
-          <a:prstGeom prst="rect">
-            <a:avLst/>
-          </a:prstGeom>
-          <a:ln>
-            <a:headEnd type="none" w="med" len="med"/>
-            <a:tailEnd type="none" w="med" len="med"/>
-          </a:ln>
-        </p:spPr>
-        <p:style>
-          <a:lnRef idx="2">
-            <a:schemeClr val="accent6">
-              <a:shade val="50000"/>
-            </a:schemeClr>
-          </a:lnRef>
-          <a:fillRef idx="1">
-            <a:schemeClr val="accent6"/>
-          </a:fillRef>
-          <a:effectRef idx="0">
-            <a:schemeClr val="accent6"/>
-          </a:effectRef>
-          <a:fontRef idx="minor">
-            <a:schemeClr val="lt1"/>
-          </a:fontRef>
-        </p:style>
-        <p:txBody>
-          <a:bodyPr vert="vert270" wrap="square" lIns="91440" tIns="45720" rIns="91440" bIns="45720" numCol="1" rtlCol="0" anchor="ctr" anchorCtr="0" compatLnSpc="1">
-            <a:prstTxWarp prst="textNoShape">
-              <a:avLst/>
-            </a:prstTxWarp>
-          </a:bodyPr>
-          <a:lstStyle/>
-          <a:p>
-            <a:pPr algn="ctr" fontAlgn="base">
-              <a:spcBef>
-                <a:spcPct val="0"/>
-              </a:spcBef>
-              <a:spcAft>
-                <a:spcPct val="0"/>
-              </a:spcAft>
-            </a:pPr>
-            <a:r>
-              <a:rPr lang="en-US" sz="1600" b="1" dirty="0">
-                <a:solidFill>
-                  <a:srgbClr val="003399"/>
-                </a:solidFill>
-                <a:latin typeface="Arial" charset="0"/>
-              </a:rPr>
-              <a:t>Assessment- 2</a:t>
-            </a:r>
-          </a:p>
-        </p:txBody>
-      </p:sp>
-      <p:sp>
-        <p:nvSpPr>
-          <p:cNvPr id="16" name="TextBox 15">
-            <a:extLst>
-              <a:ext uri="{FF2B5EF4-FFF2-40B4-BE49-F238E27FC236}">
-                <a16:creationId xmlns:a16="http://schemas.microsoft.com/office/drawing/2014/main" id="{97CC169F-6ED9-01B5-E1D3-CF66F46F09C0}"/>
-              </a:ext>
-            </a:extLst>
-          </p:cNvPr>
-          <p:cNvSpPr txBox="1"/>
-          <p:nvPr/>
-        </p:nvSpPr>
-        <p:spPr>
-          <a:xfrm>
-            <a:off x="3935678" y="1552673"/>
-            <a:ext cx="3171714" cy="369332"/>
-          </a:xfrm>
-          <a:prstGeom prst="rect">
-            <a:avLst/>
-          </a:prstGeom>
-          <a:noFill/>
-        </p:spPr>
-        <p:txBody>
-          <a:bodyPr wrap="square" rtlCol="0">
-            <a:spAutoFit/>
-          </a:bodyPr>
-          <a:lstStyle/>
-          <a:p>
-            <a:r>
-              <a:rPr lang="en-US" dirty="0"/>
-              <a:t>Test 1: A1 versus B1</a:t>
-            </a:r>
-          </a:p>
-        </p:txBody>
-      </p:sp>
-      <p:sp>
-        <p:nvSpPr>
-          <p:cNvPr id="17" name="TextBox 16">
-            <a:extLst>
-              <a:ext uri="{FF2B5EF4-FFF2-40B4-BE49-F238E27FC236}">
-                <a16:creationId xmlns:a16="http://schemas.microsoft.com/office/drawing/2014/main" id="{A6A3BC02-03A2-37D8-E998-A81309CEC372}"/>
-              </a:ext>
-            </a:extLst>
-          </p:cNvPr>
-          <p:cNvSpPr txBox="1"/>
-          <p:nvPr/>
-        </p:nvSpPr>
-        <p:spPr>
-          <a:xfrm>
-            <a:off x="4219321" y="6034433"/>
-            <a:ext cx="5270588" cy="369332"/>
-          </a:xfrm>
-          <a:prstGeom prst="rect">
-            <a:avLst/>
-          </a:prstGeom>
-          <a:noFill/>
-        </p:spPr>
-        <p:txBody>
-          <a:bodyPr wrap="square" rtlCol="0">
-            <a:spAutoFit/>
-          </a:bodyPr>
-          <a:lstStyle/>
-          <a:p>
-            <a:r>
-              <a:rPr lang="en-US" dirty="0"/>
-              <a:t>Test 2: B1 versus B2</a:t>
-            </a:r>
-          </a:p>
-        </p:txBody>
-      </p:sp>
-      <p:sp>
-        <p:nvSpPr>
-          <p:cNvPr id="18" name="TextBox 17">
-            <a:extLst>
-              <a:ext uri="{FF2B5EF4-FFF2-40B4-BE49-F238E27FC236}">
-                <a16:creationId xmlns:a16="http://schemas.microsoft.com/office/drawing/2014/main" id="{5611602E-F785-AE9B-2FEE-862149D08A46}"/>
-              </a:ext>
-            </a:extLst>
-          </p:cNvPr>
-          <p:cNvSpPr txBox="1"/>
-          <p:nvPr/>
-        </p:nvSpPr>
-        <p:spPr>
-          <a:xfrm>
-            <a:off x="7212278" y="1552674"/>
-            <a:ext cx="2819400" cy="369332"/>
-          </a:xfrm>
-          <a:prstGeom prst="rect">
-            <a:avLst/>
-          </a:prstGeom>
-          <a:noFill/>
-        </p:spPr>
-        <p:txBody>
-          <a:bodyPr wrap="square" rtlCol="0">
-            <a:spAutoFit/>
-          </a:bodyPr>
-          <a:lstStyle/>
-          <a:p>
-            <a:r>
-              <a:rPr lang="en-US" dirty="0"/>
-              <a:t>Test 3: A1 versus A2</a:t>
-            </a:r>
-          </a:p>
-        </p:txBody>
-      </p:sp>
-      <p:sp>
-        <p:nvSpPr>
-          <p:cNvPr id="19" name="Arrow: Up-Down 18">
-            <a:extLst>
-              <a:ext uri="{FF2B5EF4-FFF2-40B4-BE49-F238E27FC236}">
-                <a16:creationId xmlns:a16="http://schemas.microsoft.com/office/drawing/2014/main" id="{283DD5CF-D40D-E42A-6E3C-A26C5D128E5E}"/>
-              </a:ext>
-            </a:extLst>
-          </p:cNvPr>
-          <p:cNvSpPr/>
-          <p:nvPr/>
-        </p:nvSpPr>
-        <p:spPr bwMode="auto">
-          <a:xfrm>
-            <a:off x="6457995" y="3660986"/>
-            <a:ext cx="254474" cy="643037"/>
-          </a:xfrm>
-          <a:prstGeom prst="upDownArrow">
-            <a:avLst/>
-          </a:prstGeom>
-          <a:ln>
-            <a:headEnd type="none" w="med" len="med"/>
-            <a:tailEnd type="none" w="med" len="med"/>
-          </a:ln>
-        </p:spPr>
-        <p:style>
-          <a:lnRef idx="3">
-            <a:schemeClr val="lt1"/>
-          </a:lnRef>
-          <a:fillRef idx="1">
-            <a:schemeClr val="accent2"/>
-          </a:fillRef>
-          <a:effectRef idx="1">
-            <a:schemeClr val="accent2"/>
-          </a:effectRef>
-          <a:fontRef idx="minor">
-            <a:schemeClr val="lt1"/>
-          </a:fontRef>
-        </p:style>
-        <p:txBody>
-          <a:bodyPr vert="horz" wrap="square" lIns="91440" tIns="45720" rIns="91440" bIns="45720" numCol="1" rtlCol="0" anchor="ctr" anchorCtr="0" compatLnSpc="1">
-            <a:prstTxWarp prst="textNoShape">
-              <a:avLst/>
-            </a:prstTxWarp>
-          </a:bodyPr>
-          <a:lstStyle/>
-          <a:p>
-            <a:pPr fontAlgn="base">
-              <a:spcBef>
-                <a:spcPct val="0"/>
-              </a:spcBef>
-              <a:spcAft>
-                <a:spcPct val="0"/>
-              </a:spcAft>
-            </a:pPr>
-            <a:endParaRPr lang="en-US" sz="1600" b="1">
-              <a:solidFill>
-                <a:srgbClr val="003399"/>
-              </a:solidFill>
-              <a:latin typeface="Arial" charset="0"/>
-            </a:endParaRPr>
-          </a:p>
-        </p:txBody>
-      </p:sp>
-      <p:sp>
-        <p:nvSpPr>
-          <p:cNvPr id="20" name="Arrow: Up-Down 19">
-            <a:extLst>
-              <a:ext uri="{FF2B5EF4-FFF2-40B4-BE49-F238E27FC236}">
-                <a16:creationId xmlns:a16="http://schemas.microsoft.com/office/drawing/2014/main" id="{DD347D55-6018-2044-B04B-0E535165393C}"/>
-              </a:ext>
-            </a:extLst>
-          </p:cNvPr>
-          <p:cNvSpPr/>
-          <p:nvPr/>
-        </p:nvSpPr>
-        <p:spPr bwMode="auto">
-          <a:xfrm rot="16200000">
-            <a:off x="7752486" y="4341978"/>
-            <a:ext cx="254474" cy="2421445"/>
-          </a:xfrm>
-          <a:prstGeom prst="upDownArrow">
-            <a:avLst/>
-          </a:prstGeom>
-          <a:ln>
-            <a:headEnd type="none" w="med" len="med"/>
-            <a:tailEnd type="none" w="med" len="med"/>
-          </a:ln>
-        </p:spPr>
-        <p:style>
-          <a:lnRef idx="3">
-            <a:schemeClr val="lt1"/>
-          </a:lnRef>
-          <a:fillRef idx="1">
-            <a:schemeClr val="accent2"/>
-          </a:fillRef>
-          <a:effectRef idx="1">
-            <a:schemeClr val="accent2"/>
-          </a:effectRef>
-          <a:fontRef idx="minor">
-            <a:schemeClr val="lt1"/>
-          </a:fontRef>
-        </p:style>
-        <p:txBody>
-          <a:bodyPr vert="horz" wrap="square" lIns="91440" tIns="45720" rIns="91440" bIns="45720" numCol="1" rtlCol="0" anchor="ctr" anchorCtr="0" compatLnSpc="1">
-            <a:prstTxWarp prst="textNoShape">
-              <a:avLst/>
-            </a:prstTxWarp>
-          </a:bodyPr>
-          <a:lstStyle/>
-          <a:p>
-            <a:pPr fontAlgn="base">
-              <a:spcBef>
-                <a:spcPct val="0"/>
-              </a:spcBef>
-              <a:spcAft>
-                <a:spcPct val="0"/>
-              </a:spcAft>
-            </a:pPr>
-            <a:endParaRPr lang="en-US" sz="1600" b="1">
-              <a:solidFill>
-                <a:srgbClr val="003399"/>
-              </a:solidFill>
-              <a:latin typeface="Arial" charset="0"/>
-            </a:endParaRPr>
-          </a:p>
-        </p:txBody>
-      </p:sp>
-      <p:sp>
-        <p:nvSpPr>
-          <p:cNvPr id="21" name="Oval 20">
-            <a:extLst>
-              <a:ext uri="{FF2B5EF4-FFF2-40B4-BE49-F238E27FC236}">
-                <a16:creationId xmlns:a16="http://schemas.microsoft.com/office/drawing/2014/main" id="{A7BA40E1-1A24-A549-2D08-8114683CD8CB}"/>
-              </a:ext>
-            </a:extLst>
-          </p:cNvPr>
-          <p:cNvSpPr/>
-          <p:nvPr/>
-        </p:nvSpPr>
-        <p:spPr bwMode="auto">
-          <a:xfrm>
-            <a:off x="6589089" y="3738471"/>
-            <a:ext cx="630920" cy="457448"/>
-          </a:xfrm>
-          <a:prstGeom prst="ellipse">
-            <a:avLst/>
-          </a:prstGeom>
-          <a:noFill/>
-          <a:ln w="9525" cap="flat" cmpd="sng" algn="ctr">
-            <a:solidFill>
-              <a:schemeClr val="tx1"/>
-            </a:solidFill>
-            <a:prstDash val="solid"/>
-            <a:round/>
-            <a:headEnd type="none" w="med" len="med"/>
-            <a:tailEnd type="none" w="med" len="med"/>
-          </a:ln>
-          <a:effectLst/>
-        </p:spPr>
-        <p:txBody>
-          <a:bodyPr vert="horz" wrap="square" lIns="91440" tIns="45720" rIns="91440" bIns="45720" numCol="1" rtlCol="0" anchor="ctr" anchorCtr="0" compatLnSpc="1">
-            <a:prstTxWarp prst="textNoShape">
-              <a:avLst/>
-            </a:prstTxWarp>
-          </a:bodyPr>
-          <a:lstStyle/>
-          <a:p>
-            <a:pPr fontAlgn="base">
-              <a:spcBef>
-                <a:spcPct val="0"/>
-              </a:spcBef>
-              <a:spcAft>
-                <a:spcPct val="0"/>
-              </a:spcAft>
-            </a:pPr>
-            <a:r>
-              <a:rPr lang="en-US" sz="1600" b="1" dirty="0">
-                <a:solidFill>
-                  <a:srgbClr val="003399"/>
-                </a:solidFill>
-                <a:latin typeface="Arial" charset="0"/>
-              </a:rPr>
-              <a:t>T1</a:t>
-            </a:r>
-          </a:p>
-        </p:txBody>
-      </p:sp>
-      <p:sp>
-        <p:nvSpPr>
-          <p:cNvPr id="22" name="Oval 21">
-            <a:extLst>
-              <a:ext uri="{FF2B5EF4-FFF2-40B4-BE49-F238E27FC236}">
-                <a16:creationId xmlns:a16="http://schemas.microsoft.com/office/drawing/2014/main" id="{7C3562DE-6668-0D09-3100-825C7EBCB51F}"/>
-              </a:ext>
-            </a:extLst>
-          </p:cNvPr>
-          <p:cNvSpPr/>
-          <p:nvPr/>
-        </p:nvSpPr>
-        <p:spPr bwMode="auto">
-          <a:xfrm>
-            <a:off x="7632923" y="5552699"/>
-            <a:ext cx="646331" cy="457448"/>
-          </a:xfrm>
-          <a:prstGeom prst="ellipse">
-            <a:avLst/>
-          </a:prstGeom>
-          <a:noFill/>
-          <a:ln w="9525" cap="flat" cmpd="sng" algn="ctr">
-            <a:solidFill>
-              <a:schemeClr val="tx1"/>
-            </a:solidFill>
-            <a:prstDash val="solid"/>
-            <a:round/>
-            <a:headEnd type="none" w="med" len="med"/>
-            <a:tailEnd type="none" w="med" len="med"/>
-          </a:ln>
-          <a:effectLst/>
-        </p:spPr>
-        <p:txBody>
-          <a:bodyPr vert="horz" wrap="square" lIns="91440" tIns="45720" rIns="91440" bIns="45720" numCol="1" rtlCol="0" anchor="ctr" anchorCtr="0" compatLnSpc="1">
-            <a:prstTxWarp prst="textNoShape">
-              <a:avLst/>
-            </a:prstTxWarp>
-          </a:bodyPr>
-          <a:lstStyle/>
-          <a:p>
-            <a:pPr fontAlgn="base">
-              <a:spcBef>
-                <a:spcPct val="0"/>
-              </a:spcBef>
-              <a:spcAft>
-                <a:spcPct val="0"/>
-              </a:spcAft>
-            </a:pPr>
-            <a:r>
-              <a:rPr lang="en-US" sz="1600" b="1" dirty="0">
-                <a:solidFill>
-                  <a:srgbClr val="003399"/>
-                </a:solidFill>
-                <a:latin typeface="Arial" charset="0"/>
-              </a:rPr>
-              <a:t>T2</a:t>
-            </a:r>
-          </a:p>
-        </p:txBody>
-      </p:sp>
-      <p:sp>
-        <p:nvSpPr>
-          <p:cNvPr id="23" name="Rectangle 22">
-            <a:extLst>
-              <a:ext uri="{FF2B5EF4-FFF2-40B4-BE49-F238E27FC236}">
-                <a16:creationId xmlns:a16="http://schemas.microsoft.com/office/drawing/2014/main" id="{F2BEB149-68E7-8B3B-708F-51B78DE7196F}"/>
-              </a:ext>
-            </a:extLst>
-          </p:cNvPr>
-          <p:cNvSpPr/>
-          <p:nvPr/>
-        </p:nvSpPr>
-        <p:spPr bwMode="auto">
-          <a:xfrm>
-            <a:off x="6451605" y="2281472"/>
-            <a:ext cx="206667" cy="1342823"/>
-          </a:xfrm>
-          <a:prstGeom prst="rect">
-            <a:avLst/>
-          </a:prstGeom>
-          <a:ln>
-            <a:headEnd type="none" w="med" len="med"/>
-            <a:tailEnd type="none" w="med" len="med"/>
-          </a:ln>
-        </p:spPr>
-        <p:style>
-          <a:lnRef idx="2">
-            <a:schemeClr val="accent6">
-              <a:shade val="50000"/>
-            </a:schemeClr>
-          </a:lnRef>
-          <a:fillRef idx="1">
-            <a:schemeClr val="accent6"/>
-          </a:fillRef>
-          <a:effectRef idx="0">
-            <a:schemeClr val="accent6"/>
-          </a:effectRef>
-          <a:fontRef idx="minor">
-            <a:schemeClr val="lt1"/>
-          </a:fontRef>
-        </p:style>
-        <p:txBody>
-          <a:bodyPr vert="vert270" wrap="square" lIns="91440" tIns="45720" rIns="91440" bIns="45720" numCol="1" rtlCol="0" anchor="ctr" anchorCtr="0" compatLnSpc="1">
-            <a:prstTxWarp prst="textNoShape">
-              <a:avLst/>
-            </a:prstTxWarp>
-          </a:bodyPr>
-          <a:lstStyle/>
-          <a:p>
-            <a:pPr algn="ctr" fontAlgn="base">
-              <a:spcBef>
-                <a:spcPct val="0"/>
-              </a:spcBef>
-              <a:spcAft>
-                <a:spcPct val="0"/>
-              </a:spcAft>
-            </a:pPr>
-            <a:r>
-              <a:rPr lang="en-US" sz="1000" b="1" dirty="0">
-                <a:solidFill>
-                  <a:srgbClr val="003399"/>
-                </a:solidFill>
-                <a:latin typeface="Arial" charset="0"/>
-              </a:rPr>
-              <a:t>A1 Scores, Cohort A</a:t>
-            </a:r>
-          </a:p>
-        </p:txBody>
-      </p:sp>
-      <p:sp>
-        <p:nvSpPr>
-          <p:cNvPr id="24" name="Rectangle 23">
-            <a:extLst>
-              <a:ext uri="{FF2B5EF4-FFF2-40B4-BE49-F238E27FC236}">
-                <a16:creationId xmlns:a16="http://schemas.microsoft.com/office/drawing/2014/main" id="{0A2F6CD8-FADC-34D1-EAD4-95A3732F78C9}"/>
-              </a:ext>
-            </a:extLst>
-          </p:cNvPr>
-          <p:cNvSpPr/>
-          <p:nvPr/>
-        </p:nvSpPr>
-        <p:spPr bwMode="auto">
-          <a:xfrm>
-            <a:off x="6442891" y="4336436"/>
-            <a:ext cx="206667" cy="1342823"/>
-          </a:xfrm>
-          <a:prstGeom prst="rect">
-            <a:avLst/>
-          </a:prstGeom>
-          <a:ln>
-            <a:headEnd type="none" w="med" len="med"/>
-            <a:tailEnd type="none" w="med" len="med"/>
-          </a:ln>
-        </p:spPr>
-        <p:style>
-          <a:lnRef idx="2">
-            <a:schemeClr val="accent6">
-              <a:shade val="50000"/>
-            </a:schemeClr>
-          </a:lnRef>
-          <a:fillRef idx="1">
-            <a:schemeClr val="accent6"/>
-          </a:fillRef>
-          <a:effectRef idx="0">
-            <a:schemeClr val="accent6"/>
-          </a:effectRef>
-          <a:fontRef idx="minor">
-            <a:schemeClr val="lt1"/>
-          </a:fontRef>
-        </p:style>
-        <p:txBody>
-          <a:bodyPr vert="vert270" wrap="square" lIns="91440" tIns="45720" rIns="91440" bIns="45720" numCol="1" rtlCol="0" anchor="ctr" anchorCtr="0" compatLnSpc="1">
-            <a:prstTxWarp prst="textNoShape">
-              <a:avLst/>
-            </a:prstTxWarp>
-          </a:bodyPr>
-          <a:lstStyle/>
-          <a:p>
-            <a:pPr algn="ctr" fontAlgn="base">
-              <a:spcBef>
-                <a:spcPct val="0"/>
-              </a:spcBef>
-              <a:spcAft>
-                <a:spcPct val="0"/>
-              </a:spcAft>
-            </a:pPr>
-            <a:r>
-              <a:rPr lang="en-US" sz="1000" b="1" dirty="0">
-                <a:solidFill>
-                  <a:srgbClr val="003399"/>
-                </a:solidFill>
-                <a:latin typeface="Arial" charset="0"/>
-              </a:rPr>
-              <a:t>B1 Scores, Cohort B</a:t>
-            </a:r>
-          </a:p>
-        </p:txBody>
-      </p:sp>
-      <p:sp>
-        <p:nvSpPr>
-          <p:cNvPr id="25" name="Rectangle 24">
-            <a:extLst>
-              <a:ext uri="{FF2B5EF4-FFF2-40B4-BE49-F238E27FC236}">
-                <a16:creationId xmlns:a16="http://schemas.microsoft.com/office/drawing/2014/main" id="{6427AFDC-CE4F-4561-EA99-F6F1DBAEFB63}"/>
-              </a:ext>
-            </a:extLst>
-          </p:cNvPr>
-          <p:cNvSpPr/>
-          <p:nvPr/>
-        </p:nvSpPr>
-        <p:spPr bwMode="auto">
-          <a:xfrm>
-            <a:off x="9103771" y="2262315"/>
-            <a:ext cx="206667" cy="1342823"/>
-          </a:xfrm>
-          <a:prstGeom prst="rect">
-            <a:avLst/>
-          </a:prstGeom>
-          <a:ln>
-            <a:headEnd type="none" w="med" len="med"/>
-            <a:tailEnd type="none" w="med" len="med"/>
-          </a:ln>
-        </p:spPr>
-        <p:style>
-          <a:lnRef idx="2">
-            <a:schemeClr val="accent6">
-              <a:shade val="50000"/>
-            </a:schemeClr>
-          </a:lnRef>
-          <a:fillRef idx="1">
-            <a:schemeClr val="accent6"/>
-          </a:fillRef>
-          <a:effectRef idx="0">
-            <a:schemeClr val="accent6"/>
-          </a:effectRef>
-          <a:fontRef idx="minor">
-            <a:schemeClr val="lt1"/>
-          </a:fontRef>
-        </p:style>
-        <p:txBody>
-          <a:bodyPr vert="vert270" wrap="square" lIns="91440" tIns="45720" rIns="91440" bIns="45720" numCol="1" rtlCol="0" anchor="ctr" anchorCtr="0" compatLnSpc="1">
-            <a:prstTxWarp prst="textNoShape">
-              <a:avLst/>
-            </a:prstTxWarp>
-          </a:bodyPr>
-          <a:lstStyle/>
-          <a:p>
-            <a:pPr algn="ctr" fontAlgn="base">
-              <a:spcBef>
-                <a:spcPct val="0"/>
-              </a:spcBef>
-              <a:spcAft>
-                <a:spcPct val="0"/>
-              </a:spcAft>
-            </a:pPr>
-            <a:r>
-              <a:rPr lang="en-US" sz="1000" b="1" dirty="0">
-                <a:solidFill>
-                  <a:srgbClr val="003399"/>
-                </a:solidFill>
-                <a:latin typeface="Arial" charset="0"/>
-              </a:rPr>
-              <a:t>A2 Scores, Cohort A</a:t>
-            </a:r>
-          </a:p>
-        </p:txBody>
-      </p:sp>
-      <p:sp>
-        <p:nvSpPr>
-          <p:cNvPr id="26" name="Rectangle 25">
-            <a:extLst>
-              <a:ext uri="{FF2B5EF4-FFF2-40B4-BE49-F238E27FC236}">
-                <a16:creationId xmlns:a16="http://schemas.microsoft.com/office/drawing/2014/main" id="{229DEB15-882A-6508-CA7F-5F702ACD4E56}"/>
-              </a:ext>
-            </a:extLst>
-          </p:cNvPr>
-          <p:cNvSpPr/>
-          <p:nvPr/>
-        </p:nvSpPr>
-        <p:spPr bwMode="auto">
-          <a:xfrm>
-            <a:off x="9095057" y="4317279"/>
-            <a:ext cx="206667" cy="1342823"/>
-          </a:xfrm>
-          <a:prstGeom prst="rect">
-            <a:avLst/>
-          </a:prstGeom>
-          <a:ln>
-            <a:headEnd type="none" w="med" len="med"/>
-            <a:tailEnd type="none" w="med" len="med"/>
-          </a:ln>
-        </p:spPr>
-        <p:style>
-          <a:lnRef idx="2">
-            <a:schemeClr val="accent6">
-              <a:shade val="50000"/>
-            </a:schemeClr>
-          </a:lnRef>
-          <a:fillRef idx="1">
-            <a:schemeClr val="accent6"/>
-          </a:fillRef>
-          <a:effectRef idx="0">
-            <a:schemeClr val="accent6"/>
-          </a:effectRef>
-          <a:fontRef idx="minor">
-            <a:schemeClr val="lt1"/>
-          </a:fontRef>
-        </p:style>
-        <p:txBody>
-          <a:bodyPr vert="vert270" wrap="square" lIns="91440" tIns="45720" rIns="91440" bIns="45720" numCol="1" rtlCol="0" anchor="ctr" anchorCtr="0" compatLnSpc="1">
-            <a:prstTxWarp prst="textNoShape">
-              <a:avLst/>
-            </a:prstTxWarp>
-          </a:bodyPr>
-          <a:lstStyle/>
-          <a:p>
-            <a:pPr algn="ctr" fontAlgn="base">
-              <a:spcBef>
-                <a:spcPct val="0"/>
-              </a:spcBef>
-              <a:spcAft>
-                <a:spcPct val="0"/>
-              </a:spcAft>
-            </a:pPr>
-            <a:r>
-              <a:rPr lang="en-US" sz="1000" b="1" dirty="0">
-                <a:solidFill>
-                  <a:srgbClr val="003399"/>
-                </a:solidFill>
-                <a:latin typeface="Arial" charset="0"/>
-              </a:rPr>
-              <a:t>B2 Scores, Cohort B</a:t>
-            </a:r>
-          </a:p>
-        </p:txBody>
-      </p:sp>
-      <p:sp>
-        <p:nvSpPr>
-          <p:cNvPr id="27" name="Rectangle 26">
-            <a:extLst>
-              <a:ext uri="{FF2B5EF4-FFF2-40B4-BE49-F238E27FC236}">
-                <a16:creationId xmlns:a16="http://schemas.microsoft.com/office/drawing/2014/main" id="{E7DA7A58-BA3E-CD70-8CD3-8D6B5528F779}"/>
-              </a:ext>
-            </a:extLst>
-          </p:cNvPr>
-          <p:cNvSpPr/>
-          <p:nvPr/>
-        </p:nvSpPr>
-        <p:spPr bwMode="auto">
-          <a:xfrm>
-            <a:off x="6841637" y="4464109"/>
-            <a:ext cx="1695172" cy="762000"/>
-          </a:xfrm>
-          <a:prstGeom prst="rect">
-            <a:avLst/>
-          </a:prstGeom>
-          <a:ln>
-            <a:headEnd type="none" w="med" len="med"/>
-            <a:tailEnd type="none" w="med" len="med"/>
-          </a:ln>
-        </p:spPr>
-        <p:style>
-          <a:lnRef idx="3">
-            <a:schemeClr val="lt1"/>
-          </a:lnRef>
-          <a:fillRef idx="1">
-            <a:schemeClr val="accent3"/>
-          </a:fillRef>
-          <a:effectRef idx="1">
-            <a:schemeClr val="accent3"/>
-          </a:effectRef>
-          <a:fontRef idx="minor">
-            <a:schemeClr val="lt1"/>
-          </a:fontRef>
-        </p:style>
-        <p:txBody>
-          <a:bodyPr vert="horz" wrap="square" lIns="91440" tIns="45720" rIns="91440" bIns="45720" numCol="1" rtlCol="0" anchor="ctr" anchorCtr="0" compatLnSpc="1">
-            <a:prstTxWarp prst="textNoShape">
-              <a:avLst/>
-            </a:prstTxWarp>
-          </a:bodyPr>
-          <a:lstStyle/>
-          <a:p>
-            <a:pPr algn="ctr" fontAlgn="base">
-              <a:spcBef>
-                <a:spcPct val="0"/>
-              </a:spcBef>
-              <a:spcAft>
-                <a:spcPct val="0"/>
-              </a:spcAft>
-            </a:pPr>
-            <a:r>
-              <a:rPr lang="en-US" sz="1600" b="1" dirty="0">
-                <a:solidFill>
-                  <a:srgbClr val="003399"/>
-                </a:solidFill>
-                <a:latin typeface="Arial" charset="0"/>
-              </a:rPr>
-              <a:t>Intervention training</a:t>
-            </a:r>
-          </a:p>
-        </p:txBody>
-      </p:sp>
-      <p:sp>
-        <p:nvSpPr>
-          <p:cNvPr id="28" name="Arrow: Up-Down 27">
-            <a:extLst>
-              <a:ext uri="{FF2B5EF4-FFF2-40B4-BE49-F238E27FC236}">
-                <a16:creationId xmlns:a16="http://schemas.microsoft.com/office/drawing/2014/main" id="{8F84ABDC-C5BF-0815-1AE7-540FD4428194}"/>
-              </a:ext>
-            </a:extLst>
-          </p:cNvPr>
-          <p:cNvSpPr/>
-          <p:nvPr/>
-        </p:nvSpPr>
-        <p:spPr bwMode="auto">
-          <a:xfrm rot="16200000">
-            <a:off x="7759148" y="1157256"/>
-            <a:ext cx="254474" cy="2434770"/>
-          </a:xfrm>
-          <a:prstGeom prst="upDownArrow">
-            <a:avLst/>
-          </a:prstGeom>
-          <a:solidFill>
-            <a:schemeClr val="accent2">
-              <a:lumMod val="60000"/>
-              <a:lumOff val="40000"/>
-            </a:schemeClr>
-          </a:solidFill>
-          <a:ln>
-            <a:headEnd type="none" w="med" len="med"/>
-            <a:tailEnd type="none" w="med" len="med"/>
-          </a:ln>
-        </p:spPr>
-        <p:style>
-          <a:lnRef idx="3">
-            <a:schemeClr val="lt1"/>
-          </a:lnRef>
-          <a:fillRef idx="1">
-            <a:schemeClr val="accent2"/>
-          </a:fillRef>
-          <a:effectRef idx="1">
-            <a:schemeClr val="accent2"/>
-          </a:effectRef>
-          <a:fontRef idx="minor">
-            <a:schemeClr val="lt1"/>
-          </a:fontRef>
-        </p:style>
-        <p:txBody>
-          <a:bodyPr vert="horz" wrap="square" lIns="91440" tIns="45720" rIns="91440" bIns="45720" numCol="1" rtlCol="0" anchor="ctr" anchorCtr="0" compatLnSpc="1">
-            <a:prstTxWarp prst="textNoShape">
-              <a:avLst/>
-            </a:prstTxWarp>
-          </a:bodyPr>
-          <a:lstStyle/>
-          <a:p>
-            <a:pPr fontAlgn="base">
-              <a:spcBef>
-                <a:spcPct val="0"/>
-              </a:spcBef>
-              <a:spcAft>
-                <a:spcPct val="0"/>
-              </a:spcAft>
-            </a:pPr>
-            <a:endParaRPr lang="en-US" sz="1600" b="1">
-              <a:solidFill>
-                <a:srgbClr val="003399"/>
-              </a:solidFill>
-              <a:latin typeface="Arial" charset="0"/>
-            </a:endParaRPr>
-          </a:p>
-        </p:txBody>
-      </p:sp>
-      <p:sp>
-        <p:nvSpPr>
-          <p:cNvPr id="29" name="Oval 28">
-            <a:extLst>
-              <a:ext uri="{FF2B5EF4-FFF2-40B4-BE49-F238E27FC236}">
-                <a16:creationId xmlns:a16="http://schemas.microsoft.com/office/drawing/2014/main" id="{B0BCE78C-522A-1F74-D598-4A85F0281382}"/>
-              </a:ext>
-            </a:extLst>
-          </p:cNvPr>
-          <p:cNvSpPr/>
-          <p:nvPr/>
-        </p:nvSpPr>
-        <p:spPr bwMode="auto">
-          <a:xfrm>
-            <a:off x="7685309" y="2374640"/>
-            <a:ext cx="631089" cy="457448"/>
-          </a:xfrm>
-          <a:prstGeom prst="ellipse">
-            <a:avLst/>
-          </a:prstGeom>
-          <a:noFill/>
-          <a:ln w="9525" cap="flat" cmpd="sng" algn="ctr">
-            <a:solidFill>
-              <a:schemeClr val="tx1"/>
-            </a:solidFill>
-            <a:prstDash val="solid"/>
-            <a:round/>
-            <a:headEnd type="none" w="med" len="med"/>
-            <a:tailEnd type="none" w="med" len="med"/>
-          </a:ln>
-          <a:effectLst/>
-        </p:spPr>
-        <p:txBody>
-          <a:bodyPr vert="horz" wrap="square" lIns="91440" tIns="45720" rIns="91440" bIns="45720" numCol="1" rtlCol="0" anchor="ctr" anchorCtr="0" compatLnSpc="1">
-            <a:prstTxWarp prst="textNoShape">
-              <a:avLst/>
-            </a:prstTxWarp>
-          </a:bodyPr>
-          <a:lstStyle/>
-          <a:p>
-            <a:pPr fontAlgn="base">
-              <a:spcBef>
-                <a:spcPct val="0"/>
-              </a:spcBef>
-              <a:spcAft>
-                <a:spcPct val="0"/>
-              </a:spcAft>
-            </a:pPr>
-            <a:r>
-              <a:rPr lang="en-US" sz="1600" b="1" dirty="0">
-                <a:solidFill>
-                  <a:srgbClr val="003399"/>
-                </a:solidFill>
-                <a:latin typeface="Arial" charset="0"/>
-              </a:rPr>
-              <a:t>T3</a:t>
-            </a:r>
-          </a:p>
-        </p:txBody>
-      </p:sp>
-      <p:sp>
-        <p:nvSpPr>
-          <p:cNvPr id="31" name="Title 30">
-            <a:extLst>
-              <a:ext uri="{FF2B5EF4-FFF2-40B4-BE49-F238E27FC236}">
-                <a16:creationId xmlns:a16="http://schemas.microsoft.com/office/drawing/2014/main" id="{65855E69-7DE4-C015-9E5B-CF4FBCD8953A}"/>
-              </a:ext>
-            </a:extLst>
-          </p:cNvPr>
-          <p:cNvSpPr>
-            <a:spLocks noGrp="1"/>
-          </p:cNvSpPr>
-          <p:nvPr>
-            <p:ph type="title"/>
-          </p:nvPr>
-        </p:nvSpPr>
-        <p:spPr/>
-        <p:txBody>
-          <a:bodyPr/>
-          <a:lstStyle/>
-          <a:p>
-            <a:r>
-              <a:rPr lang="en-US" dirty="0"/>
-              <a:t>Crossover Intervention Design</a:t>
-            </a:r>
+              <a:t> = +.45. Which test should be preferred and why? </a:t>
+            </a:r>
+          </a:p>
+          <a:p>
+            <a:endParaRPr lang="en-US" dirty="0"/>
           </a:p>
         </p:txBody>
       </p:sp>
     </p:spTree>
     <p:extLst>
       <p:ext uri="{BB962C8B-B14F-4D97-AF65-F5344CB8AC3E}">
-        <p14:creationId xmlns:p14="http://schemas.microsoft.com/office/powerpoint/2010/main" val="294881166"/>
+        <p14:creationId xmlns:p14="http://schemas.microsoft.com/office/powerpoint/2010/main" val="3073741166"/>
       </p:ext>
     </p:extLst>
   </p:cSld>
